--- a/Ch4.pptx
+++ b/Ch4.pptx
@@ -5,10 +5,10 @@
     <p:sldMasterId id="2147483684" r:id="rId1"/>
   </p:sldMasterIdLst>
   <p:notesMasterIdLst>
-    <p:notesMasterId r:id="rId80"/>
+    <p:notesMasterId r:id="rId65"/>
   </p:notesMasterIdLst>
   <p:handoutMasterIdLst>
-    <p:handoutMasterId r:id="rId81"/>
+    <p:handoutMasterId r:id="rId66"/>
   </p:handoutMasterIdLst>
   <p:sldIdLst>
     <p:sldId id="256" r:id="rId2"/>
@@ -45,50 +45,35 @@
     <p:sldId id="321" r:id="rId33"/>
     <p:sldId id="324" r:id="rId34"/>
     <p:sldId id="323" r:id="rId35"/>
-    <p:sldId id="266" r:id="rId36"/>
-    <p:sldId id="322" r:id="rId37"/>
-    <p:sldId id="325" r:id="rId38"/>
-    <p:sldId id="332" r:id="rId39"/>
-    <p:sldId id="331" r:id="rId40"/>
-    <p:sldId id="326" r:id="rId41"/>
-    <p:sldId id="268" r:id="rId42"/>
-    <p:sldId id="302" r:id="rId43"/>
-    <p:sldId id="269" r:id="rId44"/>
-    <p:sldId id="303" r:id="rId45"/>
-    <p:sldId id="304" r:id="rId46"/>
-    <p:sldId id="333" r:id="rId47"/>
-    <p:sldId id="270" r:id="rId48"/>
-    <p:sldId id="340" r:id="rId49"/>
-    <p:sldId id="339" r:id="rId50"/>
-    <p:sldId id="341" r:id="rId51"/>
-    <p:sldId id="342" r:id="rId52"/>
-    <p:sldId id="335" r:id="rId53"/>
-    <p:sldId id="343" r:id="rId54"/>
-    <p:sldId id="344" r:id="rId55"/>
-    <p:sldId id="336" r:id="rId56"/>
-    <p:sldId id="345" r:id="rId57"/>
-    <p:sldId id="346" r:id="rId58"/>
-    <p:sldId id="305" r:id="rId59"/>
-    <p:sldId id="271" r:id="rId60"/>
-    <p:sldId id="306" r:id="rId61"/>
-    <p:sldId id="272" r:id="rId62"/>
-    <p:sldId id="292" r:id="rId63"/>
-    <p:sldId id="294" r:id="rId64"/>
-    <p:sldId id="293" r:id="rId65"/>
-    <p:sldId id="273" r:id="rId66"/>
-    <p:sldId id="295" r:id="rId67"/>
-    <p:sldId id="296" r:id="rId68"/>
-    <p:sldId id="297" r:id="rId69"/>
-    <p:sldId id="298" r:id="rId70"/>
-    <p:sldId id="299" r:id="rId71"/>
-    <p:sldId id="301" r:id="rId72"/>
-    <p:sldId id="347" r:id="rId73"/>
-    <p:sldId id="348" r:id="rId74"/>
-    <p:sldId id="274" r:id="rId75"/>
-    <p:sldId id="349" r:id="rId76"/>
-    <p:sldId id="350" r:id="rId77"/>
-    <p:sldId id="275" r:id="rId78"/>
-    <p:sldId id="309" r:id="rId79"/>
+    <p:sldId id="302" r:id="rId36"/>
+    <p:sldId id="269" r:id="rId37"/>
+    <p:sldId id="303" r:id="rId38"/>
+    <p:sldId id="304" r:id="rId39"/>
+    <p:sldId id="333" r:id="rId40"/>
+    <p:sldId id="270" r:id="rId41"/>
+    <p:sldId id="340" r:id="rId42"/>
+    <p:sldId id="339" r:id="rId43"/>
+    <p:sldId id="341" r:id="rId44"/>
+    <p:sldId id="342" r:id="rId45"/>
+    <p:sldId id="335" r:id="rId46"/>
+    <p:sldId id="343" r:id="rId47"/>
+    <p:sldId id="344" r:id="rId48"/>
+    <p:sldId id="336" r:id="rId49"/>
+    <p:sldId id="345" r:id="rId50"/>
+    <p:sldId id="346" r:id="rId51"/>
+    <p:sldId id="306" r:id="rId52"/>
+    <p:sldId id="272" r:id="rId53"/>
+    <p:sldId id="292" r:id="rId54"/>
+    <p:sldId id="294" r:id="rId55"/>
+    <p:sldId id="295" r:id="rId56"/>
+    <p:sldId id="296" r:id="rId57"/>
+    <p:sldId id="297" r:id="rId58"/>
+    <p:sldId id="298" r:id="rId59"/>
+    <p:sldId id="299" r:id="rId60"/>
+    <p:sldId id="301" r:id="rId61"/>
+    <p:sldId id="347" r:id="rId62"/>
+    <p:sldId id="348" r:id="rId63"/>
+    <p:sldId id="309" r:id="rId64"/>
   </p:sldIdLst>
   <p:sldSz cx="9144000" cy="6858000" type="screen4x3"/>
   <p:notesSz cx="6858000" cy="9144000"/>
@@ -311,7 +296,7 @@
               <a:pPr>
                 <a:defRPr/>
               </a:pPr>
-              <a:t>9/28/2015</a:t>
+              <a:t>10/7/2015</a:t>
             </a:fld>
             <a:endParaRPr lang="en-US"/>
           </a:p>
@@ -490,7 +475,7 @@
               <a:pPr>
                 <a:defRPr/>
               </a:pPr>
-              <a:t>9/28/2015</a:t>
+              <a:t>10/7/2015</a:t>
             </a:fld>
             <a:endParaRPr lang="en-US"/>
           </a:p>
@@ -990,7 +975,7 @@
               <a:pPr>
                 <a:defRPr/>
               </a:pPr>
-              <a:t>9/28/2015</a:t>
+              <a:t>10/7/2015</a:t>
             </a:fld>
             <a:endParaRPr lang="en-US"/>
           </a:p>
@@ -1194,7 +1179,7 @@
               <a:pPr>
                 <a:defRPr/>
               </a:pPr>
-              <a:t>9/28/2015</a:t>
+              <a:t>10/7/2015</a:t>
             </a:fld>
             <a:endParaRPr lang="en-US"/>
           </a:p>
@@ -1403,7 +1388,7 @@
               <a:pPr>
                 <a:defRPr/>
               </a:pPr>
-              <a:t>9/28/2015</a:t>
+              <a:t>10/7/2015</a:t>
             </a:fld>
             <a:endParaRPr lang="en-US"/>
           </a:p>
@@ -1669,7 +1654,7 @@
               <a:pPr>
                 <a:defRPr/>
               </a:pPr>
-              <a:t>9/28/2015</a:t>
+              <a:t>10/7/2015</a:t>
             </a:fld>
             <a:endParaRPr lang="en-US"/>
           </a:p>
@@ -1944,7 +1929,7 @@
               <a:pPr>
                 <a:defRPr/>
               </a:pPr>
-              <a:t>9/28/2015</a:t>
+              <a:t>10/7/2015</a:t>
             </a:fld>
             <a:endParaRPr lang="en-US"/>
           </a:p>
@@ -2264,7 +2249,7 @@
               <a:pPr>
                 <a:defRPr/>
               </a:pPr>
-              <a:t>9/28/2015</a:t>
+              <a:t>10/7/2015</a:t>
             </a:fld>
             <a:endParaRPr lang="en-US"/>
           </a:p>
@@ -2724,7 +2709,7 @@
               <a:pPr>
                 <a:defRPr/>
               </a:pPr>
-              <a:t>9/28/2015</a:t>
+              <a:t>10/7/2015</a:t>
             </a:fld>
             <a:endParaRPr lang="en-US"/>
           </a:p>
@@ -2868,7 +2853,7 @@
               <a:pPr>
                 <a:defRPr/>
               </a:pPr>
-              <a:t>9/28/2015</a:t>
+              <a:t>10/7/2015</a:t>
             </a:fld>
             <a:endParaRPr lang="en-US"/>
           </a:p>
@@ -2989,7 +2974,7 @@
               <a:pPr>
                 <a:defRPr/>
               </a:pPr>
-              <a:t>9/28/2015</a:t>
+              <a:t>10/7/2015</a:t>
             </a:fld>
             <a:endParaRPr lang="en-US"/>
           </a:p>
@@ -3298,7 +3283,7 @@
               <a:pPr>
                 <a:defRPr/>
               </a:pPr>
-              <a:t>9/28/2015</a:t>
+              <a:t>10/7/2015</a:t>
             </a:fld>
             <a:endParaRPr lang="en-US"/>
           </a:p>
@@ -3588,7 +3573,7 @@
               <a:pPr>
                 <a:defRPr/>
               </a:pPr>
-              <a:t>9/28/2015</a:t>
+              <a:t>10/7/2015</a:t>
             </a:fld>
             <a:endParaRPr lang="en-US"/>
           </a:p>
@@ -3780,7 +3765,7 @@
               <a:pPr>
                 <a:defRPr/>
               </a:pPr>
-              <a:t>9/28/2015</a:t>
+              <a:t>10/7/2015</a:t>
             </a:fld>
             <a:endParaRPr lang="en-US"/>
           </a:p>
@@ -5092,7 +5077,7 @@
           <p:nvPr/>
         </p:nvPicPr>
         <mc:AlternateContent xmlns:mc="http://schemas.openxmlformats.org/markup-compatibility/2006">
-          <mc:Choice xmlns:ma="http://schemas.microsoft.com/office/mac/drawingml/2008/main" xmlns:mv="urn:schemas-microsoft-com:mac:vml" xmlns="" Requires="ma">
+          <mc:Choice xmlns="" xmlns:mv="urn:schemas-microsoft-com:mac:vml" xmlns:ma="http://schemas.microsoft.com/office/mac/drawingml/2008/main" Requires="ma">
             <p:blipFill>
               <a:blip r:embed="rId2"/>
               <a:stretch>
@@ -8669,7 +8654,7 @@
           <p:nvPr/>
         </p:nvPicPr>
         <mc:AlternateContent xmlns:mc="http://schemas.openxmlformats.org/markup-compatibility/2006">
-          <mc:Choice xmlns:ma="http://schemas.microsoft.com/office/mac/drawingml/2008/main" xmlns:mv="urn:schemas-microsoft-com:mac:vml" xmlns="" Requires="ma">
+          <mc:Choice xmlns="" xmlns:mv="urn:schemas-microsoft-com:mac:vml" xmlns:ma="http://schemas.microsoft.com/office/mac/drawingml/2008/main" Requires="ma">
             <p:blipFill>
               <a:blip r:embed="rId2"/>
               <a:stretch>
@@ -8978,7 +8963,7 @@
         </p:nvGraphicFramePr>
         <p:xfrm>
           <a:off x="762000" y="1828800"/>
-          <a:ext cx="7924800" cy="4480559"/>
+          <a:ext cx="7924800" cy="4480560"/>
         </p:xfrm>
         <a:graphic>
           <a:graphicData uri="http://schemas.openxmlformats.org/drawingml/2006/table">
@@ -10306,7 +10291,7 @@
         </p:nvGraphicFramePr>
         <p:xfrm>
           <a:off x="457200" y="1676400"/>
-          <a:ext cx="8229600" cy="4680812"/>
+          <a:ext cx="8229600" cy="4680813"/>
         </p:xfrm>
         <a:graphic>
           <a:graphicData uri="http://schemas.openxmlformats.org/drawingml/2006/table">
@@ -11328,7 +11313,7 @@
         </p:nvGraphicFramePr>
         <p:xfrm>
           <a:off x="685800" y="1595479"/>
-          <a:ext cx="7924800" cy="4805321"/>
+          <a:ext cx="7924800" cy="4805322"/>
         </p:xfrm>
         <a:graphic>
           <a:graphicData uri="http://schemas.openxmlformats.org/drawingml/2006/table">
@@ -12995,9 +12980,9 @@
       </p:grpSpPr>
       <p:sp>
         <p:nvSpPr>
-          <p:cNvPr id="26627" name="Title 1"/>
-          <p:cNvSpPr>
-            <a:spLocks noGrp="1"/>
+          <p:cNvPr id="44034" name="Rectangle 2"/>
+          <p:cNvSpPr>
+            <a:spLocks noGrp="1" noChangeArrowheads="1"/>
           </p:cNvSpPr>
           <p:nvPr>
             <p:ph type="title"/>
@@ -13008,82 +12993,114 @@
           <a:bodyPr/>
           <a:lstStyle/>
           <a:p>
-            <a:pPr eaLnBrk="1" hangingPunct="1"/>
-            <a:r>
-              <a:rPr lang="en-US" dirty="0" smtClean="0"/>
-              <a:t>Example requirements for the insulin pump software system</a:t>
+            <a:r>
+              <a:rPr lang="en-GB" dirty="0"/>
+              <a:t>Requirements engineering processes</a:t>
+            </a:r>
+          </a:p>
+        </p:txBody>
+      </p:sp>
+      <p:sp>
+        <p:nvSpPr>
+          <p:cNvPr id="44035" name="Rectangle 3"/>
+          <p:cNvSpPr>
+            <a:spLocks noGrp="1" noChangeArrowheads="1"/>
+          </p:cNvSpPr>
+          <p:nvPr>
+            <p:ph type="body" idx="1"/>
+          </p:nvPr>
+        </p:nvSpPr>
+        <p:spPr/>
+        <p:txBody>
+          <a:bodyPr/>
+          <a:lstStyle/>
+          <a:p>
+            <a:pPr>
+              <a:lnSpc>
+                <a:spcPct val="90000"/>
+              </a:lnSpc>
+            </a:pPr>
+            <a:r>
+              <a:rPr lang="en-GB" dirty="0"/>
+              <a:t>The processes used for RE vary widely depending on the application domain, the people involved and the organisation developing the requirements.</a:t>
+            </a:r>
+          </a:p>
+          <a:p>
+            <a:pPr>
+              <a:lnSpc>
+                <a:spcPct val="90000"/>
+              </a:lnSpc>
+            </a:pPr>
+            <a:r>
+              <a:rPr lang="en-GB" dirty="0"/>
+              <a:t>However, there are a number of generic activities common to all processes</a:t>
+            </a:r>
+          </a:p>
+          <a:p>
+            <a:pPr lvl="1">
+              <a:lnSpc>
+                <a:spcPct val="90000"/>
+              </a:lnSpc>
+            </a:pPr>
+            <a:r>
+              <a:rPr lang="en-GB" dirty="0"/>
+              <a:t>Requirements elicitation;</a:t>
+            </a:r>
+          </a:p>
+          <a:p>
+            <a:pPr lvl="1">
+              <a:lnSpc>
+                <a:spcPct val="90000"/>
+              </a:lnSpc>
+            </a:pPr>
+            <a:r>
+              <a:rPr lang="en-GB" dirty="0"/>
+              <a:t>Requirements analysis;</a:t>
+            </a:r>
+          </a:p>
+          <a:p>
+            <a:pPr lvl="1">
+              <a:lnSpc>
+                <a:spcPct val="90000"/>
+              </a:lnSpc>
+            </a:pPr>
+            <a:r>
+              <a:rPr lang="en-GB" dirty="0"/>
+              <a:t>Requirements validation;</a:t>
+            </a:r>
+          </a:p>
+          <a:p>
+            <a:pPr lvl="1">
+              <a:lnSpc>
+                <a:spcPct val="90000"/>
+              </a:lnSpc>
+            </a:pPr>
+            <a:r>
+              <a:rPr lang="en-GB" dirty="0"/>
+              <a:t>Requirements management</a:t>
             </a:r>
             <a:r>
               <a:rPr lang="en-GB" dirty="0" smtClean="0"/>
-              <a:t> </a:t>
-            </a:r>
-            <a:endParaRPr lang="en-US" dirty="0" smtClean="0"/>
-          </a:p>
-        </p:txBody>
-      </p:sp>
-      <p:graphicFrame>
-        <p:nvGraphicFramePr>
-          <p:cNvPr id="4" name="Table 3"/>
-          <p:cNvGraphicFramePr>
-            <a:graphicFrameLocks noGrp="1"/>
-          </p:cNvGraphicFramePr>
-          <p:nvPr/>
-        </p:nvGraphicFramePr>
-        <p:xfrm>
-          <a:off x="1524000" y="2209800"/>
-          <a:ext cx="6096000" cy="3383280"/>
-        </p:xfrm>
-        <a:graphic>
-          <a:graphicData uri="http://schemas.openxmlformats.org/drawingml/2006/table">
-            <a:tbl>
-              <a:tblPr firstRow="1" bandRow="1">
-                <a:tableStyleId>{69CF1AB2-1976-4502-BF36-3FF5EA218861}</a:tableStyleId>
-              </a:tblPr>
-              <a:tblGrid>
-                <a:gridCol w="6096000"/>
-              </a:tblGrid>
-              <a:tr h="370840">
-                <a:tc>
-                  <a:txBody>
-                    <a:bodyPr/>
-                    <a:lstStyle/>
-                    <a:p>
-                      <a:r>
-                        <a:rPr lang="en-GB" sz="1800" b="0" kern="1200" dirty="0" smtClean="0"/>
-                        <a:t>3.2 The system shall measure the blood sugar and deliver insulin, if required, every 10 minutes.</a:t>
-                      </a:r>
-                      <a:r>
-                        <a:rPr lang="en-GB" sz="1800" b="0" i="1" kern="1200" dirty="0" smtClean="0"/>
-                        <a:t> (Changes in blood sugar are relatively slow so more frequent measurement is unnecessary; less frequent measurement could lead to unnecessarily high sugar levels.)</a:t>
-                      </a:r>
-                    </a:p>
-                    <a:p>
-                      <a:endParaRPr lang="en-GB" sz="1800" b="0" kern="1200" dirty="0" smtClean="0"/>
-                    </a:p>
-                    <a:p>
-                      <a:r>
-                        <a:rPr lang="en-GB" sz="1800" b="0" kern="1200" dirty="0" smtClean="0"/>
-                        <a:t>3.6 The system shall run a self-test routine every minute with the conditions to be tested and the associated actions defined in Table 1.</a:t>
-                      </a:r>
-                      <a:r>
-                        <a:rPr lang="en-GB" sz="1800" b="0" i="1" kern="1200" dirty="0" smtClean="0"/>
-                        <a:t> (A self-test routine can discover hardware and software problems and alert the user to the fact the normal operation may be impossible.)</a:t>
-                      </a:r>
-                    </a:p>
-                    <a:p>
-                      <a:endParaRPr lang="en-US" dirty="0"/>
-                    </a:p>
-                  </a:txBody>
-                  <a:tcPr/>
-                </a:tc>
-              </a:tr>
-            </a:tbl>
-          </a:graphicData>
-        </a:graphic>
-      </p:graphicFrame>
-      <p:sp>
-        <p:nvSpPr>
-          <p:cNvPr id="5" name="Slide Number Placeholder 4"/>
+              <a:t>.</a:t>
+            </a:r>
+          </a:p>
+          <a:p>
+            <a:pPr>
+              <a:lnSpc>
+                <a:spcPct val="90000"/>
+              </a:lnSpc>
+            </a:pPr>
+            <a:r>
+              <a:rPr lang="en-GB" dirty="0" smtClean="0"/>
+              <a:t>In practice, RE is an iterative activity in which these processes are interleaved.</a:t>
+            </a:r>
+            <a:endParaRPr lang="en-GB" dirty="0"/>
+          </a:p>
+        </p:txBody>
+      </p:sp>
+      <p:sp>
+        <p:nvSpPr>
+          <p:cNvPr id="4" name="Slide Number Placeholder 3"/>
           <p:cNvSpPr>
             <a:spLocks noGrp="1"/>
           </p:cNvSpPr>
@@ -13112,7 +13129,7 @@
       </p:sp>
       <p:sp>
         <p:nvSpPr>
-          <p:cNvPr id="6" name="Footer Placeholder 5"/>
+          <p:cNvPr id="5" name="Footer Placeholder 4"/>
           <p:cNvSpPr>
             <a:spLocks noGrp="1"/>
           </p:cNvSpPr>
@@ -13170,7 +13187,7 @@
       </p:grpSpPr>
       <p:sp>
         <p:nvSpPr>
-          <p:cNvPr id="2" name="Title 1"/>
+          <p:cNvPr id="29698" name="Title 1"/>
           <p:cNvSpPr>
             <a:spLocks noGrp="1"/>
           </p:cNvSpPr>
@@ -13183,69 +13200,55 @@
           <a:bodyPr/>
           <a:lstStyle/>
           <a:p>
+            <a:pPr eaLnBrk="1" hangingPunct="1"/>
             <a:r>
               <a:rPr lang="en-US" dirty="0" smtClean="0"/>
-              <a:t>Structured specifications</a:t>
-            </a:r>
-            <a:endParaRPr lang="en-US" dirty="0"/>
-          </a:p>
-        </p:txBody>
-      </p:sp>
-      <p:sp>
-        <p:nvSpPr>
-          <p:cNvPr id="3" name="Content Placeholder 2"/>
-          <p:cNvSpPr>
-            <a:spLocks noGrp="1"/>
-          </p:cNvSpPr>
-          <p:nvPr>
-            <p:ph idx="1"/>
-          </p:nvPr>
-        </p:nvSpPr>
-        <p:spPr/>
-        <p:txBody>
-          <a:bodyPr/>
-          <a:lstStyle/>
-          <a:p>
-            <a:r>
-              <a:rPr lang="en-US" dirty="0" smtClean="0"/>
-              <a:t>An approach to writing requirements where the freedom of the requirements writer is limited and requirements are written in a standard way.</a:t>
-            </a:r>
-          </a:p>
-          <a:p>
-            <a:r>
-              <a:rPr lang="en-US" dirty="0" smtClean="0"/>
-              <a:t>This works well for some types of requirements e.g. requirements for embedded control system but is sometimes too rigid for writing business system requirements.</a:t>
-            </a:r>
-            <a:endParaRPr lang="en-US" dirty="0"/>
-          </a:p>
-        </p:txBody>
-      </p:sp>
-      <p:sp>
-        <p:nvSpPr>
-          <p:cNvPr id="4" name="Footer Placeholder 3"/>
-          <p:cNvSpPr>
-            <a:spLocks noGrp="1"/>
-          </p:cNvSpPr>
-          <p:nvPr>
-            <p:ph type="ftr" sz="quarter" idx="11"/>
-          </p:nvPr>
-        </p:nvSpPr>
-        <p:spPr/>
-        <p:txBody>
-          <a:bodyPr/>
-          <a:lstStyle/>
-          <a:p>
-            <a:pPr>
-              <a:defRPr/>
-            </a:pPr>
-            <a:r>
-              <a:rPr lang="en-US" smtClean="0"/>
-              <a:t>Chapter 4 Requirements engineering</a:t>
-            </a:r>
-            <a:endParaRPr lang="en-US"/>
-          </a:p>
-        </p:txBody>
-      </p:sp>
+              <a:t>A spiral view of the requirements engineering process</a:t>
+            </a:r>
+            <a:r>
+              <a:rPr lang="en-GB" dirty="0" smtClean="0"/>
+              <a:t> </a:t>
+            </a:r>
+            <a:endParaRPr lang="en-US" dirty="0" smtClean="0"/>
+          </a:p>
+        </p:txBody>
+      </p:sp>
+      <p:pic>
+        <p:nvPicPr>
+          <p:cNvPr id="4" name="Picture 3" descr="4.12 ReqEngSpiral.eps"/>
+          <p:cNvPicPr>
+            <a:picLocks noChangeAspect="1"/>
+          </p:cNvPicPr>
+          <p:nvPr/>
+        </p:nvPicPr>
+        <mc:AlternateContent xmlns:mc="http://schemas.openxmlformats.org/markup-compatibility/2006">
+          <mc:Choice xmlns="" xmlns:mv="urn:schemas-microsoft-com:mac:vml" xmlns:ma="http://schemas.microsoft.com/office/mac/drawingml/2008/main" Requires="ma">
+            <p:blipFill>
+              <a:blip r:embed="rId2"/>
+              <a:stretch>
+                <a:fillRect/>
+              </a:stretch>
+            </p:blipFill>
+          </mc:Choice>
+          <mc:Fallback>
+            <p:blipFill>
+              <a:blip r:embed="rId3"/>
+              <a:stretch>
+                <a:fillRect/>
+              </a:stretch>
+            </p:blipFill>
+          </mc:Fallback>
+        </mc:AlternateContent>
+        <p:spPr>
+          <a:xfrm>
+            <a:off x="1974849" y="1417638"/>
+            <a:ext cx="5510667" cy="4756150"/>
+          </a:xfrm>
+          <a:prstGeom prst="rect">
+            <a:avLst/>
+          </a:prstGeom>
+        </p:spPr>
+      </p:pic>
       <p:sp>
         <p:nvSpPr>
           <p:cNvPr id="5" name="Slide Number Placeholder 4"/>
@@ -13271,6 +13274,32 @@
               </a:pPr>
               <a:t>36</a:t>
             </a:fld>
+            <a:endParaRPr lang="en-US"/>
+          </a:p>
+        </p:txBody>
+      </p:sp>
+      <p:sp>
+        <p:nvSpPr>
+          <p:cNvPr id="6" name="Footer Placeholder 5"/>
+          <p:cNvSpPr>
+            <a:spLocks noGrp="1"/>
+          </p:cNvSpPr>
+          <p:nvPr>
+            <p:ph type="ftr" sz="quarter" idx="11"/>
+          </p:nvPr>
+        </p:nvSpPr>
+        <p:spPr/>
+        <p:txBody>
+          <a:bodyPr/>
+          <a:lstStyle/>
+          <a:p>
+            <a:pPr>
+              <a:defRPr/>
+            </a:pPr>
+            <a:r>
+              <a:rPr lang="en-US" smtClean="0"/>
+              <a:t>Chapter 4 Requirements engineering</a:t>
+            </a:r>
             <a:endParaRPr lang="en-US"/>
           </a:p>
         </p:txBody>
@@ -13309,7 +13338,7 @@
       </p:grpSpPr>
       <p:sp>
         <p:nvSpPr>
-          <p:cNvPr id="67586" name="Rectangle 2"/>
+          <p:cNvPr id="7170" name="Rectangle 2"/>
           <p:cNvSpPr>
             <a:spLocks noGrp="1" noChangeArrowheads="1"/>
           </p:cNvSpPr>
@@ -13326,15 +13355,19 @@
           <a:lstStyle/>
           <a:p>
             <a:r>
-              <a:rPr lang="en-GB"/>
-              <a:t>Form-based specifications</a:t>
-            </a:r>
-          </a:p>
-        </p:txBody>
-      </p:sp>
-      <p:sp>
-        <p:nvSpPr>
-          <p:cNvPr id="67587" name="Rectangle 3"/>
+              <a:rPr lang="en-GB" dirty="0" smtClean="0"/>
+              <a:t>Requirements elicitation </a:t>
+            </a:r>
+            <a:r>
+              <a:rPr lang="en-GB" dirty="0"/>
+              <a:t>and analysis</a:t>
+            </a:r>
+          </a:p>
+        </p:txBody>
+      </p:sp>
+      <p:sp>
+        <p:nvSpPr>
+          <p:cNvPr id="7171" name="Rectangle 3"/>
           <p:cNvSpPr>
             <a:spLocks noGrp="1" noChangeArrowheads="1"/>
           </p:cNvSpPr>
@@ -13351,46 +13384,80 @@
           <a:lstStyle/>
           <a:p>
             <a:r>
-              <a:rPr lang="en-GB" dirty="0"/>
-              <a:t>Definition of the function or entity.</a:t>
-            </a:r>
-          </a:p>
-          <a:p>
-            <a:r>
-              <a:rPr lang="en-GB" dirty="0"/>
-              <a:t>Description of inputs and where they come from.</a:t>
-            </a:r>
-          </a:p>
-          <a:p>
-            <a:r>
-              <a:rPr lang="en-GB" dirty="0"/>
-              <a:t>Description of outputs and where they go to.</a:t>
-            </a:r>
-            <a:endParaRPr lang="en-GB" dirty="0" smtClean="0"/>
-          </a:p>
-          <a:p>
-            <a:r>
-              <a:rPr lang="en-GB" dirty="0" smtClean="0"/>
-              <a:t>Information about the information needed for the computation and other entities used.</a:t>
-            </a:r>
-          </a:p>
-          <a:p>
-            <a:r>
-              <a:rPr lang="en-GB" dirty="0" smtClean="0"/>
-              <a:t>Description of the action to be taken.</a:t>
-            </a:r>
-          </a:p>
-          <a:p>
-            <a:r>
-              <a:rPr lang="en-GB" dirty="0"/>
-              <a:t>Pre and post conditions (if appropriate).</a:t>
-            </a:r>
-          </a:p>
-          <a:p>
-            <a:r>
-              <a:rPr lang="en-GB" dirty="0"/>
-              <a:t>The side effects (if any) of the function.</a:t>
-            </a:r>
+              <a:rPr lang="en-GB" sz="2400"/>
+              <a:t>Sometimes called requirements elicitation or requirements discovery.</a:t>
+            </a:r>
+          </a:p>
+          <a:p>
+            <a:r>
+              <a:rPr lang="en-GB" sz="2400"/>
+              <a:t>Involves technical staff working with customers to find out about the application domain, the services that the system should provide and the system’s operational constraints.</a:t>
+            </a:r>
+          </a:p>
+          <a:p>
+            <a:r>
+              <a:rPr lang="en-GB" sz="2400"/>
+              <a:t>May involve end-users, managers, engineers involved in maintenance, domain experts, trade unions, etc. These are called </a:t>
+            </a:r>
+            <a:r>
+              <a:rPr lang="en-GB" sz="2400" i="1"/>
+              <a:t>stakeholders.</a:t>
+            </a:r>
+          </a:p>
+        </p:txBody>
+      </p:sp>
+      <p:sp>
+        <p:nvSpPr>
+          <p:cNvPr id="4" name="Slide Number Placeholder 3"/>
+          <p:cNvSpPr>
+            <a:spLocks noGrp="1"/>
+          </p:cNvSpPr>
+          <p:nvPr>
+            <p:ph type="sldNum" sz="quarter" idx="12"/>
+          </p:nvPr>
+        </p:nvSpPr>
+        <p:spPr/>
+        <p:txBody>
+          <a:bodyPr/>
+          <a:lstStyle/>
+          <a:p>
+            <a:pPr>
+              <a:defRPr/>
+            </a:pPr>
+            <a:fld id="{825F70CE-84E9-D04C-9B15-10C693AA0F2A}" type="slidenum">
+              <a:rPr lang="en-US" smtClean="0"/>
+              <a:pPr>
+                <a:defRPr/>
+              </a:pPr>
+              <a:t>37</a:t>
+            </a:fld>
+            <a:endParaRPr lang="en-US"/>
+          </a:p>
+        </p:txBody>
+      </p:sp>
+      <p:sp>
+        <p:nvSpPr>
+          <p:cNvPr id="5" name="Footer Placeholder 4"/>
+          <p:cNvSpPr>
+            <a:spLocks noGrp="1"/>
+          </p:cNvSpPr>
+          <p:nvPr>
+            <p:ph type="ftr" sz="quarter" idx="11"/>
+          </p:nvPr>
+        </p:nvSpPr>
+        <p:spPr/>
+        <p:txBody>
+          <a:bodyPr/>
+          <a:lstStyle/>
+          <a:p>
+            <a:pPr>
+              <a:defRPr/>
+            </a:pPr>
+            <a:r>
+              <a:rPr lang="en-US" smtClean="0"/>
+              <a:t>Chapter 4 Requirements engineering</a:t>
+            </a:r>
+            <a:endParaRPr lang="en-US"/>
           </a:p>
         </p:txBody>
       </p:sp>
@@ -13429,52 +13496,90 @@
       </p:grpSpPr>
       <p:sp>
         <p:nvSpPr>
-          <p:cNvPr id="27651" name="Title 1"/>
-          <p:cNvSpPr>
-            <a:spLocks noGrp="1"/>
+          <p:cNvPr id="8194" name="Rectangle 2"/>
+          <p:cNvSpPr>
+            <a:spLocks noGrp="1" noChangeArrowheads="1"/>
           </p:cNvSpPr>
           <p:nvPr>
             <p:ph type="title"/>
           </p:nvPr>
         </p:nvSpPr>
-        <p:spPr/>
-        <p:txBody>
-          <a:bodyPr/>
-          <a:lstStyle/>
-          <a:p>
-            <a:pPr eaLnBrk="1" hangingPunct="1"/>
-            <a:r>
-              <a:rPr lang="en-US" dirty="0" smtClean="0"/>
-              <a:t>A structured specification of a requirement for an insulin pump</a:t>
-            </a:r>
-            <a:r>
-              <a:rPr lang="en-GB" dirty="0" smtClean="0"/>
-              <a:t> </a:t>
-            </a:r>
-            <a:endParaRPr lang="en-US" dirty="0" smtClean="0"/>
-          </a:p>
-        </p:txBody>
-      </p:sp>
-      <p:graphicFrame>
-        <p:nvGraphicFramePr>
-          <p:cNvPr id="27650" name="Object 2"/>
-          <p:cNvGraphicFramePr>
-            <a:graphicFrameLocks noChangeAspect="1"/>
-          </p:cNvGraphicFramePr>
-          <p:nvPr/>
-        </p:nvGraphicFramePr>
-        <p:xfrm>
-          <a:off x="1143000" y="2057400"/>
-          <a:ext cx="5943600" cy="3314700"/>
-        </p:xfrm>
-        <a:graphic>
-          <a:graphicData uri="http://schemas.openxmlformats.org/presentationml/2006/ole">
-            <p:oleObj spid="_x0000_s131074" name="Document" r:id="rId3" imgW="5943381" imgH="3314578" progId="Word.Document.12">
-              <p:embed/>
-            </p:oleObj>
-          </a:graphicData>
-        </a:graphic>
-      </p:graphicFrame>
+        <p:spPr>
+          <a:xfrm>
+            <a:off x="381000" y="266700"/>
+            <a:ext cx="8458200" cy="1104900"/>
+          </a:xfrm>
+          <a:noFill/>
+          <a:ln/>
+        </p:spPr>
+        <p:txBody>
+          <a:bodyPr lIns="90487" tIns="44450" rIns="90487" bIns="44450"/>
+          <a:lstStyle/>
+          <a:p>
+            <a:r>
+              <a:rPr lang="en-GB"/>
+              <a:t>Problems of requirements analysis</a:t>
+            </a:r>
+          </a:p>
+        </p:txBody>
+      </p:sp>
+      <p:sp>
+        <p:nvSpPr>
+          <p:cNvPr id="8195" name="Rectangle 3"/>
+          <p:cNvSpPr>
+            <a:spLocks noGrp="1" noChangeArrowheads="1"/>
+          </p:cNvSpPr>
+          <p:nvPr>
+            <p:ph type="body" idx="1"/>
+          </p:nvPr>
+        </p:nvSpPr>
+        <p:spPr>
+          <a:noFill/>
+          <a:ln/>
+        </p:spPr>
+        <p:txBody>
+          <a:bodyPr lIns="90487" tIns="44450" rIns="90487" bIns="44450"/>
+          <a:lstStyle/>
+          <a:p>
+            <a:r>
+              <a:rPr lang="en-GB" sz="2400" dirty="0"/>
+              <a:t>Stakeholders don’t know what they really want.</a:t>
+            </a:r>
+          </a:p>
+          <a:p>
+            <a:r>
+              <a:rPr lang="en-GB" sz="2400" dirty="0"/>
+              <a:t>Stakeholders express requirements in their own terms.</a:t>
+            </a:r>
+          </a:p>
+          <a:p>
+            <a:r>
+              <a:rPr lang="en-GB" sz="2400" dirty="0"/>
+              <a:t>Different stakeholders may have conflicting requirements.</a:t>
+            </a:r>
+          </a:p>
+          <a:p>
+            <a:r>
+              <a:rPr lang="en-GB" sz="2400" dirty="0"/>
+              <a:t>Organisational and political factors may influence the system requirements.</a:t>
+            </a:r>
+          </a:p>
+          <a:p>
+            <a:r>
+              <a:rPr lang="en-GB" sz="2400" dirty="0"/>
+              <a:t>The requirements change during the analysis process. New stakeholders may emerge and the business environment</a:t>
+            </a:r>
+            <a:r>
+              <a:rPr lang="en-GB" sz="2400" dirty="0" smtClean="0"/>
+              <a:t> may change</a:t>
+            </a:r>
+            <a:r>
+              <a:rPr lang="en-GB" sz="2400" dirty="0"/>
+              <a:t>.</a:t>
+            </a:r>
+          </a:p>
+        </p:txBody>
+      </p:sp>
       <p:sp>
         <p:nvSpPr>
           <p:cNvPr id="4" name="Slide Number Placeholder 3"/>
@@ -13535,6 +13640,7 @@
   <p:clrMapOvr>
     <a:masterClrMapping/>
   </p:clrMapOvr>
+  <p:transition/>
   <p:timing>
     <p:tnLst>
       <p:par>
@@ -13564,7 +13670,7 @@
       </p:grpSpPr>
       <p:sp>
         <p:nvSpPr>
-          <p:cNvPr id="27651" name="Title 1"/>
+          <p:cNvPr id="2" name="Title 1"/>
           <p:cNvSpPr>
             <a:spLocks noGrp="1"/>
           </p:cNvSpPr>
@@ -13577,42 +13683,102 @@
           <a:bodyPr/>
           <a:lstStyle/>
           <a:p>
-            <a:pPr eaLnBrk="1" hangingPunct="1"/>
             <a:r>
               <a:rPr lang="en-US" dirty="0" smtClean="0"/>
-              <a:t>A structured specification of a requirement for an insulin pump</a:t>
-            </a:r>
-            <a:r>
-              <a:rPr lang="en-GB" dirty="0" smtClean="0"/>
-              <a:t> </a:t>
-            </a:r>
-            <a:endParaRPr lang="en-US" dirty="0" smtClean="0"/>
-          </a:p>
-        </p:txBody>
-      </p:sp>
-      <p:graphicFrame>
-        <p:nvGraphicFramePr>
-          <p:cNvPr id="27650" name="Object 2"/>
-          <p:cNvGraphicFramePr>
-            <a:graphicFrameLocks noChangeAspect="1"/>
-          </p:cNvGraphicFramePr>
-          <p:nvPr/>
-        </p:nvGraphicFramePr>
-        <p:xfrm>
-          <a:off x="1295400" y="1690688"/>
-          <a:ext cx="5943600" cy="4445000"/>
-        </p:xfrm>
-        <a:graphic>
-          <a:graphicData uri="http://schemas.openxmlformats.org/presentationml/2006/ole">
-            <p:oleObj spid="_x0000_s130050" name="Document" r:id="rId3" imgW="5943381" imgH="4444836" progId="Word.Document.12">
-              <p:embed/>
-            </p:oleObj>
-          </a:graphicData>
-        </a:graphic>
-      </p:graphicFrame>
-      <p:sp>
-        <p:nvSpPr>
-          <p:cNvPr id="4" name="Slide Number Placeholder 3"/>
+              <a:t>Requirements elicitation and analysis</a:t>
+            </a:r>
+            <a:endParaRPr lang="en-US" dirty="0"/>
+          </a:p>
+        </p:txBody>
+      </p:sp>
+      <p:sp>
+        <p:nvSpPr>
+          <p:cNvPr id="3" name="Content Placeholder 2"/>
+          <p:cNvSpPr>
+            <a:spLocks noGrp="1"/>
+          </p:cNvSpPr>
+          <p:nvPr>
+            <p:ph idx="1"/>
+          </p:nvPr>
+        </p:nvSpPr>
+        <p:spPr/>
+        <p:txBody>
+          <a:bodyPr/>
+          <a:lstStyle/>
+          <a:p>
+            <a:r>
+              <a:rPr lang="en-US" dirty="0" smtClean="0"/>
+              <a:t>Software engineers work with a range of system stakeholders to find out about the application domain, the services that the system should provide, the required system performance, hardware constraints, other systems, etc.</a:t>
+            </a:r>
+          </a:p>
+          <a:p>
+            <a:r>
+              <a:rPr lang="en-US" dirty="0" smtClean="0"/>
+              <a:t>Stages include:</a:t>
+            </a:r>
+          </a:p>
+          <a:p>
+            <a:pPr lvl="1"/>
+            <a:r>
+              <a:rPr lang="en-US" dirty="0" smtClean="0"/>
+              <a:t>Requirements discovery,</a:t>
+            </a:r>
+          </a:p>
+          <a:p>
+            <a:pPr lvl="1"/>
+            <a:r>
+              <a:rPr lang="en-US" dirty="0" smtClean="0"/>
+              <a:t>Requirements classification and organization,</a:t>
+            </a:r>
+          </a:p>
+          <a:p>
+            <a:pPr lvl="1"/>
+            <a:r>
+              <a:rPr lang="en-US" dirty="0" smtClean="0"/>
+              <a:t>Requirements prioritization and negotiation,</a:t>
+            </a:r>
+          </a:p>
+          <a:p>
+            <a:pPr lvl="1"/>
+            <a:r>
+              <a:rPr lang="en-US" dirty="0" smtClean="0"/>
+              <a:t>Requirements specification.</a:t>
+            </a:r>
+          </a:p>
+          <a:p>
+            <a:endParaRPr lang="en-US" dirty="0"/>
+          </a:p>
+        </p:txBody>
+      </p:sp>
+      <p:sp>
+        <p:nvSpPr>
+          <p:cNvPr id="4" name="Footer Placeholder 3"/>
+          <p:cNvSpPr>
+            <a:spLocks noGrp="1"/>
+          </p:cNvSpPr>
+          <p:nvPr>
+            <p:ph type="ftr" sz="quarter" idx="11"/>
+          </p:nvPr>
+        </p:nvSpPr>
+        <p:spPr/>
+        <p:txBody>
+          <a:bodyPr/>
+          <a:lstStyle/>
+          <a:p>
+            <a:pPr>
+              <a:defRPr/>
+            </a:pPr>
+            <a:r>
+              <a:rPr lang="en-US" smtClean="0"/>
+              <a:t>Chapter 4 Requirements engineering</a:t>
+            </a:r>
+            <a:endParaRPr lang="en-US"/>
+          </a:p>
+        </p:txBody>
+      </p:sp>
+      <p:sp>
+        <p:nvSpPr>
+          <p:cNvPr id="5" name="Slide Number Placeholder 4"/>
           <p:cNvSpPr>
             <a:spLocks noGrp="1"/>
           </p:cNvSpPr>
@@ -13635,32 +13801,6 @@
               </a:pPr>
               <a:t>39</a:t>
             </a:fld>
-            <a:endParaRPr lang="en-US"/>
-          </a:p>
-        </p:txBody>
-      </p:sp>
-      <p:sp>
-        <p:nvSpPr>
-          <p:cNvPr id="5" name="Footer Placeholder 4"/>
-          <p:cNvSpPr>
-            <a:spLocks noGrp="1"/>
-          </p:cNvSpPr>
-          <p:nvPr>
-            <p:ph type="ftr" sz="quarter" idx="11"/>
-          </p:nvPr>
-        </p:nvSpPr>
-        <p:spPr/>
-        <p:txBody>
-          <a:bodyPr/>
-          <a:lstStyle/>
-          <a:p>
-            <a:pPr>
-              <a:defRPr/>
-            </a:pPr>
-            <a:r>
-              <a:rPr lang="en-US" smtClean="0"/>
-              <a:t>Chapter 4 Requirements engineering</a:t>
-            </a:r>
             <a:endParaRPr lang="en-US"/>
           </a:p>
         </p:txBody>
@@ -13886,9 +14026,9 @@
       </p:grpSpPr>
       <p:sp>
         <p:nvSpPr>
-          <p:cNvPr id="82946" name="Rectangle 2"/>
-          <p:cNvSpPr>
-            <a:spLocks noGrp="1" noChangeArrowheads="1"/>
+          <p:cNvPr id="30722" name="Title 1"/>
+          <p:cNvSpPr>
+            <a:spLocks noGrp="1"/>
           </p:cNvSpPr>
           <p:nvPr>
             <p:ph type="title"/>
@@ -13899,49 +14039,115 @@
           <a:bodyPr/>
           <a:lstStyle/>
           <a:p>
-            <a:r>
-              <a:rPr lang="en-US"/>
-              <a:t>Tabular specification</a:t>
-            </a:r>
-          </a:p>
-        </p:txBody>
-      </p:sp>
-      <p:sp>
-        <p:nvSpPr>
-          <p:cNvPr id="82947" name="Rectangle 3"/>
-          <p:cNvSpPr>
-            <a:spLocks noGrp="1" noChangeArrowheads="1"/>
-          </p:cNvSpPr>
-          <p:nvPr>
-            <p:ph type="body" idx="1"/>
-          </p:nvPr>
-        </p:nvSpPr>
-        <p:spPr/>
-        <p:txBody>
-          <a:bodyPr/>
-          <a:lstStyle/>
-          <a:p>
-            <a:r>
-              <a:rPr lang="en-US" dirty="0"/>
-              <a:t>Used to supplement natural language.</a:t>
-            </a:r>
-          </a:p>
-          <a:p>
-            <a:r>
-              <a:rPr lang="en-US" dirty="0"/>
-              <a:t>Particularly useful when you have to define a number of possible alternative courses of action</a:t>
-            </a:r>
+            <a:pPr eaLnBrk="1" hangingPunct="1"/>
             <a:r>
               <a:rPr lang="en-US" dirty="0" smtClean="0"/>
-              <a:t>.</a:t>
-            </a:r>
-          </a:p>
-          <a:p>
+              <a:t>The</a:t>
+            </a:r>
+            <a:r>
+              <a:rPr lang="en-US" b="1" dirty="0" smtClean="0"/>
+              <a:t> </a:t>
+            </a:r>
             <a:r>
               <a:rPr lang="en-US" dirty="0" smtClean="0"/>
-              <a:t>For example, the insulin pump systems bases its computations on the rate of change of blood sugar level and the tabular specification explains how to calculate the insulin requirement for different scenarios.</a:t>
-            </a:r>
-            <a:endParaRPr lang="en-US" dirty="0"/>
+              <a:t>requirements elicitation and analysis process</a:t>
+            </a:r>
+            <a:r>
+              <a:rPr lang="en-GB" dirty="0" smtClean="0"/>
+              <a:t> </a:t>
+            </a:r>
+            <a:endParaRPr lang="en-US" dirty="0" smtClean="0"/>
+          </a:p>
+        </p:txBody>
+      </p:sp>
+      <p:pic>
+        <p:nvPicPr>
+          <p:cNvPr id="4" name="Picture 3" descr="4.13 RequirementsElicitation.eps"/>
+          <p:cNvPicPr>
+            <a:picLocks noChangeAspect="1"/>
+          </p:cNvPicPr>
+          <p:nvPr/>
+        </p:nvPicPr>
+        <mc:AlternateContent xmlns:mc="http://schemas.openxmlformats.org/markup-compatibility/2006">
+          <mc:Choice xmlns="" xmlns:mv="urn:schemas-microsoft-com:mac:vml" xmlns:ma="http://schemas.microsoft.com/office/mac/drawingml/2008/main" Requires="ma">
+            <p:blipFill>
+              <a:blip r:embed="rId2"/>
+              <a:stretch>
+                <a:fillRect/>
+              </a:stretch>
+            </p:blipFill>
+          </mc:Choice>
+          <mc:Fallback>
+            <p:blipFill>
+              <a:blip r:embed="rId3"/>
+              <a:stretch>
+                <a:fillRect/>
+              </a:stretch>
+            </p:blipFill>
+          </mc:Fallback>
+        </mc:AlternateContent>
+        <p:spPr>
+          <a:xfrm>
+            <a:off x="1752600" y="1752600"/>
+            <a:ext cx="4881613" cy="3206750"/>
+          </a:xfrm>
+          <a:prstGeom prst="rect">
+            <a:avLst/>
+          </a:prstGeom>
+        </p:spPr>
+      </p:pic>
+      <p:sp>
+        <p:nvSpPr>
+          <p:cNvPr id="5" name="Slide Number Placeholder 4"/>
+          <p:cNvSpPr>
+            <a:spLocks noGrp="1"/>
+          </p:cNvSpPr>
+          <p:nvPr>
+            <p:ph type="sldNum" sz="quarter" idx="12"/>
+          </p:nvPr>
+        </p:nvSpPr>
+        <p:spPr/>
+        <p:txBody>
+          <a:bodyPr/>
+          <a:lstStyle/>
+          <a:p>
+            <a:pPr>
+              <a:defRPr/>
+            </a:pPr>
+            <a:fld id="{825F70CE-84E9-D04C-9B15-10C693AA0F2A}" type="slidenum">
+              <a:rPr lang="en-US" smtClean="0"/>
+              <a:pPr>
+                <a:defRPr/>
+              </a:pPr>
+              <a:t>40</a:t>
+            </a:fld>
+            <a:endParaRPr lang="en-US"/>
+          </a:p>
+        </p:txBody>
+      </p:sp>
+      <p:sp>
+        <p:nvSpPr>
+          <p:cNvPr id="6" name="Footer Placeholder 5"/>
+          <p:cNvSpPr>
+            <a:spLocks noGrp="1"/>
+          </p:cNvSpPr>
+          <p:nvPr>
+            <p:ph type="ftr" sz="quarter" idx="11"/>
+          </p:nvPr>
+        </p:nvSpPr>
+        <p:spPr/>
+        <p:txBody>
+          <a:bodyPr/>
+          <a:lstStyle/>
+          <a:p>
+            <a:pPr>
+              <a:defRPr/>
+            </a:pPr>
+            <a:r>
+              <a:rPr lang="en-US" smtClean="0"/>
+              <a:t>Chapter 4 Requirements engineering</a:t>
+            </a:r>
+            <a:endParaRPr lang="en-US"/>
           </a:p>
         </p:txBody>
       </p:sp>
@@ -13979,1335 +14185,137 @@
       </p:grpSpPr>
       <p:sp>
         <p:nvSpPr>
-          <p:cNvPr id="28674" name="Title 1"/>
-          <p:cNvSpPr>
-            <a:spLocks noGrp="1"/>
+          <p:cNvPr id="10242" name="Rectangle 2"/>
+          <p:cNvSpPr>
+            <a:spLocks noGrp="1" noChangeArrowheads="1"/>
           </p:cNvSpPr>
           <p:nvPr>
             <p:ph type="title"/>
           </p:nvPr>
         </p:nvSpPr>
-        <p:spPr/>
-        <p:txBody>
-          <a:bodyPr/>
-          <a:lstStyle/>
-          <a:p>
-            <a:pPr eaLnBrk="1" hangingPunct="1"/>
-            <a:r>
-              <a:rPr lang="en-US" dirty="0" smtClean="0"/>
-              <a:t>Tabular specification of computation for an insulin pump</a:t>
-            </a:r>
-            <a:r>
-              <a:rPr lang="en-GB" dirty="0" smtClean="0"/>
-              <a:t> </a:t>
-            </a:r>
-            <a:endParaRPr lang="en-US" dirty="0" smtClean="0"/>
-          </a:p>
-        </p:txBody>
-      </p:sp>
-      <p:graphicFrame>
-        <p:nvGraphicFramePr>
-          <p:cNvPr id="4" name="Table 3"/>
-          <p:cNvGraphicFramePr>
-            <a:graphicFrameLocks noGrp="1"/>
-          </p:cNvGraphicFramePr>
-          <p:nvPr/>
-        </p:nvGraphicFramePr>
-        <p:xfrm>
-          <a:off x="685800" y="1981200"/>
-          <a:ext cx="6461125" cy="3481389"/>
-        </p:xfrm>
-        <a:graphic>
-          <a:graphicData uri="http://schemas.openxmlformats.org/drawingml/2006/table">
-            <a:tbl>
-              <a:tblPr/>
-              <a:tblGrid>
-                <a:gridCol w="3810000"/>
-                <a:gridCol w="2651125"/>
-              </a:tblGrid>
-              <a:tr h="449263">
-                <a:tc>
-                  <a:txBody>
-                    <a:bodyPr/>
-                    <a:lstStyle/>
-                    <a:p>
-                      <a:pPr marL="0" marR="0" lvl="0" indent="0" algn="just" defTabSz="457200" rtl="0" eaLnBrk="1" fontAlgn="base" latinLnBrk="0" hangingPunct="1">
-                        <a:lnSpc>
-                          <a:spcPct val="100000"/>
-                        </a:lnSpc>
-                        <a:spcBef>
-                          <a:spcPct val="0"/>
-                        </a:spcBef>
-                        <a:spcAft>
-                          <a:spcPct val="0"/>
-                        </a:spcAft>
-                        <a:buClrTx/>
-                        <a:buSzTx/>
-                        <a:buFontTx/>
-                        <a:buNone/>
-                        <a:tabLst/>
-                      </a:pPr>
-                      <a:r>
-                        <a:rPr kumimoji="0" lang="en-GB" sz="1600" b="1" i="0" u="none" strike="noStrike" cap="none" normalizeH="0" baseline="0" dirty="0" smtClean="0">
-                          <a:ln>
-                            <a:noFill/>
-                          </a:ln>
-                          <a:solidFill>
-                            <a:srgbClr val="000000"/>
-                          </a:solidFill>
-                          <a:effectLst/>
-                          <a:latin typeface="Arial"/>
-                          <a:ea typeface="Times New Roman" charset="0"/>
-                          <a:cs typeface="Arial"/>
-                        </a:rPr>
-                        <a:t>Condition</a:t>
-                      </a:r>
-                    </a:p>
-                  </a:txBody>
-                  <a:tcPr marL="73025" marR="73025" marT="0" marB="91440" horzOverflow="overflow">
-                    <a:lnL w="12700" cap="flat" cmpd="sng" algn="ctr">
-                      <a:solidFill>
-                        <a:schemeClr val="bg1"/>
-                      </a:solidFill>
-                      <a:prstDash val="solid"/>
-                      <a:round/>
-                      <a:headEnd type="none" w="med" len="med"/>
-                      <a:tailEnd type="none" w="med" len="med"/>
-                    </a:lnL>
-                    <a:lnR w="12700" cap="flat" cmpd="sng" algn="ctr">
-                      <a:solidFill>
-                        <a:schemeClr val="bg1"/>
-                      </a:solidFill>
-                      <a:prstDash val="solid"/>
-                      <a:round/>
-                      <a:headEnd type="none" w="med" len="med"/>
-                      <a:tailEnd type="none" w="med" len="med"/>
-                    </a:lnR>
-                    <a:lnT w="12700" cap="flat" cmpd="sng" algn="ctr">
-                      <a:solidFill>
-                        <a:schemeClr val="bg1"/>
-                      </a:solidFill>
-                      <a:prstDash val="solid"/>
-                      <a:round/>
-                      <a:headEnd type="none" w="med" len="med"/>
-                      <a:tailEnd type="none" w="med" len="med"/>
-                    </a:lnT>
-                    <a:lnB w="38100" cap="flat" cmpd="sng" algn="ctr">
-                      <a:solidFill>
-                        <a:schemeClr val="bg1"/>
-                      </a:solidFill>
-                      <a:prstDash val="solid"/>
-                      <a:round/>
-                      <a:headEnd type="none" w="med" len="med"/>
-                      <a:tailEnd type="none" w="med" len="med"/>
-                    </a:lnB>
-                    <a:lnTlToBr>
-                      <a:noFill/>
-                    </a:lnTlToBr>
-                    <a:lnBlToTr>
-                      <a:noFill/>
-                    </a:lnBlToTr>
-                    <a:solidFill>
-                      <a:schemeClr val="accent1"/>
-                    </a:solidFill>
-                  </a:tcPr>
-                </a:tc>
-                <a:tc>
-                  <a:txBody>
-                    <a:bodyPr/>
-                    <a:lstStyle/>
-                    <a:p>
-                      <a:pPr marL="0" marR="0" lvl="0" indent="0" algn="just" defTabSz="457200" rtl="0" eaLnBrk="1" fontAlgn="base" latinLnBrk="0" hangingPunct="1">
-                        <a:lnSpc>
-                          <a:spcPct val="100000"/>
-                        </a:lnSpc>
-                        <a:spcBef>
-                          <a:spcPct val="0"/>
-                        </a:spcBef>
-                        <a:spcAft>
-                          <a:spcPct val="0"/>
-                        </a:spcAft>
-                        <a:buClrTx/>
-                        <a:buSzTx/>
-                        <a:buFontTx/>
-                        <a:buNone/>
-                        <a:tabLst/>
-                      </a:pPr>
-                      <a:r>
-                        <a:rPr kumimoji="0" lang="en-GB" sz="1600" b="1" i="0" u="none" strike="noStrike" cap="none" normalizeH="0" baseline="0" dirty="0" smtClean="0">
-                          <a:ln>
-                            <a:noFill/>
-                          </a:ln>
-                          <a:solidFill>
-                            <a:srgbClr val="000000"/>
-                          </a:solidFill>
-                          <a:effectLst/>
-                          <a:latin typeface="Arial"/>
-                          <a:ea typeface="Times New Roman" charset="0"/>
-                          <a:cs typeface="Arial"/>
-                        </a:rPr>
-                        <a:t>Action</a:t>
-                      </a:r>
-                      <a:endParaRPr kumimoji="0" lang="en-GB" sz="1600" b="1" i="0" u="none" strike="noStrike" cap="none" normalizeH="0" baseline="0" dirty="0">
-                        <a:ln>
-                          <a:noFill/>
-                        </a:ln>
-                        <a:solidFill>
-                          <a:srgbClr val="000000"/>
-                        </a:solidFill>
-                        <a:effectLst/>
-                        <a:latin typeface="Arial"/>
-                        <a:ea typeface="Times New Roman" charset="0"/>
-                        <a:cs typeface="Arial"/>
-                      </a:endParaRPr>
-                    </a:p>
-                  </a:txBody>
-                  <a:tcPr marL="73025" marR="73025" marT="0" marB="91440" horzOverflow="overflow">
-                    <a:lnL w="12700" cap="flat" cmpd="sng" algn="ctr">
-                      <a:solidFill>
-                        <a:schemeClr val="bg1"/>
-                      </a:solidFill>
-                      <a:prstDash val="solid"/>
-                      <a:round/>
-                      <a:headEnd type="none" w="med" len="med"/>
-                      <a:tailEnd type="none" w="med" len="med"/>
-                    </a:lnL>
-                    <a:lnR w="12700" cap="flat" cmpd="sng" algn="ctr">
-                      <a:solidFill>
-                        <a:schemeClr val="bg1"/>
-                      </a:solidFill>
-                      <a:prstDash val="solid"/>
-                      <a:round/>
-                      <a:headEnd type="none" w="med" len="med"/>
-                      <a:tailEnd type="none" w="med" len="med"/>
-                    </a:lnR>
-                    <a:lnT w="12700" cap="flat" cmpd="sng" algn="ctr">
-                      <a:solidFill>
-                        <a:schemeClr val="bg1"/>
-                      </a:solidFill>
-                      <a:prstDash val="solid"/>
-                      <a:round/>
-                      <a:headEnd type="none" w="med" len="med"/>
-                      <a:tailEnd type="none" w="med" len="med"/>
-                    </a:lnT>
-                    <a:lnB w="38100" cap="flat" cmpd="sng" algn="ctr">
-                      <a:solidFill>
-                        <a:schemeClr val="bg1"/>
-                      </a:solidFill>
-                      <a:prstDash val="solid"/>
-                      <a:round/>
-                      <a:headEnd type="none" w="med" len="med"/>
-                      <a:tailEnd type="none" w="med" len="med"/>
-                    </a:lnB>
-                    <a:lnTlToBr>
-                      <a:noFill/>
-                    </a:lnTlToBr>
-                    <a:lnBlToTr>
-                      <a:noFill/>
-                    </a:lnBlToTr>
-                    <a:solidFill>
-                      <a:schemeClr val="accent1"/>
-                    </a:solidFill>
-                  </a:tcPr>
-                </a:tc>
-              </a:tr>
-              <a:tr h="449263">
-                <a:tc>
-                  <a:txBody>
-                    <a:bodyPr/>
-                    <a:lstStyle/>
-                    <a:p>
-                      <a:pPr marL="0" marR="0" lvl="0" indent="0" algn="just" defTabSz="457200" rtl="0" eaLnBrk="1" fontAlgn="base" latinLnBrk="0" hangingPunct="1">
-                        <a:lnSpc>
-                          <a:spcPct val="100000"/>
-                        </a:lnSpc>
-                        <a:spcBef>
-                          <a:spcPct val="0"/>
-                        </a:spcBef>
-                        <a:spcAft>
-                          <a:spcPct val="0"/>
-                        </a:spcAft>
-                        <a:buClrTx/>
-                        <a:buSzTx/>
-                        <a:buFontTx/>
-                        <a:buNone/>
-                        <a:tabLst/>
-                      </a:pPr>
-                      <a:r>
-                        <a:rPr kumimoji="0" lang="en-GB" sz="1600" b="0" i="0" u="none" strike="noStrike" cap="none" normalizeH="0" baseline="0" dirty="0" smtClean="0">
-                          <a:ln>
-                            <a:noFill/>
-                          </a:ln>
-                          <a:solidFill>
-                            <a:srgbClr val="000000"/>
-                          </a:solidFill>
-                          <a:effectLst/>
-                          <a:latin typeface="Arial"/>
-                          <a:ea typeface="Times New Roman" charset="0"/>
-                          <a:cs typeface="Arial"/>
-                        </a:rPr>
-                        <a:t>Sugar level falling (r2 &lt; r1)</a:t>
-                      </a:r>
-                    </a:p>
-                  </a:txBody>
-                  <a:tcPr marL="73025" marR="73025" marT="0" marB="91440" horzOverflow="overflow">
-                    <a:lnL w="12700" cap="flat" cmpd="sng" algn="ctr">
-                      <a:solidFill>
-                        <a:schemeClr val="bg1"/>
-                      </a:solidFill>
-                      <a:prstDash val="solid"/>
-                      <a:round/>
-                      <a:headEnd type="none" w="med" len="med"/>
-                      <a:tailEnd type="none" w="med" len="med"/>
-                    </a:lnL>
-                    <a:lnR w="12700" cap="flat" cmpd="sng" algn="ctr">
-                      <a:solidFill>
-                        <a:schemeClr val="bg1"/>
-                      </a:solidFill>
-                      <a:prstDash val="solid"/>
-                      <a:round/>
-                      <a:headEnd type="none" w="med" len="med"/>
-                      <a:tailEnd type="none" w="med" len="med"/>
-                    </a:lnR>
-                    <a:lnT w="38100" cap="flat" cmpd="sng" algn="ctr">
-                      <a:solidFill>
-                        <a:schemeClr val="bg1"/>
-                      </a:solidFill>
-                      <a:prstDash val="solid"/>
-                      <a:round/>
-                      <a:headEnd type="none" w="med" len="med"/>
-                      <a:tailEnd type="none" w="med" len="med"/>
-                    </a:lnT>
-                    <a:lnB w="12700" cap="flat" cmpd="sng" algn="ctr">
-                      <a:solidFill>
-                        <a:schemeClr val="bg1"/>
-                      </a:solidFill>
-                      <a:prstDash val="solid"/>
-                      <a:round/>
-                      <a:headEnd type="none" w="med" len="med"/>
-                      <a:tailEnd type="none" w="med" len="med"/>
-                    </a:lnB>
-                    <a:lnTlToBr>
-                      <a:noFill/>
-                    </a:lnTlToBr>
-                    <a:lnBlToTr>
-                      <a:noFill/>
-                    </a:lnBlToTr>
-                    <a:solidFill>
-                      <a:srgbClr val="D0D8E8"/>
-                    </a:solidFill>
-                  </a:tcPr>
-                </a:tc>
-                <a:tc>
-                  <a:txBody>
-                    <a:bodyPr/>
-                    <a:lstStyle/>
-                    <a:p>
-                      <a:pPr marL="0" marR="0" lvl="0" indent="0" algn="just" defTabSz="457200" rtl="0" eaLnBrk="1" fontAlgn="base" latinLnBrk="0" hangingPunct="1">
-                        <a:lnSpc>
-                          <a:spcPct val="100000"/>
-                        </a:lnSpc>
-                        <a:spcBef>
-                          <a:spcPct val="0"/>
-                        </a:spcBef>
-                        <a:spcAft>
-                          <a:spcPct val="0"/>
-                        </a:spcAft>
-                        <a:buClrTx/>
-                        <a:buSzTx/>
-                        <a:buFontTx/>
-                        <a:buNone/>
-                        <a:tabLst/>
-                      </a:pPr>
-                      <a:r>
-                        <a:rPr kumimoji="0" lang="en-GB" sz="1600" b="0" i="0" u="none" strike="noStrike" cap="none" normalizeH="0" baseline="0" dirty="0" err="1">
-                          <a:ln>
-                            <a:noFill/>
-                          </a:ln>
-                          <a:solidFill>
-                            <a:srgbClr val="000000"/>
-                          </a:solidFill>
-                          <a:effectLst/>
-                          <a:latin typeface="Arial"/>
-                          <a:ea typeface="Times New Roman" charset="0"/>
-                          <a:cs typeface="Arial"/>
-                        </a:rPr>
-                        <a:t>CompDose</a:t>
-                      </a:r>
-                      <a:r>
-                        <a:rPr kumimoji="0" lang="en-GB" sz="1600" b="0" i="0" u="none" strike="noStrike" cap="none" normalizeH="0" baseline="0" dirty="0">
-                          <a:ln>
-                            <a:noFill/>
-                          </a:ln>
-                          <a:solidFill>
-                            <a:srgbClr val="000000"/>
-                          </a:solidFill>
-                          <a:effectLst/>
-                          <a:latin typeface="Arial"/>
-                          <a:ea typeface="Times New Roman" charset="0"/>
-                          <a:cs typeface="Arial"/>
-                        </a:rPr>
-                        <a:t> = 0</a:t>
-                      </a:r>
-                    </a:p>
-                  </a:txBody>
-                  <a:tcPr marL="73025" marR="73025" marT="0" marB="91440" horzOverflow="overflow">
-                    <a:lnL w="12700" cap="flat" cmpd="sng" algn="ctr">
-                      <a:solidFill>
-                        <a:schemeClr val="bg1"/>
-                      </a:solidFill>
-                      <a:prstDash val="solid"/>
-                      <a:round/>
-                      <a:headEnd type="none" w="med" len="med"/>
-                      <a:tailEnd type="none" w="med" len="med"/>
-                    </a:lnL>
-                    <a:lnR w="12700" cap="flat" cmpd="sng" algn="ctr">
-                      <a:solidFill>
-                        <a:schemeClr val="bg1"/>
-                      </a:solidFill>
-                      <a:prstDash val="solid"/>
-                      <a:round/>
-                      <a:headEnd type="none" w="med" len="med"/>
-                      <a:tailEnd type="none" w="med" len="med"/>
-                    </a:lnR>
-                    <a:lnT w="38100" cap="flat" cmpd="sng" algn="ctr">
-                      <a:solidFill>
-                        <a:schemeClr val="bg1"/>
-                      </a:solidFill>
-                      <a:prstDash val="solid"/>
-                      <a:round/>
-                      <a:headEnd type="none" w="med" len="med"/>
-                      <a:tailEnd type="none" w="med" len="med"/>
-                    </a:lnT>
-                    <a:lnB w="12700" cap="flat" cmpd="sng" algn="ctr">
-                      <a:solidFill>
-                        <a:schemeClr val="bg1"/>
-                      </a:solidFill>
-                      <a:prstDash val="solid"/>
-                      <a:round/>
-                      <a:headEnd type="none" w="med" len="med"/>
-                      <a:tailEnd type="none" w="med" len="med"/>
-                    </a:lnB>
-                    <a:lnTlToBr>
-                      <a:noFill/>
-                    </a:lnTlToBr>
-                    <a:lnBlToTr>
-                      <a:noFill/>
-                    </a:lnBlToTr>
-                    <a:solidFill>
-                      <a:srgbClr val="D0D8E8"/>
-                    </a:solidFill>
-                  </a:tcPr>
-                </a:tc>
-              </a:tr>
-              <a:tr h="449263">
-                <a:tc>
-                  <a:txBody>
-                    <a:bodyPr/>
-                    <a:lstStyle/>
-                    <a:p>
-                      <a:pPr marL="0" marR="0" lvl="0" indent="0" algn="just" defTabSz="457200" rtl="0" eaLnBrk="1" fontAlgn="base" latinLnBrk="0" hangingPunct="1">
-                        <a:lnSpc>
-                          <a:spcPct val="100000"/>
-                        </a:lnSpc>
-                        <a:spcBef>
-                          <a:spcPct val="0"/>
-                        </a:spcBef>
-                        <a:spcAft>
-                          <a:spcPct val="0"/>
-                        </a:spcAft>
-                        <a:buClrTx/>
-                        <a:buSzTx/>
-                        <a:buFontTx/>
-                        <a:buNone/>
-                        <a:tabLst/>
-                      </a:pPr>
-                      <a:r>
-                        <a:rPr kumimoji="0" lang="en-GB" sz="1600" b="0" i="0" u="none" strike="noStrike" cap="none" normalizeH="0" baseline="0" dirty="0">
-                          <a:ln>
-                            <a:noFill/>
-                          </a:ln>
-                          <a:solidFill>
-                            <a:srgbClr val="000000"/>
-                          </a:solidFill>
-                          <a:effectLst/>
-                          <a:latin typeface="Arial"/>
-                          <a:ea typeface="Times New Roman" charset="0"/>
-                          <a:cs typeface="Arial"/>
-                        </a:rPr>
-                        <a:t>Sugar level stable (r2 = r1)</a:t>
-                      </a:r>
-                    </a:p>
-                  </a:txBody>
-                  <a:tcPr marL="73025" marR="73025" marT="0" marB="91440" horzOverflow="overflow">
-                    <a:lnL w="12700" cap="flat" cmpd="sng" algn="ctr">
-                      <a:solidFill>
-                        <a:schemeClr val="bg1"/>
-                      </a:solidFill>
-                      <a:prstDash val="solid"/>
-                      <a:round/>
-                      <a:headEnd type="none" w="med" len="med"/>
-                      <a:tailEnd type="none" w="med" len="med"/>
-                    </a:lnL>
-                    <a:lnR w="12700" cap="flat" cmpd="sng" algn="ctr">
-                      <a:solidFill>
-                        <a:schemeClr val="bg1"/>
-                      </a:solidFill>
-                      <a:prstDash val="solid"/>
-                      <a:round/>
-                      <a:headEnd type="none" w="med" len="med"/>
-                      <a:tailEnd type="none" w="med" len="med"/>
-                    </a:lnR>
-                    <a:lnT w="12700" cap="flat" cmpd="sng" algn="ctr">
-                      <a:solidFill>
-                        <a:schemeClr val="bg1"/>
-                      </a:solidFill>
-                      <a:prstDash val="solid"/>
-                      <a:round/>
-                      <a:headEnd type="none" w="med" len="med"/>
-                      <a:tailEnd type="none" w="med" len="med"/>
-                    </a:lnT>
-                    <a:lnB w="12700" cap="flat" cmpd="sng" algn="ctr">
-                      <a:solidFill>
-                        <a:schemeClr val="bg1"/>
-                      </a:solidFill>
-                      <a:prstDash val="solid"/>
-                      <a:round/>
-                      <a:headEnd type="none" w="med" len="med"/>
-                      <a:tailEnd type="none" w="med" len="med"/>
-                    </a:lnB>
-                    <a:lnTlToBr>
-                      <a:noFill/>
-                    </a:lnTlToBr>
-                    <a:lnBlToTr>
-                      <a:noFill/>
-                    </a:lnBlToTr>
-                    <a:solidFill>
-                      <a:srgbClr val="E9EDF4"/>
-                    </a:solidFill>
-                  </a:tcPr>
-                </a:tc>
-                <a:tc>
-                  <a:txBody>
-                    <a:bodyPr/>
-                    <a:lstStyle/>
-                    <a:p>
-                      <a:pPr marL="0" marR="0" lvl="0" indent="0" algn="just" defTabSz="457200" rtl="0" eaLnBrk="1" fontAlgn="base" latinLnBrk="0" hangingPunct="1">
-                        <a:lnSpc>
-                          <a:spcPct val="100000"/>
-                        </a:lnSpc>
-                        <a:spcBef>
-                          <a:spcPct val="0"/>
-                        </a:spcBef>
-                        <a:spcAft>
-                          <a:spcPct val="0"/>
-                        </a:spcAft>
-                        <a:buClrTx/>
-                        <a:buSzTx/>
-                        <a:buFontTx/>
-                        <a:buNone/>
-                        <a:tabLst/>
-                      </a:pPr>
-                      <a:r>
-                        <a:rPr kumimoji="0" lang="en-GB" sz="1600" b="0" i="0" u="none" strike="noStrike" cap="none" normalizeH="0" baseline="0" dirty="0" err="1">
-                          <a:ln>
-                            <a:noFill/>
-                          </a:ln>
-                          <a:solidFill>
-                            <a:srgbClr val="000000"/>
-                          </a:solidFill>
-                          <a:effectLst/>
-                          <a:latin typeface="Arial"/>
-                          <a:ea typeface="Times New Roman" charset="0"/>
-                          <a:cs typeface="Arial"/>
-                        </a:rPr>
-                        <a:t>CompDose</a:t>
-                      </a:r>
-                      <a:r>
-                        <a:rPr kumimoji="0" lang="en-GB" sz="1600" b="0" i="0" u="none" strike="noStrike" cap="none" normalizeH="0" baseline="0" dirty="0">
-                          <a:ln>
-                            <a:noFill/>
-                          </a:ln>
-                          <a:solidFill>
-                            <a:srgbClr val="000000"/>
-                          </a:solidFill>
-                          <a:effectLst/>
-                          <a:latin typeface="Arial"/>
-                          <a:ea typeface="Times New Roman" charset="0"/>
-                          <a:cs typeface="Arial"/>
-                        </a:rPr>
-                        <a:t> = 0</a:t>
-                      </a:r>
-                    </a:p>
-                  </a:txBody>
-                  <a:tcPr marL="73025" marR="73025" marT="0" marB="91440" horzOverflow="overflow">
-                    <a:lnL w="12700" cap="flat" cmpd="sng" algn="ctr">
-                      <a:solidFill>
-                        <a:schemeClr val="bg1"/>
-                      </a:solidFill>
-                      <a:prstDash val="solid"/>
-                      <a:round/>
-                      <a:headEnd type="none" w="med" len="med"/>
-                      <a:tailEnd type="none" w="med" len="med"/>
-                    </a:lnL>
-                    <a:lnR w="12700" cap="flat" cmpd="sng" algn="ctr">
-                      <a:solidFill>
-                        <a:schemeClr val="bg1"/>
-                      </a:solidFill>
-                      <a:prstDash val="solid"/>
-                      <a:round/>
-                      <a:headEnd type="none" w="med" len="med"/>
-                      <a:tailEnd type="none" w="med" len="med"/>
-                    </a:lnR>
-                    <a:lnT w="12700" cap="flat" cmpd="sng" algn="ctr">
-                      <a:solidFill>
-                        <a:schemeClr val="bg1"/>
-                      </a:solidFill>
-                      <a:prstDash val="solid"/>
-                      <a:round/>
-                      <a:headEnd type="none" w="med" len="med"/>
-                      <a:tailEnd type="none" w="med" len="med"/>
-                    </a:lnT>
-                    <a:lnB w="12700" cap="flat" cmpd="sng" algn="ctr">
-                      <a:solidFill>
-                        <a:schemeClr val="bg1"/>
-                      </a:solidFill>
-                      <a:prstDash val="solid"/>
-                      <a:round/>
-                      <a:headEnd type="none" w="med" len="med"/>
-                      <a:tailEnd type="none" w="med" len="med"/>
-                    </a:lnB>
-                    <a:lnTlToBr>
-                      <a:noFill/>
-                    </a:lnTlToBr>
-                    <a:lnBlToTr>
-                      <a:noFill/>
-                    </a:lnBlToTr>
-                    <a:solidFill>
-                      <a:srgbClr val="E9EDF4"/>
-                    </a:solidFill>
-                  </a:tcPr>
-                </a:tc>
-              </a:tr>
-              <a:tr h="449263">
-                <a:tc>
-                  <a:txBody>
-                    <a:bodyPr/>
-                    <a:lstStyle/>
-                    <a:p>
-                      <a:pPr marL="0" marR="0" lvl="0" indent="0" algn="just" defTabSz="457200" rtl="0" eaLnBrk="1" fontAlgn="base" latinLnBrk="0" hangingPunct="1">
-                        <a:lnSpc>
-                          <a:spcPct val="100000"/>
-                        </a:lnSpc>
-                        <a:spcBef>
-                          <a:spcPct val="0"/>
-                        </a:spcBef>
-                        <a:spcAft>
-                          <a:spcPct val="0"/>
-                        </a:spcAft>
-                        <a:buClrTx/>
-                        <a:buSzTx/>
-                        <a:buFontTx/>
-                        <a:buNone/>
-                        <a:tabLst/>
-                      </a:pPr>
-                      <a:r>
-                        <a:rPr kumimoji="0" lang="en-GB" sz="1600" b="0" i="0" u="none" strike="noStrike" cap="none" normalizeH="0" baseline="0" dirty="0">
-                          <a:ln>
-                            <a:noFill/>
-                          </a:ln>
-                          <a:solidFill>
-                            <a:srgbClr val="000000"/>
-                          </a:solidFill>
-                          <a:effectLst/>
-                          <a:latin typeface="Arial"/>
-                          <a:ea typeface="Times New Roman" charset="0"/>
-                          <a:cs typeface="Arial"/>
-                        </a:rPr>
-                        <a:t>Sugar level increasing and rate of increase decreasing</a:t>
-                      </a:r>
-                      <a:r>
-                        <a:rPr kumimoji="0" lang="en-GB" sz="1600" b="0" i="0" u="none" strike="noStrike" cap="none" normalizeH="0" baseline="0" dirty="0" smtClean="0">
-                          <a:ln>
-                            <a:noFill/>
-                          </a:ln>
-                          <a:solidFill>
-                            <a:srgbClr val="000000"/>
-                          </a:solidFill>
-                          <a:effectLst/>
-                          <a:latin typeface="Arial"/>
-                          <a:ea typeface="Times New Roman" charset="0"/>
-                          <a:cs typeface="Arial"/>
-                        </a:rPr>
-                        <a:t> </a:t>
-                      </a:r>
-                      <a:br>
-                        <a:rPr kumimoji="0" lang="en-GB" sz="1600" b="0" i="0" u="none" strike="noStrike" cap="none" normalizeH="0" baseline="0" dirty="0" smtClean="0">
-                          <a:ln>
-                            <a:noFill/>
-                          </a:ln>
-                          <a:solidFill>
-                            <a:srgbClr val="000000"/>
-                          </a:solidFill>
-                          <a:effectLst/>
-                          <a:latin typeface="Arial"/>
-                          <a:ea typeface="Times New Roman" charset="0"/>
-                          <a:cs typeface="Arial"/>
-                        </a:rPr>
-                      </a:br>
-                      <a:r>
-                        <a:rPr kumimoji="0" lang="en-GB" sz="1600" b="0" i="0" u="none" strike="noStrike" cap="none" normalizeH="0" baseline="0" dirty="0" smtClean="0">
-                          <a:ln>
-                            <a:noFill/>
-                          </a:ln>
-                          <a:solidFill>
-                            <a:srgbClr val="000000"/>
-                          </a:solidFill>
-                          <a:effectLst/>
-                          <a:latin typeface="Arial"/>
-                          <a:ea typeface="Times New Roman" charset="0"/>
-                          <a:cs typeface="Arial"/>
-                        </a:rPr>
-                        <a:t>(</a:t>
-                      </a:r>
-                      <a:r>
-                        <a:rPr kumimoji="0" lang="en-GB" sz="1600" b="0" i="0" u="none" strike="noStrike" cap="none" normalizeH="0" baseline="0" dirty="0">
-                          <a:ln>
-                            <a:noFill/>
-                          </a:ln>
-                          <a:solidFill>
-                            <a:srgbClr val="000000"/>
-                          </a:solidFill>
-                          <a:effectLst/>
-                          <a:latin typeface="Arial"/>
-                          <a:ea typeface="Times New Roman" charset="0"/>
-                          <a:cs typeface="Arial"/>
-                        </a:rPr>
-                        <a:t>(r2 – r1) &lt; (r1 – r0))</a:t>
-                      </a:r>
-                    </a:p>
-                  </a:txBody>
-                  <a:tcPr marL="73025" marR="73025" marT="0" marB="91440" horzOverflow="overflow">
-                    <a:lnL w="12700" cap="flat" cmpd="sng" algn="ctr">
-                      <a:solidFill>
-                        <a:schemeClr val="bg1"/>
-                      </a:solidFill>
-                      <a:prstDash val="solid"/>
-                      <a:round/>
-                      <a:headEnd type="none" w="med" len="med"/>
-                      <a:tailEnd type="none" w="med" len="med"/>
-                    </a:lnL>
-                    <a:lnR w="12700" cap="flat" cmpd="sng" algn="ctr">
-                      <a:solidFill>
-                        <a:schemeClr val="bg1"/>
-                      </a:solidFill>
-                      <a:prstDash val="solid"/>
-                      <a:round/>
-                      <a:headEnd type="none" w="med" len="med"/>
-                      <a:tailEnd type="none" w="med" len="med"/>
-                    </a:lnR>
-                    <a:lnT w="12700" cap="flat" cmpd="sng" algn="ctr">
-                      <a:solidFill>
-                        <a:schemeClr val="bg1"/>
-                      </a:solidFill>
-                      <a:prstDash val="solid"/>
-                      <a:round/>
-                      <a:headEnd type="none" w="med" len="med"/>
-                      <a:tailEnd type="none" w="med" len="med"/>
-                    </a:lnT>
-                    <a:lnB w="12700" cap="flat" cmpd="sng" algn="ctr">
-                      <a:solidFill>
-                        <a:schemeClr val="bg1"/>
-                      </a:solidFill>
-                      <a:prstDash val="solid"/>
-                      <a:round/>
-                      <a:headEnd type="none" w="med" len="med"/>
-                      <a:tailEnd type="none" w="med" len="med"/>
-                    </a:lnB>
-                    <a:lnTlToBr>
-                      <a:noFill/>
-                    </a:lnTlToBr>
-                    <a:lnBlToTr>
-                      <a:noFill/>
-                    </a:lnBlToTr>
-                    <a:solidFill>
-                      <a:srgbClr val="D0D8E8"/>
-                    </a:solidFill>
-                  </a:tcPr>
-                </a:tc>
-                <a:tc>
-                  <a:txBody>
-                    <a:bodyPr/>
-                    <a:lstStyle/>
-                    <a:p>
-                      <a:pPr marL="0" marR="0" lvl="0" indent="0" algn="just" defTabSz="457200" rtl="0" eaLnBrk="1" fontAlgn="base" latinLnBrk="0" hangingPunct="1">
-                        <a:lnSpc>
-                          <a:spcPct val="100000"/>
-                        </a:lnSpc>
-                        <a:spcBef>
-                          <a:spcPct val="0"/>
-                        </a:spcBef>
-                        <a:spcAft>
-                          <a:spcPct val="0"/>
-                        </a:spcAft>
-                        <a:buClrTx/>
-                        <a:buSzTx/>
-                        <a:buFontTx/>
-                        <a:buNone/>
-                        <a:tabLst/>
-                      </a:pPr>
-                      <a:r>
-                        <a:rPr kumimoji="0" lang="en-GB" sz="1600" b="0" i="0" u="none" strike="noStrike" cap="none" normalizeH="0" baseline="0" dirty="0" err="1">
-                          <a:ln>
-                            <a:noFill/>
-                          </a:ln>
-                          <a:solidFill>
-                            <a:srgbClr val="000000"/>
-                          </a:solidFill>
-                          <a:effectLst/>
-                          <a:latin typeface="Arial"/>
-                          <a:ea typeface="Times New Roman" charset="0"/>
-                          <a:cs typeface="Arial"/>
-                        </a:rPr>
-                        <a:t>CompDose</a:t>
-                      </a:r>
-                      <a:r>
-                        <a:rPr kumimoji="0" lang="en-GB" sz="1600" b="0" i="0" u="none" strike="noStrike" cap="none" normalizeH="0" baseline="0" dirty="0">
-                          <a:ln>
-                            <a:noFill/>
-                          </a:ln>
-                          <a:solidFill>
-                            <a:srgbClr val="000000"/>
-                          </a:solidFill>
-                          <a:effectLst/>
-                          <a:latin typeface="Arial"/>
-                          <a:ea typeface="Times New Roman" charset="0"/>
-                          <a:cs typeface="Arial"/>
-                        </a:rPr>
-                        <a:t> = 0</a:t>
-                      </a:r>
-                    </a:p>
-                  </a:txBody>
-                  <a:tcPr marL="73025" marR="73025" marT="0" marB="91440" horzOverflow="overflow">
-                    <a:lnL w="12700" cap="flat" cmpd="sng" algn="ctr">
-                      <a:solidFill>
-                        <a:schemeClr val="bg1"/>
-                      </a:solidFill>
-                      <a:prstDash val="solid"/>
-                      <a:round/>
-                      <a:headEnd type="none" w="med" len="med"/>
-                      <a:tailEnd type="none" w="med" len="med"/>
-                    </a:lnL>
-                    <a:lnR w="12700" cap="flat" cmpd="sng" algn="ctr">
-                      <a:solidFill>
-                        <a:schemeClr val="bg1"/>
-                      </a:solidFill>
-                      <a:prstDash val="solid"/>
-                      <a:round/>
-                      <a:headEnd type="none" w="med" len="med"/>
-                      <a:tailEnd type="none" w="med" len="med"/>
-                    </a:lnR>
-                    <a:lnT w="12700" cap="flat" cmpd="sng" algn="ctr">
-                      <a:solidFill>
-                        <a:schemeClr val="bg1"/>
-                      </a:solidFill>
-                      <a:prstDash val="solid"/>
-                      <a:round/>
-                      <a:headEnd type="none" w="med" len="med"/>
-                      <a:tailEnd type="none" w="med" len="med"/>
-                    </a:lnT>
-                    <a:lnB w="12700" cap="flat" cmpd="sng" algn="ctr">
-                      <a:solidFill>
-                        <a:schemeClr val="bg1"/>
-                      </a:solidFill>
-                      <a:prstDash val="solid"/>
-                      <a:round/>
-                      <a:headEnd type="none" w="med" len="med"/>
-                      <a:tailEnd type="none" w="med" len="med"/>
-                    </a:lnB>
-                    <a:lnTlToBr>
-                      <a:noFill/>
-                    </a:lnTlToBr>
-                    <a:lnBlToTr>
-                      <a:noFill/>
-                    </a:lnBlToTr>
-                    <a:solidFill>
-                      <a:srgbClr val="D0D8E8"/>
-                    </a:solidFill>
-                  </a:tcPr>
-                </a:tc>
-              </a:tr>
-              <a:tr h="609600">
-                <a:tc>
-                  <a:txBody>
-                    <a:bodyPr/>
-                    <a:lstStyle/>
-                    <a:p>
-                      <a:pPr marL="0" marR="0" lvl="0" indent="0" algn="just" defTabSz="457200" rtl="0" eaLnBrk="1" fontAlgn="base" latinLnBrk="0" hangingPunct="1">
-                        <a:lnSpc>
-                          <a:spcPct val="100000"/>
-                        </a:lnSpc>
-                        <a:spcBef>
-                          <a:spcPct val="0"/>
-                        </a:spcBef>
-                        <a:spcAft>
-                          <a:spcPct val="0"/>
-                        </a:spcAft>
-                        <a:buClrTx/>
-                        <a:buSzTx/>
-                        <a:buFontTx/>
-                        <a:buNone/>
-                        <a:tabLst/>
-                      </a:pPr>
-                      <a:r>
-                        <a:rPr kumimoji="0" lang="en-GB" sz="1600" b="0" i="0" u="none" strike="noStrike" cap="none" normalizeH="0" baseline="0" dirty="0">
-                          <a:ln>
-                            <a:noFill/>
-                          </a:ln>
-                          <a:solidFill>
-                            <a:srgbClr val="000000"/>
-                          </a:solidFill>
-                          <a:effectLst/>
-                          <a:latin typeface="Arial"/>
-                          <a:ea typeface="Times New Roman" charset="0"/>
-                          <a:cs typeface="Arial"/>
-                        </a:rPr>
-                        <a:t>Sugar level increasing and rate of increase stable or increasing</a:t>
-                      </a:r>
-                      <a:r>
-                        <a:rPr kumimoji="0" lang="en-GB" sz="1600" b="0" i="0" u="none" strike="noStrike" cap="none" normalizeH="0" baseline="0" dirty="0" smtClean="0">
-                          <a:ln>
-                            <a:noFill/>
-                          </a:ln>
-                          <a:solidFill>
-                            <a:srgbClr val="000000"/>
-                          </a:solidFill>
-                          <a:effectLst/>
-                          <a:latin typeface="Arial"/>
-                          <a:ea typeface="Times New Roman" charset="0"/>
-                          <a:cs typeface="Arial"/>
-                        </a:rPr>
-                        <a:t> </a:t>
-                      </a:r>
-                      <a:br>
-                        <a:rPr kumimoji="0" lang="en-GB" sz="1600" b="0" i="0" u="none" strike="noStrike" cap="none" normalizeH="0" baseline="0" dirty="0" smtClean="0">
-                          <a:ln>
-                            <a:noFill/>
-                          </a:ln>
-                          <a:solidFill>
-                            <a:srgbClr val="000000"/>
-                          </a:solidFill>
-                          <a:effectLst/>
-                          <a:latin typeface="Arial"/>
-                          <a:ea typeface="Times New Roman" charset="0"/>
-                          <a:cs typeface="Arial"/>
-                        </a:rPr>
-                      </a:br>
-                      <a:r>
-                        <a:rPr kumimoji="0" lang="en-GB" sz="1600" b="0" i="0" u="none" strike="noStrike" cap="none" normalizeH="0" baseline="0" dirty="0" smtClean="0">
-                          <a:ln>
-                            <a:noFill/>
-                          </a:ln>
-                          <a:solidFill>
-                            <a:srgbClr val="000000"/>
-                          </a:solidFill>
-                          <a:effectLst/>
-                          <a:latin typeface="Arial"/>
-                          <a:ea typeface="Times New Roman" charset="0"/>
-                          <a:cs typeface="Arial"/>
-                        </a:rPr>
-                        <a:t>(</a:t>
-                      </a:r>
-                      <a:r>
-                        <a:rPr kumimoji="0" lang="en-GB" sz="1600" b="0" i="0" u="none" strike="noStrike" cap="none" normalizeH="0" baseline="0" dirty="0">
-                          <a:ln>
-                            <a:noFill/>
-                          </a:ln>
-                          <a:solidFill>
-                            <a:srgbClr val="000000"/>
-                          </a:solidFill>
-                          <a:effectLst/>
-                          <a:latin typeface="Arial"/>
-                          <a:ea typeface="Times New Roman" charset="0"/>
-                          <a:cs typeface="Arial"/>
-                        </a:rPr>
-                        <a:t>(r2 – r1) ≥ (r1 – r0))</a:t>
-                      </a:r>
-                    </a:p>
-                  </a:txBody>
-                  <a:tcPr marL="73025" marR="73025" marT="0" marB="91440" horzOverflow="overflow">
-                    <a:lnL w="12700" cap="flat" cmpd="sng" algn="ctr">
-                      <a:solidFill>
-                        <a:schemeClr val="bg1"/>
-                      </a:solidFill>
-                      <a:prstDash val="solid"/>
-                      <a:round/>
-                      <a:headEnd type="none" w="med" len="med"/>
-                      <a:tailEnd type="none" w="med" len="med"/>
-                    </a:lnL>
-                    <a:lnR w="12700" cap="flat" cmpd="sng" algn="ctr">
-                      <a:solidFill>
-                        <a:schemeClr val="bg1"/>
-                      </a:solidFill>
-                      <a:prstDash val="solid"/>
-                      <a:round/>
-                      <a:headEnd type="none" w="med" len="med"/>
-                      <a:tailEnd type="none" w="med" len="med"/>
-                    </a:lnR>
-                    <a:lnT w="12700" cap="flat" cmpd="sng" algn="ctr">
-                      <a:solidFill>
-                        <a:schemeClr val="bg1"/>
-                      </a:solidFill>
-                      <a:prstDash val="solid"/>
-                      <a:round/>
-                      <a:headEnd type="none" w="med" len="med"/>
-                      <a:tailEnd type="none" w="med" len="med"/>
-                    </a:lnT>
-                    <a:lnB w="12700" cap="flat" cmpd="sng" algn="ctr">
-                      <a:solidFill>
-                        <a:schemeClr val="bg1"/>
-                      </a:solidFill>
-                      <a:prstDash val="solid"/>
-                      <a:round/>
-                      <a:headEnd type="none" w="med" len="med"/>
-                      <a:tailEnd type="none" w="med" len="med"/>
-                    </a:lnB>
-                    <a:lnTlToBr>
-                      <a:noFill/>
-                    </a:lnTlToBr>
-                    <a:lnBlToTr>
-                      <a:noFill/>
-                    </a:lnBlToTr>
-                    <a:solidFill>
-                      <a:srgbClr val="E9EDF4"/>
-                    </a:solidFill>
-                  </a:tcPr>
-                </a:tc>
-                <a:tc>
-                  <a:txBody>
-                    <a:bodyPr/>
-                    <a:lstStyle/>
-                    <a:p>
-                      <a:pPr marL="0" marR="0" lvl="0" indent="0" algn="just" defTabSz="457200" rtl="0" eaLnBrk="1" fontAlgn="base" latinLnBrk="0" hangingPunct="1">
-                        <a:lnSpc>
-                          <a:spcPct val="100000"/>
-                        </a:lnSpc>
-                        <a:spcBef>
-                          <a:spcPct val="0"/>
-                        </a:spcBef>
-                        <a:spcAft>
-                          <a:spcPct val="0"/>
-                        </a:spcAft>
-                        <a:buClrTx/>
-                        <a:buSzTx/>
-                        <a:buFontTx/>
-                        <a:buNone/>
-                        <a:tabLst/>
-                      </a:pPr>
-                      <a:r>
-                        <a:rPr kumimoji="0" lang="en-GB" sz="1600" b="0" i="0" u="none" strike="noStrike" cap="none" normalizeH="0" baseline="0" dirty="0" err="1">
-                          <a:ln>
-                            <a:noFill/>
-                          </a:ln>
-                          <a:solidFill>
-                            <a:srgbClr val="000000"/>
-                          </a:solidFill>
-                          <a:effectLst/>
-                          <a:latin typeface="Arial"/>
-                          <a:ea typeface="Times New Roman" charset="0"/>
-                          <a:cs typeface="Arial"/>
-                        </a:rPr>
-                        <a:t>CompDose</a:t>
-                      </a:r>
-                      <a:r>
-                        <a:rPr kumimoji="0" lang="en-GB" sz="1600" b="0" i="0" u="none" strike="noStrike" cap="none" normalizeH="0" baseline="0" dirty="0">
-                          <a:ln>
-                            <a:noFill/>
-                          </a:ln>
-                          <a:solidFill>
-                            <a:srgbClr val="000000"/>
-                          </a:solidFill>
-                          <a:effectLst/>
-                          <a:latin typeface="Arial"/>
-                          <a:ea typeface="Times New Roman" charset="0"/>
-                          <a:cs typeface="Arial"/>
-                        </a:rPr>
-                        <a:t> =</a:t>
-                      </a:r>
-                      <a:r>
-                        <a:rPr kumimoji="0" lang="en-GB" sz="1600" b="0" i="0" u="none" strike="noStrike" cap="none" normalizeH="0" baseline="0" dirty="0" smtClean="0">
-                          <a:ln>
-                            <a:noFill/>
-                          </a:ln>
-                          <a:solidFill>
-                            <a:srgbClr val="000000"/>
-                          </a:solidFill>
-                          <a:effectLst/>
-                          <a:latin typeface="Arial"/>
-                          <a:ea typeface="Times New Roman" charset="0"/>
-                          <a:cs typeface="Arial"/>
-                        </a:rPr>
-                        <a:t> </a:t>
-                      </a:r>
-                      <a:br>
-                        <a:rPr kumimoji="0" lang="en-GB" sz="1600" b="0" i="0" u="none" strike="noStrike" cap="none" normalizeH="0" baseline="0" dirty="0" smtClean="0">
-                          <a:ln>
-                            <a:noFill/>
-                          </a:ln>
-                          <a:solidFill>
-                            <a:srgbClr val="000000"/>
-                          </a:solidFill>
-                          <a:effectLst/>
-                          <a:latin typeface="Arial"/>
-                          <a:ea typeface="Times New Roman" charset="0"/>
-                          <a:cs typeface="Arial"/>
-                        </a:rPr>
-                      </a:br>
-                      <a:r>
-                        <a:rPr kumimoji="0" lang="en-GB" sz="1600" b="0" i="0" u="none" strike="noStrike" cap="none" normalizeH="0" baseline="0" dirty="0" smtClean="0">
-                          <a:ln>
-                            <a:noFill/>
-                          </a:ln>
-                          <a:solidFill>
-                            <a:srgbClr val="000000"/>
-                          </a:solidFill>
-                          <a:effectLst/>
-                          <a:latin typeface="Arial"/>
-                          <a:ea typeface="Times New Roman" charset="0"/>
-                          <a:cs typeface="Arial"/>
-                        </a:rPr>
-                        <a:t>      round </a:t>
-                      </a:r>
-                      <a:r>
-                        <a:rPr kumimoji="0" lang="en-GB" sz="1600" b="0" i="0" u="none" strike="noStrike" cap="none" normalizeH="0" baseline="0" dirty="0">
-                          <a:ln>
-                            <a:noFill/>
-                          </a:ln>
-                          <a:solidFill>
-                            <a:srgbClr val="000000"/>
-                          </a:solidFill>
-                          <a:effectLst/>
-                          <a:latin typeface="Arial"/>
-                          <a:ea typeface="Times New Roman" charset="0"/>
-                          <a:cs typeface="Arial"/>
-                        </a:rPr>
-                        <a:t>((r2 – r1)/4)</a:t>
-                      </a:r>
-                    </a:p>
-                    <a:p>
-                      <a:pPr marL="0" marR="0" lvl="0" indent="0" algn="just" defTabSz="457200" rtl="0" eaLnBrk="1" fontAlgn="base" latinLnBrk="0" hangingPunct="1">
-                        <a:lnSpc>
-                          <a:spcPct val="100000"/>
-                        </a:lnSpc>
-                        <a:spcBef>
-                          <a:spcPct val="0"/>
-                        </a:spcBef>
-                        <a:spcAft>
-                          <a:spcPct val="0"/>
-                        </a:spcAft>
-                        <a:buClrTx/>
-                        <a:buSzTx/>
-                        <a:buFontTx/>
-                        <a:buNone/>
-                        <a:tabLst/>
-                      </a:pPr>
-                      <a:r>
-                        <a:rPr kumimoji="0" lang="en-GB" sz="1600" b="0" i="0" u="none" strike="noStrike" cap="none" normalizeH="0" baseline="0" dirty="0">
-                          <a:ln>
-                            <a:noFill/>
-                          </a:ln>
-                          <a:solidFill>
-                            <a:srgbClr val="000000"/>
-                          </a:solidFill>
-                          <a:effectLst/>
-                          <a:latin typeface="Arial"/>
-                          <a:ea typeface="Times New Roman" charset="0"/>
-                          <a:cs typeface="Arial"/>
-                        </a:rPr>
-                        <a:t>If rounded result = 0 then </a:t>
-                      </a:r>
-                    </a:p>
-                    <a:p>
-                      <a:pPr marL="0" marR="0" lvl="0" indent="0" algn="just" defTabSz="457200" rtl="0" eaLnBrk="1" fontAlgn="base" latinLnBrk="0" hangingPunct="1">
-                        <a:lnSpc>
-                          <a:spcPct val="100000"/>
-                        </a:lnSpc>
-                        <a:spcBef>
-                          <a:spcPct val="0"/>
-                        </a:spcBef>
-                        <a:spcAft>
-                          <a:spcPct val="0"/>
-                        </a:spcAft>
-                        <a:buClrTx/>
-                        <a:buSzTx/>
-                        <a:buFontTx/>
-                        <a:buNone/>
-                        <a:tabLst/>
-                      </a:pPr>
-                      <a:r>
-                        <a:rPr kumimoji="0" lang="en-GB" sz="1600" b="0" i="0" u="none" strike="noStrike" cap="none" normalizeH="0" baseline="0" dirty="0" err="1">
-                          <a:ln>
-                            <a:noFill/>
-                          </a:ln>
-                          <a:solidFill>
-                            <a:srgbClr val="000000"/>
-                          </a:solidFill>
-                          <a:effectLst/>
-                          <a:latin typeface="Arial"/>
-                          <a:ea typeface="Times New Roman" charset="0"/>
-                          <a:cs typeface="Arial"/>
-                        </a:rPr>
-                        <a:t>CompDose</a:t>
-                      </a:r>
-                      <a:r>
-                        <a:rPr kumimoji="0" lang="en-GB" sz="1600" b="0" i="0" u="none" strike="noStrike" cap="none" normalizeH="0" baseline="0" dirty="0">
-                          <a:ln>
-                            <a:noFill/>
-                          </a:ln>
-                          <a:solidFill>
-                            <a:srgbClr val="000000"/>
-                          </a:solidFill>
-                          <a:effectLst/>
-                          <a:latin typeface="Arial"/>
-                          <a:ea typeface="Times New Roman" charset="0"/>
-                          <a:cs typeface="Arial"/>
-                        </a:rPr>
-                        <a:t> = </a:t>
-                      </a:r>
-                      <a:r>
-                        <a:rPr kumimoji="0" lang="en-GB" sz="1600" b="0" i="0" u="none" strike="noStrike" cap="none" normalizeH="0" baseline="0" dirty="0" err="1">
-                          <a:ln>
-                            <a:noFill/>
-                          </a:ln>
-                          <a:solidFill>
-                            <a:srgbClr val="000000"/>
-                          </a:solidFill>
-                          <a:effectLst/>
-                          <a:latin typeface="Arial"/>
-                          <a:ea typeface="Times New Roman" charset="0"/>
-                          <a:cs typeface="Arial"/>
-                        </a:rPr>
-                        <a:t>MinimumDose</a:t>
-                      </a:r>
-                      <a:endParaRPr kumimoji="0" lang="en-GB" sz="1600" b="0" i="0" u="none" strike="noStrike" cap="none" normalizeH="0" baseline="0" dirty="0">
-                        <a:ln>
-                          <a:noFill/>
-                        </a:ln>
-                        <a:solidFill>
-                          <a:srgbClr val="000000"/>
-                        </a:solidFill>
-                        <a:effectLst/>
-                        <a:latin typeface="Arial"/>
-                        <a:ea typeface="Times New Roman" charset="0"/>
-                        <a:cs typeface="Arial"/>
-                      </a:endParaRPr>
-                    </a:p>
-                  </a:txBody>
-                  <a:tcPr marL="73025" marR="73025" marT="0" marB="91440" horzOverflow="overflow">
-                    <a:lnL w="12700" cap="flat" cmpd="sng" algn="ctr">
-                      <a:solidFill>
-                        <a:schemeClr val="bg1"/>
-                      </a:solidFill>
-                      <a:prstDash val="solid"/>
-                      <a:round/>
-                      <a:headEnd type="none" w="med" len="med"/>
-                      <a:tailEnd type="none" w="med" len="med"/>
-                    </a:lnL>
-                    <a:lnR w="12700" cap="flat" cmpd="sng" algn="ctr">
-                      <a:solidFill>
-                        <a:schemeClr val="bg1"/>
-                      </a:solidFill>
-                      <a:prstDash val="solid"/>
-                      <a:round/>
-                      <a:headEnd type="none" w="med" len="med"/>
-                      <a:tailEnd type="none" w="med" len="med"/>
-                    </a:lnR>
-                    <a:lnT w="12700" cap="flat" cmpd="sng" algn="ctr">
-                      <a:solidFill>
-                        <a:schemeClr val="bg1"/>
-                      </a:solidFill>
-                      <a:prstDash val="solid"/>
-                      <a:round/>
-                      <a:headEnd type="none" w="med" len="med"/>
-                      <a:tailEnd type="none" w="med" len="med"/>
-                    </a:lnT>
-                    <a:lnB w="12700" cap="flat" cmpd="sng" algn="ctr">
-                      <a:solidFill>
-                        <a:schemeClr val="bg1"/>
-                      </a:solidFill>
-                      <a:prstDash val="solid"/>
-                      <a:round/>
-                      <a:headEnd type="none" w="med" len="med"/>
-                      <a:tailEnd type="none" w="med" len="med"/>
-                    </a:lnB>
-                    <a:lnTlToBr>
-                      <a:noFill/>
-                    </a:lnTlToBr>
-                    <a:lnBlToTr>
-                      <a:noFill/>
-                    </a:lnBlToTr>
-                    <a:solidFill>
-                      <a:srgbClr val="E9EDF4"/>
-                    </a:solidFill>
-                  </a:tcPr>
-                </a:tc>
-              </a:tr>
-            </a:tbl>
-          </a:graphicData>
-        </a:graphic>
-      </p:graphicFrame>
-      <p:sp>
-        <p:nvSpPr>
-          <p:cNvPr id="5" name="Slide Number Placeholder 4"/>
-          <p:cNvSpPr>
-            <a:spLocks noGrp="1"/>
-          </p:cNvSpPr>
-          <p:nvPr>
-            <p:ph type="sldNum" sz="quarter" idx="12"/>
-          </p:nvPr>
-        </p:nvSpPr>
-        <p:spPr/>
-        <p:txBody>
-          <a:bodyPr/>
+        <p:spPr>
+          <a:noFill/>
+          <a:ln/>
+        </p:spPr>
+        <p:txBody>
+          <a:bodyPr lIns="90487" tIns="44450" rIns="90487" bIns="44450"/>
+          <a:lstStyle/>
+          <a:p>
+            <a:r>
+              <a:rPr lang="en-GB"/>
+              <a:t>Process activities</a:t>
+            </a:r>
+          </a:p>
+        </p:txBody>
+      </p:sp>
+      <p:sp>
+        <p:nvSpPr>
+          <p:cNvPr id="10243" name="Rectangle 3"/>
+          <p:cNvSpPr>
+            <a:spLocks noGrp="1" noChangeArrowheads="1"/>
+          </p:cNvSpPr>
+          <p:nvPr>
+            <p:ph type="body" idx="1"/>
+          </p:nvPr>
+        </p:nvSpPr>
+        <p:spPr>
+          <a:noFill/>
+          <a:ln/>
+        </p:spPr>
+        <p:txBody>
+          <a:bodyPr lIns="90487" tIns="44450" rIns="90487" bIns="44450"/>
           <a:lstStyle/>
           <a:p>
             <a:pPr>
-              <a:defRPr/>
-            </a:pPr>
-            <a:fld id="{825F70CE-84E9-D04C-9B15-10C693AA0F2A}" type="slidenum">
-              <a:rPr lang="en-US" smtClean="0"/>
-              <a:pPr>
-                <a:defRPr/>
-              </a:pPr>
-              <a:t>41</a:t>
-            </a:fld>
-            <a:endParaRPr lang="en-US"/>
-          </a:p>
-        </p:txBody>
-      </p:sp>
-      <p:sp>
-        <p:nvSpPr>
-          <p:cNvPr id="6" name="Footer Placeholder 5"/>
-          <p:cNvSpPr>
-            <a:spLocks noGrp="1"/>
-          </p:cNvSpPr>
-          <p:nvPr>
-            <p:ph type="ftr" sz="quarter" idx="11"/>
-          </p:nvPr>
-        </p:nvSpPr>
-        <p:spPr/>
-        <p:txBody>
-          <a:bodyPr/>
-          <a:lstStyle/>
+              <a:lnSpc>
+                <a:spcPct val="90000"/>
+              </a:lnSpc>
+            </a:pPr>
+            <a:r>
+              <a:rPr lang="en-GB" sz="2400" dirty="0"/>
+              <a:t>Requirements discovery</a:t>
+            </a:r>
+          </a:p>
+          <a:p>
+            <a:pPr lvl="1">
+              <a:lnSpc>
+                <a:spcPct val="90000"/>
+              </a:lnSpc>
+            </a:pPr>
+            <a:r>
+              <a:rPr lang="en-GB" sz="2000" dirty="0"/>
+              <a:t>Interacting with stakeholders to discover their requirements. Domain requirements are also discovered at this stage.</a:t>
+            </a:r>
+          </a:p>
           <a:p>
             <a:pPr>
-              <a:defRPr/>
-            </a:pPr>
-            <a:r>
-              <a:rPr lang="en-US" smtClean="0"/>
-              <a:t>Chapter 4 Requirements engineering</a:t>
-            </a:r>
-            <a:endParaRPr lang="en-US"/>
+              <a:lnSpc>
+                <a:spcPct val="90000"/>
+              </a:lnSpc>
+            </a:pPr>
+            <a:r>
+              <a:rPr lang="en-GB" sz="2400" dirty="0"/>
+              <a:t>Requirements classification and organisation</a:t>
+            </a:r>
+          </a:p>
+          <a:p>
+            <a:pPr lvl="1">
+              <a:lnSpc>
+                <a:spcPct val="90000"/>
+              </a:lnSpc>
+            </a:pPr>
+            <a:r>
+              <a:rPr lang="en-GB" sz="2000" dirty="0"/>
+              <a:t>Groups related requirements and organises them into coherent clusters.</a:t>
+            </a:r>
+          </a:p>
+          <a:p>
+            <a:pPr>
+              <a:lnSpc>
+                <a:spcPct val="90000"/>
+              </a:lnSpc>
+            </a:pPr>
+            <a:r>
+              <a:rPr lang="en-GB" sz="2400" dirty="0"/>
+              <a:t>Prioritisation and negotiation</a:t>
+            </a:r>
+          </a:p>
+          <a:p>
+            <a:pPr lvl="1">
+              <a:lnSpc>
+                <a:spcPct val="90000"/>
+              </a:lnSpc>
+            </a:pPr>
+            <a:r>
+              <a:rPr lang="en-GB" sz="2000" dirty="0"/>
+              <a:t>Prioritising requirements and resolving requirements conflicts.</a:t>
+            </a:r>
+          </a:p>
+          <a:p>
+            <a:pPr>
+              <a:lnSpc>
+                <a:spcPct val="90000"/>
+              </a:lnSpc>
+            </a:pPr>
+            <a:r>
+              <a:rPr lang="en-GB" sz="2400" dirty="0"/>
+              <a:t>Requirements</a:t>
+            </a:r>
+            <a:r>
+              <a:rPr lang="en-GB" sz="2400" dirty="0" smtClean="0"/>
+              <a:t> specification</a:t>
+            </a:r>
+          </a:p>
+          <a:p>
+            <a:pPr lvl="1">
+              <a:lnSpc>
+                <a:spcPct val="90000"/>
+              </a:lnSpc>
+            </a:pPr>
+            <a:r>
+              <a:rPr lang="en-GB" sz="2000" dirty="0"/>
+              <a:t>Requirements are documented and input into the next round of the spiral.</a:t>
+            </a:r>
           </a:p>
         </p:txBody>
       </p:sp>
@@ -15316,6 +14324,7 @@
   <p:clrMapOvr>
     <a:masterClrMapping/>
   </p:clrMapOvr>
+  <p:transition/>
   <p:timing>
     <p:tnLst>
       <p:par>
@@ -15345,7 +14354,7 @@
       </p:grpSpPr>
       <p:sp>
         <p:nvSpPr>
-          <p:cNvPr id="44034" name="Rectangle 2"/>
+          <p:cNvPr id="8194" name="Rectangle 2"/>
           <p:cNvSpPr>
             <a:spLocks noGrp="1" noChangeArrowheads="1"/>
           </p:cNvSpPr>
@@ -15353,21 +14362,33 @@
             <p:ph type="title"/>
           </p:nvPr>
         </p:nvSpPr>
-        <p:spPr/>
-        <p:txBody>
-          <a:bodyPr/>
+        <p:spPr>
+          <a:xfrm>
+            <a:off x="381000" y="266700"/>
+            <a:ext cx="8458200" cy="1104900"/>
+          </a:xfrm>
+          <a:noFill/>
+          <a:ln/>
+        </p:spPr>
+        <p:txBody>
+          <a:bodyPr lIns="90487" tIns="44450" rIns="90487" bIns="44450"/>
           <a:lstStyle/>
           <a:p>
             <a:r>
               <a:rPr lang="en-GB" dirty="0"/>
-              <a:t>Requirements engineering processes</a:t>
-            </a:r>
-          </a:p>
-        </p:txBody>
-      </p:sp>
-      <p:sp>
-        <p:nvSpPr>
-          <p:cNvPr id="44035" name="Rectangle 3"/>
+              <a:t>Problems of requirements</a:t>
+            </a:r>
+            <a:r>
+              <a:rPr lang="en-GB" dirty="0" smtClean="0"/>
+              <a:t> elicitation</a:t>
+            </a:r>
+            <a:endParaRPr lang="en-GB" dirty="0"/>
+          </a:p>
+        </p:txBody>
+      </p:sp>
+      <p:sp>
+        <p:nvSpPr>
+          <p:cNvPr id="8195" name="Rectangle 3"/>
           <p:cNvSpPr>
             <a:spLocks noGrp="1" noChangeArrowheads="1"/>
           </p:cNvSpPr>
@@ -15375,146 +14396,42 @@
             <p:ph type="body" idx="1"/>
           </p:nvPr>
         </p:nvSpPr>
-        <p:spPr/>
-        <p:txBody>
-          <a:bodyPr/>
-          <a:lstStyle/>
-          <a:p>
-            <a:pPr>
-              <a:lnSpc>
-                <a:spcPct val="90000"/>
-              </a:lnSpc>
-            </a:pPr>
-            <a:r>
-              <a:rPr lang="en-GB" dirty="0"/>
-              <a:t>The processes used for RE vary widely depending on the application domain, the people involved and the organisation developing the requirements.</a:t>
-            </a:r>
-          </a:p>
-          <a:p>
-            <a:pPr>
-              <a:lnSpc>
-                <a:spcPct val="90000"/>
-              </a:lnSpc>
-            </a:pPr>
-            <a:r>
-              <a:rPr lang="en-GB" dirty="0"/>
-              <a:t>However, there are a number of generic activities common to all processes</a:t>
-            </a:r>
-          </a:p>
-          <a:p>
-            <a:pPr lvl="1">
-              <a:lnSpc>
-                <a:spcPct val="90000"/>
-              </a:lnSpc>
-            </a:pPr>
-            <a:r>
-              <a:rPr lang="en-GB" dirty="0"/>
-              <a:t>Requirements elicitation;</a:t>
-            </a:r>
-          </a:p>
-          <a:p>
-            <a:pPr lvl="1">
-              <a:lnSpc>
-                <a:spcPct val="90000"/>
-              </a:lnSpc>
-            </a:pPr>
-            <a:r>
-              <a:rPr lang="en-GB" dirty="0"/>
-              <a:t>Requirements analysis;</a:t>
-            </a:r>
-          </a:p>
-          <a:p>
-            <a:pPr lvl="1">
-              <a:lnSpc>
-                <a:spcPct val="90000"/>
-              </a:lnSpc>
-            </a:pPr>
-            <a:r>
-              <a:rPr lang="en-GB" dirty="0"/>
-              <a:t>Requirements validation;</a:t>
-            </a:r>
-          </a:p>
-          <a:p>
-            <a:pPr lvl="1">
-              <a:lnSpc>
-                <a:spcPct val="90000"/>
-              </a:lnSpc>
-            </a:pPr>
-            <a:r>
-              <a:rPr lang="en-GB" dirty="0"/>
-              <a:t>Requirements management</a:t>
-            </a:r>
-            <a:r>
-              <a:rPr lang="en-GB" dirty="0" smtClean="0"/>
-              <a:t>.</a:t>
-            </a:r>
-          </a:p>
-          <a:p>
-            <a:pPr>
-              <a:lnSpc>
-                <a:spcPct val="90000"/>
-              </a:lnSpc>
-            </a:pPr>
-            <a:r>
-              <a:rPr lang="en-GB" dirty="0" smtClean="0"/>
-              <a:t>In practice, RE is an iterative activity in which these processes are interleaved.</a:t>
-            </a:r>
-            <a:endParaRPr lang="en-GB" dirty="0"/>
-          </a:p>
-        </p:txBody>
-      </p:sp>
-      <p:sp>
-        <p:nvSpPr>
-          <p:cNvPr id="4" name="Slide Number Placeholder 3"/>
-          <p:cNvSpPr>
-            <a:spLocks noGrp="1"/>
-          </p:cNvSpPr>
-          <p:nvPr>
-            <p:ph type="sldNum" sz="quarter" idx="12"/>
-          </p:nvPr>
-        </p:nvSpPr>
-        <p:spPr/>
-        <p:txBody>
-          <a:bodyPr/>
-          <a:lstStyle/>
-          <a:p>
-            <a:pPr>
-              <a:defRPr/>
-            </a:pPr>
-            <a:fld id="{825F70CE-84E9-D04C-9B15-10C693AA0F2A}" type="slidenum">
-              <a:rPr lang="en-US" smtClean="0"/>
-              <a:pPr>
-                <a:defRPr/>
-              </a:pPr>
-              <a:t>42</a:t>
-            </a:fld>
-            <a:endParaRPr lang="en-US"/>
-          </a:p>
-        </p:txBody>
-      </p:sp>
-      <p:sp>
-        <p:nvSpPr>
-          <p:cNvPr id="5" name="Footer Placeholder 4"/>
-          <p:cNvSpPr>
-            <a:spLocks noGrp="1"/>
-          </p:cNvSpPr>
-          <p:nvPr>
-            <p:ph type="ftr" sz="quarter" idx="11"/>
-          </p:nvPr>
-        </p:nvSpPr>
-        <p:spPr/>
-        <p:txBody>
-          <a:bodyPr/>
-          <a:lstStyle/>
-          <a:p>
-            <a:pPr>
-              <a:defRPr/>
-            </a:pPr>
-            <a:r>
-              <a:rPr lang="en-US" smtClean="0"/>
-              <a:t>Chapter 4 Requirements engineering</a:t>
-            </a:r>
-            <a:endParaRPr lang="en-US"/>
+        <p:spPr>
+          <a:noFill/>
+          <a:ln/>
+        </p:spPr>
+        <p:txBody>
+          <a:bodyPr lIns="90487" tIns="44450" rIns="90487" bIns="44450"/>
+          <a:lstStyle/>
+          <a:p>
+            <a:r>
+              <a:rPr lang="en-GB" sz="2400"/>
+              <a:t>Stakeholders don’t know what they really want.</a:t>
+            </a:r>
+          </a:p>
+          <a:p>
+            <a:r>
+              <a:rPr lang="en-GB" sz="2400"/>
+              <a:t>Stakeholders express requirements in their own terms.</a:t>
+            </a:r>
+          </a:p>
+          <a:p>
+            <a:r>
+              <a:rPr lang="en-GB" sz="2400"/>
+              <a:t>Different stakeholders may have conflicting requirements.</a:t>
+            </a:r>
+          </a:p>
+          <a:p>
+            <a:r>
+              <a:rPr lang="en-GB" sz="2400"/>
+              <a:t>Organisational and political factors may influence the system requirements.</a:t>
+            </a:r>
+          </a:p>
+          <a:p>
+            <a:r>
+              <a:rPr lang="en-GB" sz="2400"/>
+              <a:t>The requirements change during the analysis process. New stakeholders may emerge and the business environment change.</a:t>
+            </a:r>
           </a:p>
         </p:txBody>
       </p:sp>
@@ -15523,6 +14440,7 @@
   <p:clrMapOvr>
     <a:masterClrMapping/>
   </p:clrMapOvr>
+  <p:transition/>
   <p:timing>
     <p:tnLst>
       <p:par>
@@ -15552,7 +14470,7 @@
       </p:grpSpPr>
       <p:sp>
         <p:nvSpPr>
-          <p:cNvPr id="29698" name="Title 1"/>
+          <p:cNvPr id="2" name="Title 1"/>
           <p:cNvSpPr>
             <a:spLocks noGrp="1"/>
           </p:cNvSpPr>
@@ -15565,55 +14483,86 @@
           <a:bodyPr/>
           <a:lstStyle/>
           <a:p>
-            <a:pPr eaLnBrk="1" hangingPunct="1"/>
             <a:r>
               <a:rPr lang="en-US" dirty="0" smtClean="0"/>
-              <a:t>A spiral view of the requirements engineering process</a:t>
+              <a:t>Key points</a:t>
+            </a:r>
+            <a:endParaRPr lang="en-US" dirty="0"/>
+          </a:p>
+        </p:txBody>
+      </p:sp>
+      <p:sp>
+        <p:nvSpPr>
+          <p:cNvPr id="3" name="Content Placeholder 2"/>
+          <p:cNvSpPr>
+            <a:spLocks noGrp="1"/>
+          </p:cNvSpPr>
+          <p:nvPr>
+            <p:ph idx="1"/>
+          </p:nvPr>
+        </p:nvSpPr>
+        <p:spPr>
+          <a:xfrm>
+            <a:off x="457200" y="1600200"/>
+            <a:ext cx="8382000" cy="4525963"/>
+          </a:xfrm>
+        </p:spPr>
+        <p:txBody>
+          <a:bodyPr/>
+          <a:lstStyle/>
+          <a:p>
+            <a:r>
+              <a:rPr lang="en-US" dirty="0" smtClean="0"/>
+              <a:t>The software requirements document is an agreed statement of the system requirements. It should be organized so that both system customers and software developers can use it.</a:t>
+            </a:r>
+            <a:endParaRPr lang="en-GB" dirty="0" smtClean="0"/>
+          </a:p>
+          <a:p>
+            <a:r>
+              <a:rPr lang="en-US" dirty="0" smtClean="0"/>
+              <a:t>The requirements engineering process is an iterative process including requirements elicitation, specification and validation.</a:t>
+            </a:r>
+            <a:endParaRPr lang="en-GB" dirty="0" smtClean="0"/>
+          </a:p>
+          <a:p>
+            <a:r>
+              <a:rPr lang="en-US" dirty="0" smtClean="0"/>
+              <a:t>Requirements elicitation and analysis is an iterative process that can be represented as a spiral of activities – requirements discovery, requirements classification and organization, requirements negotiation and requirements documentation.</a:t>
             </a:r>
             <a:r>
               <a:rPr lang="en-GB" dirty="0" smtClean="0"/>
               <a:t> </a:t>
             </a:r>
-            <a:endParaRPr lang="en-US" dirty="0" smtClean="0"/>
-          </a:p>
-        </p:txBody>
-      </p:sp>
-      <p:pic>
-        <p:nvPicPr>
-          <p:cNvPr id="4" name="Picture 3" descr="4.12 ReqEngSpiral.eps"/>
-          <p:cNvPicPr>
-            <a:picLocks noChangeAspect="1"/>
-          </p:cNvPicPr>
-          <p:nvPr/>
-        </p:nvPicPr>
-        <mc:AlternateContent xmlns:mc="http://schemas.openxmlformats.org/markup-compatibility/2006">
-          <mc:Choice xmlns:ma="http://schemas.microsoft.com/office/mac/drawingml/2008/main" xmlns:mv="urn:schemas-microsoft-com:mac:vml" xmlns="" Requires="ma">
-            <p:blipFill>
-              <a:blip r:embed="rId2"/>
-              <a:stretch>
-                <a:fillRect/>
-              </a:stretch>
-            </p:blipFill>
-          </mc:Choice>
-          <mc:Fallback>
-            <p:blipFill>
-              <a:blip r:embed="rId3"/>
-              <a:stretch>
-                <a:fillRect/>
-              </a:stretch>
-            </p:blipFill>
-          </mc:Fallback>
-        </mc:AlternateContent>
-        <p:spPr>
-          <a:xfrm>
-            <a:off x="1974849" y="1417638"/>
-            <a:ext cx="5510667" cy="4756150"/>
-          </a:xfrm>
-          <a:prstGeom prst="rect">
-            <a:avLst/>
-          </a:prstGeom>
-        </p:spPr>
-      </p:pic>
+            <a:endParaRPr lang="en-US" dirty="0"/>
+          </a:p>
+        </p:txBody>
+      </p:sp>
+      <p:sp>
+        <p:nvSpPr>
+          <p:cNvPr id="4" name="Footer Placeholder 3"/>
+          <p:cNvSpPr>
+            <a:spLocks noGrp="1"/>
+          </p:cNvSpPr>
+          <p:nvPr>
+            <p:ph type="ftr" sz="quarter" idx="11"/>
+          </p:nvPr>
+        </p:nvSpPr>
+        <p:spPr/>
+        <p:txBody>
+          <a:bodyPr/>
+          <a:lstStyle/>
+          <a:p>
+            <a:pPr>
+              <a:defRPr/>
+            </a:pPr>
+            <a:r>
+              <a:rPr lang="en-US" smtClean="0"/>
+              <a:t>Chapter 4 Requirements engineering</a:t>
+            </a:r>
+            <a:endParaRPr lang="en-US"/>
+          </a:p>
+        </p:txBody>
+      </p:sp>
       <p:sp>
         <p:nvSpPr>
           <p:cNvPr id="5" name="Slide Number Placeholder 4"/>
@@ -15639,32 +14588,6 @@
               </a:pPr>
               <a:t>43</a:t>
             </a:fld>
-            <a:endParaRPr lang="en-US"/>
-          </a:p>
-        </p:txBody>
-      </p:sp>
-      <p:sp>
-        <p:nvSpPr>
-          <p:cNvPr id="6" name="Footer Placeholder 5"/>
-          <p:cNvSpPr>
-            <a:spLocks noGrp="1"/>
-          </p:cNvSpPr>
-          <p:nvPr>
-            <p:ph type="ftr" sz="quarter" idx="11"/>
-          </p:nvPr>
-        </p:nvSpPr>
-        <p:spPr/>
-        <p:txBody>
-          <a:bodyPr/>
-          <a:lstStyle/>
-          <a:p>
-            <a:pPr>
-              <a:defRPr/>
-            </a:pPr>
-            <a:r>
-              <a:rPr lang="en-US" smtClean="0"/>
-              <a:t>Chapter 4 Requirements engineering</a:t>
-            </a:r>
             <a:endParaRPr lang="en-US"/>
           </a:p>
         </p:txBody>
@@ -15703,71 +14626,61 @@
       </p:grpSpPr>
       <p:sp>
         <p:nvSpPr>
-          <p:cNvPr id="7170" name="Rectangle 2"/>
-          <p:cNvSpPr>
-            <a:spLocks noGrp="1" noChangeArrowheads="1"/>
-          </p:cNvSpPr>
-          <p:nvPr>
-            <p:ph type="title"/>
-          </p:nvPr>
-        </p:nvSpPr>
-        <p:spPr>
-          <a:noFill/>
-          <a:ln/>
-        </p:spPr>
-        <p:txBody>
-          <a:bodyPr lIns="90487" tIns="44450" rIns="90487" bIns="44450"/>
-          <a:lstStyle/>
-          <a:p>
-            <a:r>
-              <a:rPr lang="en-GB" dirty="0" smtClean="0"/>
-              <a:t>Requirements elicitation </a:t>
-            </a:r>
-            <a:r>
-              <a:rPr lang="en-GB" dirty="0"/>
-              <a:t>and analysis</a:t>
-            </a:r>
-          </a:p>
-        </p:txBody>
-      </p:sp>
-      <p:sp>
-        <p:nvSpPr>
-          <p:cNvPr id="7171" name="Rectangle 3"/>
-          <p:cNvSpPr>
-            <a:spLocks noGrp="1" noChangeArrowheads="1"/>
-          </p:cNvSpPr>
-          <p:nvPr>
-            <p:ph type="body" idx="1"/>
-          </p:nvPr>
-        </p:nvSpPr>
-        <p:spPr>
-          <a:noFill/>
-          <a:ln/>
-        </p:spPr>
-        <p:txBody>
-          <a:bodyPr lIns="90487" tIns="44450" rIns="90487" bIns="44450"/>
-          <a:lstStyle/>
-          <a:p>
-            <a:r>
-              <a:rPr lang="en-GB" sz="2400"/>
-              <a:t>Sometimes called requirements elicitation or requirements discovery.</a:t>
-            </a:r>
-          </a:p>
-          <a:p>
-            <a:r>
-              <a:rPr lang="en-GB" sz="2400"/>
-              <a:t>Involves technical staff working with customers to find out about the application domain, the services that the system should provide and the system’s operational constraints.</a:t>
-            </a:r>
-          </a:p>
-          <a:p>
-            <a:r>
-              <a:rPr lang="en-GB" sz="2400"/>
-              <a:t>May involve end-users, managers, engineers involved in maintenance, domain experts, trade unions, etc. These are called </a:t>
-            </a:r>
-            <a:r>
-              <a:rPr lang="en-GB" sz="2400" i="1"/>
-              <a:t>stakeholders.</a:t>
-            </a:r>
+          <p:cNvPr id="15362" name="Title 1"/>
+          <p:cNvSpPr>
+            <a:spLocks noGrp="1"/>
+          </p:cNvSpPr>
+          <p:nvPr>
+            <p:ph type="ctrTitle"/>
+          </p:nvPr>
+        </p:nvSpPr>
+        <p:spPr/>
+        <p:txBody>
+          <a:bodyPr/>
+          <a:lstStyle/>
+          <a:p>
+            <a:pPr eaLnBrk="1" hangingPunct="1"/>
+            <a:r>
+              <a:rPr lang="en-US" dirty="0" smtClean="0"/>
+              <a:t>Chapter 4 – Requirements Engineering</a:t>
+            </a:r>
+          </a:p>
+        </p:txBody>
+      </p:sp>
+      <p:sp>
+        <p:nvSpPr>
+          <p:cNvPr id="3" name="Subtitle 2"/>
+          <p:cNvSpPr>
+            <a:spLocks noGrp="1"/>
+          </p:cNvSpPr>
+          <p:nvPr>
+            <p:ph type="subTitle" idx="1"/>
+          </p:nvPr>
+        </p:nvSpPr>
+        <p:spPr/>
+        <p:txBody>
+          <a:bodyPr/>
+          <a:lstStyle/>
+          <a:p>
+            <a:pPr eaLnBrk="1" fontAlgn="auto" hangingPunct="1">
+              <a:spcAft>
+                <a:spcPts val="0"/>
+              </a:spcAft>
+              <a:buFont typeface="Arial"/>
+              <a:buNone/>
+              <a:defRPr/>
+            </a:pPr>
+            <a:r>
+              <a:rPr lang="en-US" dirty="0" smtClean="0">
+                <a:ea typeface="+mn-ea"/>
+                <a:cs typeface="+mn-cs"/>
+              </a:rPr>
+              <a:t>Lecture 3</a:t>
+            </a:r>
+            <a:endParaRPr lang="en-US" dirty="0">
+              <a:ea typeface="+mn-ea"/>
+              <a:cs typeface="+mn-cs"/>
+            </a:endParaRPr>
           </a:p>
         </p:txBody>
       </p:sp>
@@ -15789,7 +14702,7 @@
             <a:pPr>
               <a:defRPr/>
             </a:pPr>
-            <a:fld id="{825F70CE-84E9-D04C-9B15-10C693AA0F2A}" type="slidenum">
+            <a:fld id="{B0C4763A-EFD4-7742-8F31-9C2F9300C28A}" type="slidenum">
               <a:rPr lang="en-US" smtClean="0"/>
               <a:pPr>
                 <a:defRPr/>
@@ -15831,7 +14744,6 @@
   <p:clrMapOvr>
     <a:masterClrMapping/>
   </p:clrMapOvr>
-  <p:transition/>
   <p:timing>
     <p:tnLst>
       <p:par>
@@ -15861,93 +14773,91 @@
       </p:grpSpPr>
       <p:sp>
         <p:nvSpPr>
-          <p:cNvPr id="8194" name="Rectangle 2"/>
-          <p:cNvSpPr>
-            <a:spLocks noGrp="1" noChangeArrowheads="1"/>
+          <p:cNvPr id="2" name="Title 1"/>
+          <p:cNvSpPr>
+            <a:spLocks noGrp="1"/>
           </p:cNvSpPr>
           <p:nvPr>
             <p:ph type="title"/>
           </p:nvPr>
         </p:nvSpPr>
-        <p:spPr>
-          <a:xfrm>
-            <a:off x="381000" y="266700"/>
-            <a:ext cx="8458200" cy="1104900"/>
-          </a:xfrm>
-          <a:noFill/>
-          <a:ln/>
-        </p:spPr>
-        <p:txBody>
-          <a:bodyPr lIns="90487" tIns="44450" rIns="90487" bIns="44450"/>
-          <a:lstStyle/>
-          <a:p>
-            <a:r>
-              <a:rPr lang="en-GB"/>
-              <a:t>Problems of requirements analysis</a:t>
-            </a:r>
-          </a:p>
-        </p:txBody>
-      </p:sp>
-      <p:sp>
-        <p:nvSpPr>
-          <p:cNvPr id="8195" name="Rectangle 3"/>
-          <p:cNvSpPr>
-            <a:spLocks noGrp="1" noChangeArrowheads="1"/>
-          </p:cNvSpPr>
-          <p:nvPr>
-            <p:ph type="body" idx="1"/>
-          </p:nvPr>
-        </p:nvSpPr>
-        <p:spPr>
-          <a:noFill/>
-          <a:ln/>
-        </p:spPr>
-        <p:txBody>
-          <a:bodyPr lIns="90487" tIns="44450" rIns="90487" bIns="44450"/>
-          <a:lstStyle/>
-          <a:p>
-            <a:r>
-              <a:rPr lang="en-GB" sz="2400" dirty="0"/>
-              <a:t>Stakeholders don’t know what they really want.</a:t>
-            </a:r>
-          </a:p>
-          <a:p>
-            <a:r>
-              <a:rPr lang="en-GB" sz="2400" dirty="0"/>
-              <a:t>Stakeholders express requirements in their own terms.</a:t>
-            </a:r>
-          </a:p>
-          <a:p>
-            <a:r>
-              <a:rPr lang="en-GB" sz="2400" dirty="0"/>
-              <a:t>Different stakeholders may have conflicting requirements.</a:t>
-            </a:r>
-          </a:p>
-          <a:p>
-            <a:r>
-              <a:rPr lang="en-GB" sz="2400" dirty="0"/>
-              <a:t>Organisational and political factors may influence the system requirements.</a:t>
-            </a:r>
-          </a:p>
-          <a:p>
-            <a:r>
-              <a:rPr lang="en-GB" sz="2400" dirty="0"/>
-              <a:t>The requirements change during the analysis process. New stakeholders may emerge and the business environment</a:t>
-            </a:r>
-            <a:r>
-              <a:rPr lang="en-GB" sz="2400" dirty="0" smtClean="0"/>
-              <a:t> may change</a:t>
-            </a:r>
-            <a:r>
-              <a:rPr lang="en-GB" sz="2400" dirty="0"/>
-              <a:t>.</a:t>
-            </a:r>
-          </a:p>
-        </p:txBody>
-      </p:sp>
-      <p:sp>
-        <p:nvSpPr>
-          <p:cNvPr id="4" name="Slide Number Placeholder 3"/>
+        <p:spPr/>
+        <p:txBody>
+          <a:bodyPr/>
+          <a:lstStyle/>
+          <a:p>
+            <a:r>
+              <a:rPr lang="en-US" dirty="0" smtClean="0"/>
+              <a:t>Requirements discovery</a:t>
+            </a:r>
+            <a:endParaRPr lang="en-US" dirty="0"/>
+          </a:p>
+        </p:txBody>
+      </p:sp>
+      <p:sp>
+        <p:nvSpPr>
+          <p:cNvPr id="3" name="Content Placeholder 2"/>
+          <p:cNvSpPr>
+            <a:spLocks noGrp="1"/>
+          </p:cNvSpPr>
+          <p:nvPr>
+            <p:ph idx="1"/>
+          </p:nvPr>
+        </p:nvSpPr>
+        <p:spPr/>
+        <p:txBody>
+          <a:bodyPr/>
+          <a:lstStyle/>
+          <a:p>
+            <a:r>
+              <a:rPr lang="en-US" dirty="0" smtClean="0"/>
+              <a:t>The process of gathering information about the required and existing systems and distilling the user and system requirements from this information.</a:t>
+            </a:r>
+          </a:p>
+          <a:p>
+            <a:r>
+              <a:rPr lang="en-US" dirty="0" smtClean="0"/>
+              <a:t>Interaction is with system stakeholders from managers to external regulators.</a:t>
+            </a:r>
+          </a:p>
+          <a:p>
+            <a:r>
+              <a:rPr lang="en-US" dirty="0" smtClean="0"/>
+              <a:t>Systems normally have a range of stakeholders.</a:t>
+            </a:r>
+            <a:endParaRPr lang="en-US" dirty="0"/>
+          </a:p>
+        </p:txBody>
+      </p:sp>
+      <p:sp>
+        <p:nvSpPr>
+          <p:cNvPr id="4" name="Footer Placeholder 3"/>
+          <p:cNvSpPr>
+            <a:spLocks noGrp="1"/>
+          </p:cNvSpPr>
+          <p:nvPr>
+            <p:ph type="ftr" sz="quarter" idx="11"/>
+          </p:nvPr>
+        </p:nvSpPr>
+        <p:spPr/>
+        <p:txBody>
+          <a:bodyPr/>
+          <a:lstStyle/>
+          <a:p>
+            <a:pPr>
+              <a:defRPr/>
+            </a:pPr>
+            <a:r>
+              <a:rPr lang="en-US" smtClean="0"/>
+              <a:t>Chapter 4 Requirements engineering</a:t>
+            </a:r>
+            <a:endParaRPr lang="en-US"/>
+          </a:p>
+        </p:txBody>
+      </p:sp>
+      <p:sp>
+        <p:nvSpPr>
+          <p:cNvPr id="5" name="Slide Number Placeholder 4"/>
           <p:cNvSpPr>
             <a:spLocks noGrp="1"/>
           </p:cNvSpPr>
@@ -15974,38 +14884,11 @@
           </a:p>
         </p:txBody>
       </p:sp>
-      <p:sp>
-        <p:nvSpPr>
-          <p:cNvPr id="5" name="Footer Placeholder 4"/>
-          <p:cNvSpPr>
-            <a:spLocks noGrp="1"/>
-          </p:cNvSpPr>
-          <p:nvPr>
-            <p:ph type="ftr" sz="quarter" idx="11"/>
-          </p:nvPr>
-        </p:nvSpPr>
-        <p:spPr/>
-        <p:txBody>
-          <a:bodyPr/>
-          <a:lstStyle/>
-          <a:p>
-            <a:pPr>
-              <a:defRPr/>
-            </a:pPr>
-            <a:r>
-              <a:rPr lang="en-US" smtClean="0"/>
-              <a:t>Chapter 4 Requirements engineering</a:t>
-            </a:r>
-            <a:endParaRPr lang="en-US"/>
-          </a:p>
-        </p:txBody>
-      </p:sp>
     </p:spTree>
   </p:cSld>
   <p:clrMapOvr>
     <a:masterClrMapping/>
   </p:clrMapOvr>
-  <p:transition/>
   <p:timing>
     <p:tnLst>
       <p:par>
@@ -16050,7 +14933,7 @@
           <a:p>
             <a:r>
               <a:rPr lang="en-US" dirty="0" smtClean="0"/>
-              <a:t>Requirements elicitation and analysis</a:t>
+              <a:t>Stakeholders in the MHC-PMS</a:t>
             </a:r>
             <a:endParaRPr lang="en-US" dirty="0"/>
           </a:p>
@@ -16073,44 +14956,70 @@
           <a:p>
             <a:r>
               <a:rPr lang="en-US" dirty="0" smtClean="0"/>
-              <a:t>Software engineers work with a range of system stakeholders to find out about the application domain, the services that the system should provide, the required system performance, hardware constraints, other systems, etc.</a:t>
-            </a:r>
-          </a:p>
-          <a:p>
+              <a:t>Patients</a:t>
+            </a:r>
+            <a:r>
+              <a:rPr lang="en-US" i="1" dirty="0" smtClean="0"/>
+              <a:t> </a:t>
+            </a:r>
             <a:r>
               <a:rPr lang="en-US" dirty="0" smtClean="0"/>
-              <a:t>Stages include:</a:t>
-            </a:r>
-          </a:p>
-          <a:p>
-            <a:pPr lvl="1"/>
+              <a:t>whose information is recorded in the system.</a:t>
+            </a:r>
+            <a:endParaRPr lang="en-GB" dirty="0" smtClean="0"/>
+          </a:p>
+          <a:p>
             <a:r>
               <a:rPr lang="en-US" dirty="0" smtClean="0"/>
-              <a:t>Requirements discovery,</a:t>
-            </a:r>
-          </a:p>
-          <a:p>
-            <a:pPr lvl="1"/>
+              <a:t>Doctors</a:t>
+            </a:r>
+            <a:r>
+              <a:rPr lang="en-US" i="1" dirty="0" smtClean="0"/>
+              <a:t> </a:t>
+            </a:r>
             <a:r>
               <a:rPr lang="en-US" dirty="0" smtClean="0"/>
-              <a:t>Requirements classification and organization,</a:t>
-            </a:r>
-          </a:p>
-          <a:p>
-            <a:pPr lvl="1"/>
+              <a:t>who are responsible for assessing and treating patients.</a:t>
+            </a:r>
+            <a:endParaRPr lang="en-GB" dirty="0" smtClean="0"/>
+          </a:p>
+          <a:p>
             <a:r>
               <a:rPr lang="en-US" dirty="0" smtClean="0"/>
-              <a:t>Requirements prioritization and negotiation,</a:t>
-            </a:r>
-          </a:p>
-          <a:p>
-            <a:pPr lvl="1"/>
+              <a:t>Nurses who coordinate the consultations with doctors and administer some treatments.</a:t>
+            </a:r>
+            <a:endParaRPr lang="en-GB" dirty="0" smtClean="0"/>
+          </a:p>
+          <a:p>
             <a:r>
               <a:rPr lang="en-US" dirty="0" smtClean="0"/>
-              <a:t>Requirements specification.</a:t>
-            </a:r>
-          </a:p>
-          <a:p>
+              <a:t>Medical receptionists</a:t>
+            </a:r>
+            <a:r>
+              <a:rPr lang="en-US" i="1" dirty="0" smtClean="0"/>
+              <a:t> </a:t>
+            </a:r>
+            <a:r>
+              <a:rPr lang="en-US" dirty="0" smtClean="0"/>
+              <a:t>who manage patients’ appointments.</a:t>
+            </a:r>
+            <a:endParaRPr lang="en-GB" dirty="0" smtClean="0"/>
+          </a:p>
+          <a:p>
+            <a:r>
+              <a:rPr lang="en-US" dirty="0" smtClean="0"/>
+              <a:t>IT staff who are responsible for installing and maintaining the system.</a:t>
+            </a:r>
+            <a:endParaRPr lang="en-GB" dirty="0" smtClean="0"/>
+          </a:p>
+          <a:p>
+            <a:pPr>
+              <a:buNone/>
+            </a:pPr>
+            <a:r>
+              <a:rPr lang="en-US" dirty="0" smtClean="0"/>
+              <a:t>	</a:t>
+            </a:r>
             <a:endParaRPr lang="en-US" dirty="0"/>
           </a:p>
         </p:txBody>
@@ -16204,7 +15113,7 @@
       </p:grpSpPr>
       <p:sp>
         <p:nvSpPr>
-          <p:cNvPr id="30722" name="Title 1"/>
+          <p:cNvPr id="2" name="Title 1"/>
           <p:cNvSpPr>
             <a:spLocks noGrp="1"/>
           </p:cNvSpPr>
@@ -16217,63 +15126,96 @@
           <a:bodyPr/>
           <a:lstStyle/>
           <a:p>
-            <a:pPr eaLnBrk="1" hangingPunct="1"/>
             <a:r>
               <a:rPr lang="en-US" dirty="0" smtClean="0"/>
-              <a:t>The</a:t>
-            </a:r>
-            <a:r>
-              <a:rPr lang="en-US" b="1" dirty="0" smtClean="0"/>
+              <a:t>Stakeholders in the MHC-PMS</a:t>
+            </a:r>
+            <a:endParaRPr lang="en-US" dirty="0"/>
+          </a:p>
+        </p:txBody>
+      </p:sp>
+      <p:sp>
+        <p:nvSpPr>
+          <p:cNvPr id="3" name="Content Placeholder 2"/>
+          <p:cNvSpPr>
+            <a:spLocks noGrp="1"/>
+          </p:cNvSpPr>
+          <p:nvPr>
+            <p:ph idx="1"/>
+          </p:nvPr>
+        </p:nvSpPr>
+        <p:spPr/>
+        <p:txBody>
+          <a:bodyPr/>
+          <a:lstStyle/>
+          <a:p>
+            <a:r>
+              <a:rPr lang="en-US" dirty="0" smtClean="0"/>
+              <a:t>A medical ethics manager who must ensure that the system meets current ethical guidelines for patient care.</a:t>
+            </a:r>
+            <a:endParaRPr lang="en-GB" dirty="0" smtClean="0"/>
+          </a:p>
+          <a:p>
+            <a:r>
+              <a:rPr lang="en-US" dirty="0" smtClean="0"/>
+              <a:t>Health care managers</a:t>
+            </a:r>
+            <a:r>
+              <a:rPr lang="en-US" i="1" dirty="0" smtClean="0"/>
               <a:t> </a:t>
             </a:r>
             <a:r>
               <a:rPr lang="en-US" dirty="0" smtClean="0"/>
-              <a:t>requirements elicitation and analysis process</a:t>
-            </a:r>
-            <a:r>
-              <a:rPr lang="en-GB" dirty="0" smtClean="0"/>
+              <a:t>who obtain management information from the system.</a:t>
+            </a:r>
+            <a:endParaRPr lang="en-GB" dirty="0" smtClean="0"/>
+          </a:p>
+          <a:p>
+            <a:r>
+              <a:rPr lang="en-US" dirty="0" smtClean="0"/>
+              <a:t>Medical records staff</a:t>
+            </a:r>
+            <a:r>
+              <a:rPr lang="en-US" i="1" dirty="0" smtClean="0"/>
               <a:t> </a:t>
             </a:r>
-            <a:endParaRPr lang="en-US" dirty="0" smtClean="0"/>
-          </a:p>
-        </p:txBody>
-      </p:sp>
-      <p:pic>
-        <p:nvPicPr>
-          <p:cNvPr id="4" name="Picture 3" descr="4.13 RequirementsElicitation.eps"/>
-          <p:cNvPicPr>
-            <a:picLocks noChangeAspect="1"/>
-          </p:cNvPicPr>
-          <p:nvPr/>
-        </p:nvPicPr>
-        <mc:AlternateContent xmlns:mc="http://schemas.openxmlformats.org/markup-compatibility/2006">
-          <mc:Choice xmlns:ma="http://schemas.microsoft.com/office/mac/drawingml/2008/main" xmlns:mv="urn:schemas-microsoft-com:mac:vml" xmlns="" Requires="ma">
-            <p:blipFill>
-              <a:blip r:embed="rId2"/>
-              <a:stretch>
-                <a:fillRect/>
-              </a:stretch>
-            </p:blipFill>
-          </mc:Choice>
-          <mc:Fallback>
-            <p:blipFill>
-              <a:blip r:embed="rId3"/>
-              <a:stretch>
-                <a:fillRect/>
-              </a:stretch>
-            </p:blipFill>
-          </mc:Fallback>
-        </mc:AlternateContent>
-        <p:spPr>
-          <a:xfrm>
-            <a:off x="1752600" y="1752600"/>
-            <a:ext cx="4881613" cy="3206750"/>
-          </a:xfrm>
-          <a:prstGeom prst="rect">
-            <a:avLst/>
-          </a:prstGeom>
-        </p:spPr>
-      </p:pic>
+            <a:r>
+              <a:rPr lang="en-US" dirty="0" smtClean="0"/>
+              <a:t>who are responsible for ensuring that system information can be maintained and preserved, and that record keeping procedures have been properly implemented.</a:t>
+            </a:r>
+            <a:endParaRPr lang="en-GB" dirty="0" smtClean="0"/>
+          </a:p>
+          <a:p>
+            <a:endParaRPr lang="en-US" dirty="0"/>
+          </a:p>
+        </p:txBody>
+      </p:sp>
+      <p:sp>
+        <p:nvSpPr>
+          <p:cNvPr id="4" name="Footer Placeholder 3"/>
+          <p:cNvSpPr>
+            <a:spLocks noGrp="1"/>
+          </p:cNvSpPr>
+          <p:nvPr>
+            <p:ph type="ftr" sz="quarter" idx="11"/>
+          </p:nvPr>
+        </p:nvSpPr>
+        <p:spPr/>
+        <p:txBody>
+          <a:bodyPr/>
+          <a:lstStyle/>
+          <a:p>
+            <a:pPr>
+              <a:defRPr/>
+            </a:pPr>
+            <a:r>
+              <a:rPr lang="en-US" smtClean="0"/>
+              <a:t>Chapter 4 Requirements engineering</a:t>
+            </a:r>
+            <a:endParaRPr lang="en-US"/>
+          </a:p>
+        </p:txBody>
+      </p:sp>
       <p:sp>
         <p:nvSpPr>
           <p:cNvPr id="5" name="Slide Number Placeholder 4"/>
@@ -16299,32 +15241,6 @@
               </a:pPr>
               <a:t>47</a:t>
             </a:fld>
-            <a:endParaRPr lang="en-US"/>
-          </a:p>
-        </p:txBody>
-      </p:sp>
-      <p:sp>
-        <p:nvSpPr>
-          <p:cNvPr id="6" name="Footer Placeholder 5"/>
-          <p:cNvSpPr>
-            <a:spLocks noGrp="1"/>
-          </p:cNvSpPr>
-          <p:nvPr>
-            <p:ph type="ftr" sz="quarter" idx="11"/>
-          </p:nvPr>
-        </p:nvSpPr>
-        <p:spPr/>
-        <p:txBody>
-          <a:bodyPr/>
-          <a:lstStyle/>
-          <a:p>
-            <a:pPr>
-              <a:defRPr/>
-            </a:pPr>
-            <a:r>
-              <a:rPr lang="en-US" smtClean="0"/>
-              <a:t>Chapter 4 Requirements engineering</a:t>
-            </a:r>
             <a:endParaRPr lang="en-US"/>
           </a:p>
         </p:txBody>
@@ -16363,137 +15279,142 @@
       </p:grpSpPr>
       <p:sp>
         <p:nvSpPr>
-          <p:cNvPr id="10242" name="Rectangle 2"/>
-          <p:cNvSpPr>
-            <a:spLocks noGrp="1" noChangeArrowheads="1"/>
+          <p:cNvPr id="2" name="Title 1"/>
+          <p:cNvSpPr>
+            <a:spLocks noGrp="1"/>
           </p:cNvSpPr>
           <p:nvPr>
             <p:ph type="title"/>
           </p:nvPr>
         </p:nvSpPr>
-        <p:spPr>
-          <a:noFill/>
-          <a:ln/>
-        </p:spPr>
-        <p:txBody>
-          <a:bodyPr lIns="90487" tIns="44450" rIns="90487" bIns="44450"/>
-          <a:lstStyle/>
-          <a:p>
-            <a:r>
-              <a:rPr lang="en-GB"/>
-              <a:t>Process activities</a:t>
-            </a:r>
-          </a:p>
-        </p:txBody>
-      </p:sp>
-      <p:sp>
-        <p:nvSpPr>
-          <p:cNvPr id="10243" name="Rectangle 3"/>
-          <p:cNvSpPr>
-            <a:spLocks noGrp="1" noChangeArrowheads="1"/>
-          </p:cNvSpPr>
-          <p:nvPr>
-            <p:ph type="body" idx="1"/>
-          </p:nvPr>
-        </p:nvSpPr>
-        <p:spPr>
-          <a:noFill/>
-          <a:ln/>
-        </p:spPr>
-        <p:txBody>
-          <a:bodyPr lIns="90487" tIns="44450" rIns="90487" bIns="44450"/>
+        <p:spPr/>
+        <p:txBody>
+          <a:bodyPr/>
+          <a:lstStyle/>
+          <a:p>
+            <a:r>
+              <a:rPr lang="en-US" dirty="0" smtClean="0"/>
+              <a:t>Interviewing</a:t>
+            </a:r>
+            <a:endParaRPr lang="en-US" dirty="0"/>
+          </a:p>
+        </p:txBody>
+      </p:sp>
+      <p:sp>
+        <p:nvSpPr>
+          <p:cNvPr id="3" name="Content Placeholder 2"/>
+          <p:cNvSpPr>
+            <a:spLocks noGrp="1"/>
+          </p:cNvSpPr>
+          <p:nvPr>
+            <p:ph idx="1"/>
+          </p:nvPr>
+        </p:nvSpPr>
+        <p:spPr/>
+        <p:txBody>
+          <a:bodyPr/>
+          <a:lstStyle/>
+          <a:p>
+            <a:r>
+              <a:rPr lang="en-US" dirty="0" smtClean="0"/>
+              <a:t>Formal or informal interviews with stakeholders are part of most RE processes.</a:t>
+            </a:r>
+          </a:p>
+          <a:p>
+            <a:r>
+              <a:rPr lang="en-US" dirty="0" smtClean="0"/>
+              <a:t>Types of interview</a:t>
+            </a:r>
+          </a:p>
+          <a:p>
+            <a:pPr lvl="1"/>
+            <a:r>
+              <a:rPr lang="en-US" dirty="0" smtClean="0"/>
+              <a:t>Closed interviews based on pre-determined list of questions</a:t>
+            </a:r>
+          </a:p>
+          <a:p>
+            <a:pPr lvl="1"/>
+            <a:r>
+              <a:rPr lang="en-US" dirty="0" smtClean="0"/>
+              <a:t>Open interviews where various issues are explored with stakeholders.</a:t>
+            </a:r>
+          </a:p>
+          <a:p>
+            <a:r>
+              <a:rPr lang="en-US" dirty="0" smtClean="0"/>
+              <a:t>Effective interviewing</a:t>
+            </a:r>
+          </a:p>
+          <a:p>
+            <a:pPr lvl="1"/>
+            <a:r>
+              <a:rPr lang="en-US" dirty="0" smtClean="0"/>
+              <a:t>Be open-minded, avoid pre-conceived ideas about the requirements and are willing to listen to stakeholders. </a:t>
+            </a:r>
+            <a:endParaRPr lang="en-GB" dirty="0" smtClean="0"/>
+          </a:p>
+          <a:p>
+            <a:pPr lvl="1"/>
+            <a:r>
+              <a:rPr lang="en-US" dirty="0" smtClean="0"/>
+              <a:t>Prompt the interviewee to get discussions going using a springboard question, a requirements proposal, or by working together on a prototype system. </a:t>
+            </a:r>
+          </a:p>
+        </p:txBody>
+      </p:sp>
+      <p:sp>
+        <p:nvSpPr>
+          <p:cNvPr id="4" name="Footer Placeholder 3"/>
+          <p:cNvSpPr>
+            <a:spLocks noGrp="1"/>
+          </p:cNvSpPr>
+          <p:nvPr>
+            <p:ph type="ftr" sz="quarter" idx="11"/>
+          </p:nvPr>
+        </p:nvSpPr>
+        <p:spPr/>
+        <p:txBody>
+          <a:bodyPr/>
           <a:lstStyle/>
           <a:p>
             <a:pPr>
-              <a:lnSpc>
-                <a:spcPct val="90000"/>
-              </a:lnSpc>
-            </a:pPr>
-            <a:r>
-              <a:rPr lang="en-GB" sz="2400" dirty="0"/>
-              <a:t>Requirements discovery</a:t>
-            </a:r>
-          </a:p>
-          <a:p>
-            <a:pPr lvl="1">
-              <a:lnSpc>
-                <a:spcPct val="90000"/>
-              </a:lnSpc>
-            </a:pPr>
-            <a:r>
-              <a:rPr lang="en-GB" sz="2000" dirty="0"/>
-              <a:t>Interacting with stakeholders to discover their requirements. Domain requirements are also discovered at this stage.</a:t>
-            </a:r>
-          </a:p>
+              <a:defRPr/>
+            </a:pPr>
+            <a:r>
+              <a:rPr lang="en-US" smtClean="0"/>
+              <a:t>Chapter 4 Requirements engineering</a:t>
+            </a:r>
+            <a:endParaRPr lang="en-US"/>
+          </a:p>
+        </p:txBody>
+      </p:sp>
+      <p:sp>
+        <p:nvSpPr>
+          <p:cNvPr id="5" name="Slide Number Placeholder 4"/>
+          <p:cNvSpPr>
+            <a:spLocks noGrp="1"/>
+          </p:cNvSpPr>
+          <p:nvPr>
+            <p:ph type="sldNum" sz="quarter" idx="12"/>
+          </p:nvPr>
+        </p:nvSpPr>
+        <p:spPr/>
+        <p:txBody>
+          <a:bodyPr/>
+          <a:lstStyle/>
           <a:p>
             <a:pPr>
-              <a:lnSpc>
-                <a:spcPct val="90000"/>
-              </a:lnSpc>
-            </a:pPr>
-            <a:r>
-              <a:rPr lang="en-GB" sz="2400" dirty="0"/>
-              <a:t>Requirements classification and organisation</a:t>
-            </a:r>
-          </a:p>
-          <a:p>
-            <a:pPr lvl="1">
-              <a:lnSpc>
-                <a:spcPct val="90000"/>
-              </a:lnSpc>
-            </a:pPr>
-            <a:r>
-              <a:rPr lang="en-GB" sz="2000" dirty="0"/>
-              <a:t>Groups related requirements and organises them into coherent clusters.</a:t>
-            </a:r>
-          </a:p>
-          <a:p>
-            <a:pPr>
-              <a:lnSpc>
-                <a:spcPct val="90000"/>
-              </a:lnSpc>
-            </a:pPr>
-            <a:r>
-              <a:rPr lang="en-GB" sz="2400" dirty="0"/>
-              <a:t>Prioritisation and negotiation</a:t>
-            </a:r>
-          </a:p>
-          <a:p>
-            <a:pPr lvl="1">
-              <a:lnSpc>
-                <a:spcPct val="90000"/>
-              </a:lnSpc>
-            </a:pPr>
-            <a:r>
-              <a:rPr lang="en-GB" sz="2000" dirty="0"/>
-              <a:t>Prioritising requirements and resolving requirements conflicts.</a:t>
-            </a:r>
-          </a:p>
-          <a:p>
-            <a:pPr>
-              <a:lnSpc>
-                <a:spcPct val="90000"/>
-              </a:lnSpc>
-            </a:pPr>
-            <a:r>
-              <a:rPr lang="en-GB" sz="2400" dirty="0"/>
-              <a:t>Requirements</a:t>
-            </a:r>
-            <a:r>
-              <a:rPr lang="en-GB" sz="2400" dirty="0" smtClean="0"/>
-              <a:t> specification</a:t>
-            </a:r>
-          </a:p>
-          <a:p>
-            <a:pPr lvl="1">
-              <a:lnSpc>
-                <a:spcPct val="90000"/>
-              </a:lnSpc>
-            </a:pPr>
-            <a:r>
-              <a:rPr lang="en-GB" sz="2000" dirty="0"/>
-              <a:t>Requirements are documented and input into the next round of the spiral.</a:t>
-            </a:r>
+              <a:defRPr/>
+            </a:pPr>
+            <a:fld id="{825F70CE-84E9-D04C-9B15-10C693AA0F2A}" type="slidenum">
+              <a:rPr lang="en-US" smtClean="0"/>
+              <a:pPr>
+                <a:defRPr/>
+              </a:pPr>
+              <a:t>48</a:t>
+            </a:fld>
+            <a:endParaRPr lang="en-US" dirty="0"/>
           </a:p>
         </p:txBody>
       </p:sp>
@@ -16502,7 +15423,6 @@
   <p:clrMapOvr>
     <a:masterClrMapping/>
   </p:clrMapOvr>
-  <p:transition/>
   <p:timing>
     <p:tnLst>
       <p:par>
@@ -16532,7 +15452,7 @@
       </p:grpSpPr>
       <p:sp>
         <p:nvSpPr>
-          <p:cNvPr id="8194" name="Rectangle 2"/>
+          <p:cNvPr id="94210" name="Rectangle 2"/>
           <p:cNvSpPr>
             <a:spLocks noGrp="1" noChangeArrowheads="1"/>
           </p:cNvSpPr>
@@ -16540,33 +15460,21 @@
             <p:ph type="title"/>
           </p:nvPr>
         </p:nvSpPr>
-        <p:spPr>
-          <a:xfrm>
-            <a:off x="381000" y="266700"/>
-            <a:ext cx="8458200" cy="1104900"/>
-          </a:xfrm>
-          <a:noFill/>
-          <a:ln/>
-        </p:spPr>
-        <p:txBody>
-          <a:bodyPr lIns="90487" tIns="44450" rIns="90487" bIns="44450"/>
-          <a:lstStyle/>
-          <a:p>
-            <a:r>
-              <a:rPr lang="en-GB" dirty="0"/>
-              <a:t>Problems of requirements</a:t>
-            </a:r>
-            <a:r>
-              <a:rPr lang="en-GB" dirty="0" smtClean="0"/>
-              <a:t> elicitation</a:t>
-            </a:r>
-            <a:endParaRPr lang="en-GB" dirty="0"/>
-          </a:p>
-        </p:txBody>
-      </p:sp>
-      <p:sp>
-        <p:nvSpPr>
-          <p:cNvPr id="8195" name="Rectangle 3"/>
+        <p:spPr/>
+        <p:txBody>
+          <a:bodyPr/>
+          <a:lstStyle/>
+          <a:p>
+            <a:r>
+              <a:rPr lang="en-US"/>
+              <a:t>Interviews in practice</a:t>
+            </a:r>
+          </a:p>
+        </p:txBody>
+      </p:sp>
+      <p:sp>
+        <p:nvSpPr>
+          <p:cNvPr id="94211" name="Rectangle 3"/>
           <p:cNvSpPr>
             <a:spLocks noGrp="1" noChangeArrowheads="1"/>
           </p:cNvSpPr>
@@ -16574,41 +15482,63 @@
             <p:ph type="body" idx="1"/>
           </p:nvPr>
         </p:nvSpPr>
-        <p:spPr>
-          <a:noFill/>
-          <a:ln/>
-        </p:spPr>
-        <p:txBody>
-          <a:bodyPr lIns="90487" tIns="44450" rIns="90487" bIns="44450"/>
-          <a:lstStyle/>
-          <a:p>
-            <a:r>
-              <a:rPr lang="en-GB" sz="2400"/>
-              <a:t>Stakeholders don’t know what they really want.</a:t>
-            </a:r>
-          </a:p>
-          <a:p>
-            <a:r>
-              <a:rPr lang="en-GB" sz="2400"/>
-              <a:t>Stakeholders express requirements in their own terms.</a:t>
-            </a:r>
-          </a:p>
-          <a:p>
-            <a:r>
-              <a:rPr lang="en-GB" sz="2400"/>
-              <a:t>Different stakeholders may have conflicting requirements.</a:t>
-            </a:r>
-          </a:p>
-          <a:p>
-            <a:r>
-              <a:rPr lang="en-GB" sz="2400"/>
-              <a:t>Organisational and political factors may influence the system requirements.</a:t>
-            </a:r>
-          </a:p>
-          <a:p>
-            <a:r>
-              <a:rPr lang="en-GB" sz="2400"/>
-              <a:t>The requirements change during the analysis process. New stakeholders may emerge and the business environment change.</a:t>
+        <p:spPr/>
+        <p:txBody>
+          <a:bodyPr/>
+          <a:lstStyle/>
+          <a:p>
+            <a:pPr>
+              <a:lnSpc>
+                <a:spcPct val="90000"/>
+              </a:lnSpc>
+            </a:pPr>
+            <a:r>
+              <a:rPr lang="en-US" sz="2400"/>
+              <a:t>Normally a mix of closed and open-ended interviewing.</a:t>
+            </a:r>
+          </a:p>
+          <a:p>
+            <a:pPr>
+              <a:lnSpc>
+                <a:spcPct val="90000"/>
+              </a:lnSpc>
+            </a:pPr>
+            <a:r>
+              <a:rPr lang="en-US" sz="2400"/>
+              <a:t>Interviews are good for getting an overall understanding of what stakeholders do and how they might interact with the system.</a:t>
+            </a:r>
+          </a:p>
+          <a:p>
+            <a:pPr>
+              <a:lnSpc>
+                <a:spcPct val="90000"/>
+              </a:lnSpc>
+            </a:pPr>
+            <a:r>
+              <a:rPr lang="en-US" sz="2400"/>
+              <a:t>Interviews are not good for understanding domain requirements</a:t>
+            </a:r>
+          </a:p>
+          <a:p>
+            <a:pPr lvl="1">
+              <a:lnSpc>
+                <a:spcPct val="90000"/>
+              </a:lnSpc>
+            </a:pPr>
+            <a:r>
+              <a:rPr lang="en-US" sz="2000"/>
+              <a:t>Requirements engineers cannot understand specific domain terminology;</a:t>
+            </a:r>
+          </a:p>
+          <a:p>
+            <a:pPr lvl="1">
+              <a:lnSpc>
+                <a:spcPct val="90000"/>
+              </a:lnSpc>
+            </a:pPr>
+            <a:r>
+              <a:rPr lang="en-US" sz="2000"/>
+              <a:t>Some domain knowledge is so familiar that people find it hard to articulate or think that it isn’t worth articulating.</a:t>
             </a:r>
           </a:p>
         </p:txBody>
@@ -16618,7 +15548,6 @@
   <p:clrMapOvr>
     <a:masterClrMapping/>
   </p:clrMapOvr>
-  <p:transition/>
   <p:timing>
     <p:tnLst>
       <p:par>
@@ -16810,9 +15739,9 @@
       </p:grpSpPr>
       <p:sp>
         <p:nvSpPr>
-          <p:cNvPr id="2" name="Title 1"/>
-          <p:cNvSpPr>
-            <a:spLocks noGrp="1"/>
+          <p:cNvPr id="90114" name="Rectangle 2"/>
+          <p:cNvSpPr>
+            <a:spLocks noGrp="1" noChangeArrowheads="1"/>
           </p:cNvSpPr>
           <p:nvPr>
             <p:ph type="title"/>
@@ -16824,111 +15753,72 @@
           <a:lstStyle/>
           <a:p>
             <a:r>
-              <a:rPr lang="en-US" dirty="0" smtClean="0"/>
-              <a:t>Key points</a:t>
-            </a:r>
-            <a:endParaRPr lang="en-US" dirty="0"/>
-          </a:p>
-        </p:txBody>
-      </p:sp>
-      <p:sp>
-        <p:nvSpPr>
-          <p:cNvPr id="3" name="Content Placeholder 2"/>
-          <p:cNvSpPr>
-            <a:spLocks noGrp="1"/>
-          </p:cNvSpPr>
-          <p:nvPr>
-            <p:ph idx="1"/>
-          </p:nvPr>
-        </p:nvSpPr>
-        <p:spPr>
-          <a:xfrm>
-            <a:off x="457200" y="1600200"/>
-            <a:ext cx="8382000" cy="4525963"/>
-          </a:xfrm>
-        </p:spPr>
-        <p:txBody>
-          <a:bodyPr/>
-          <a:lstStyle/>
-          <a:p>
-            <a:r>
-              <a:rPr lang="en-US" dirty="0" smtClean="0"/>
-              <a:t>The software requirements document is an agreed statement of the system requirements. It should be organized so that both system customers and software developers can use it.</a:t>
-            </a:r>
-            <a:endParaRPr lang="en-GB" dirty="0" smtClean="0"/>
-          </a:p>
-          <a:p>
-            <a:r>
-              <a:rPr lang="en-US" dirty="0" smtClean="0"/>
-              <a:t>The requirements engineering process is an iterative process including requirements elicitation, specification and validation.</a:t>
-            </a:r>
-            <a:endParaRPr lang="en-GB" dirty="0" smtClean="0"/>
-          </a:p>
-          <a:p>
-            <a:r>
-              <a:rPr lang="en-US" dirty="0" smtClean="0"/>
-              <a:t>Requirements elicitation and analysis is an iterative process that can be represented as a spiral of activities – requirements discovery, requirements classification and organization, requirements negotiation and requirements documentation.</a:t>
-            </a:r>
-            <a:r>
-              <a:rPr lang="en-GB" dirty="0" smtClean="0"/>
-              <a:t> </a:t>
-            </a:r>
-            <a:endParaRPr lang="en-US" dirty="0"/>
-          </a:p>
-        </p:txBody>
-      </p:sp>
-      <p:sp>
-        <p:nvSpPr>
-          <p:cNvPr id="4" name="Footer Placeholder 3"/>
-          <p:cNvSpPr>
-            <a:spLocks noGrp="1"/>
-          </p:cNvSpPr>
-          <p:nvPr>
-            <p:ph type="ftr" sz="quarter" idx="11"/>
-          </p:nvPr>
-        </p:nvSpPr>
-        <p:spPr/>
-        <p:txBody>
-          <a:bodyPr/>
-          <a:lstStyle/>
-          <a:p>
-            <a:pPr>
-              <a:defRPr/>
-            </a:pPr>
-            <a:r>
-              <a:rPr lang="en-US" smtClean="0"/>
-              <a:t>Chapter 4 Requirements engineering</a:t>
-            </a:r>
-            <a:endParaRPr lang="en-US"/>
-          </a:p>
-        </p:txBody>
-      </p:sp>
-      <p:sp>
-        <p:nvSpPr>
-          <p:cNvPr id="5" name="Slide Number Placeholder 4"/>
-          <p:cNvSpPr>
-            <a:spLocks noGrp="1"/>
-          </p:cNvSpPr>
-          <p:nvPr>
-            <p:ph type="sldNum" sz="quarter" idx="12"/>
-          </p:nvPr>
-        </p:nvSpPr>
-        <p:spPr/>
-        <p:txBody>
-          <a:bodyPr/>
-          <a:lstStyle/>
-          <a:p>
-            <a:pPr>
-              <a:defRPr/>
-            </a:pPr>
-            <a:fld id="{825F70CE-84E9-D04C-9B15-10C693AA0F2A}" type="slidenum">
-              <a:rPr lang="en-US" smtClean="0"/>
-              <a:pPr>
-                <a:defRPr/>
-              </a:pPr>
-              <a:t>50</a:t>
-            </a:fld>
-            <a:endParaRPr lang="en-US"/>
+              <a:rPr lang="en-US"/>
+              <a:t>Scenarios</a:t>
+            </a:r>
+          </a:p>
+        </p:txBody>
+      </p:sp>
+      <p:sp>
+        <p:nvSpPr>
+          <p:cNvPr id="90115" name="Rectangle 3"/>
+          <p:cNvSpPr>
+            <a:spLocks noGrp="1" noChangeArrowheads="1"/>
+          </p:cNvSpPr>
+          <p:nvPr>
+            <p:ph type="body" idx="1"/>
+          </p:nvPr>
+        </p:nvSpPr>
+        <p:spPr/>
+        <p:txBody>
+          <a:bodyPr/>
+          <a:lstStyle/>
+          <a:p>
+            <a:r>
+              <a:rPr lang="en-US"/>
+              <a:t>Scenarios are real-life examples of how a system can be used.</a:t>
+            </a:r>
+          </a:p>
+          <a:p>
+            <a:r>
+              <a:rPr lang="en-US"/>
+              <a:t>They should include</a:t>
+            </a:r>
+          </a:p>
+          <a:p>
+            <a:pPr lvl="1"/>
+            <a:r>
+              <a:rPr lang="en-US"/>
+              <a:t>A description of the starting situation;</a:t>
+            </a:r>
+          </a:p>
+          <a:p>
+            <a:pPr lvl="1"/>
+            <a:r>
+              <a:rPr lang="en-US"/>
+              <a:t>A description of the normal flow of events;</a:t>
+            </a:r>
+          </a:p>
+          <a:p>
+            <a:pPr lvl="1"/>
+            <a:r>
+              <a:rPr lang="en-US"/>
+              <a:t>A description of what can go wrong;</a:t>
+            </a:r>
+          </a:p>
+          <a:p>
+            <a:pPr lvl="1"/>
+            <a:r>
+              <a:rPr lang="en-US"/>
+              <a:t>Information about other concurrent activities;</a:t>
+            </a:r>
+          </a:p>
+          <a:p>
+            <a:pPr lvl="1"/>
+            <a:r>
+              <a:rPr lang="en-US"/>
+              <a:t>A description of the state when the scenario finishes.</a:t>
+            </a:r>
           </a:p>
         </p:txBody>
       </p:sp>
@@ -16966,61 +15856,67 @@
       </p:grpSpPr>
       <p:sp>
         <p:nvSpPr>
-          <p:cNvPr id="15362" name="Title 1"/>
-          <p:cNvSpPr>
-            <a:spLocks noGrp="1"/>
-          </p:cNvSpPr>
-          <p:nvPr>
-            <p:ph type="ctrTitle"/>
-          </p:nvPr>
-        </p:nvSpPr>
-        <p:spPr/>
-        <p:txBody>
-          <a:bodyPr/>
-          <a:lstStyle/>
-          <a:p>
-            <a:pPr eaLnBrk="1" hangingPunct="1"/>
-            <a:r>
-              <a:rPr lang="en-US" dirty="0" smtClean="0"/>
-              <a:t>Chapter 4 – Requirements Engineering</a:t>
-            </a:r>
-          </a:p>
-        </p:txBody>
-      </p:sp>
-      <p:sp>
-        <p:nvSpPr>
-          <p:cNvPr id="3" name="Subtitle 2"/>
-          <p:cNvSpPr>
-            <a:spLocks noGrp="1"/>
-          </p:cNvSpPr>
-          <p:nvPr>
-            <p:ph type="subTitle" idx="1"/>
-          </p:nvPr>
-        </p:nvSpPr>
-        <p:spPr/>
-        <p:txBody>
-          <a:bodyPr/>
-          <a:lstStyle/>
-          <a:p>
-            <a:pPr eaLnBrk="1" fontAlgn="auto" hangingPunct="1">
-              <a:spcAft>
-                <a:spcPts val="0"/>
-              </a:spcAft>
-              <a:buFont typeface="Arial"/>
-              <a:buNone/>
-              <a:defRPr/>
-            </a:pPr>
-            <a:r>
-              <a:rPr lang="en-US" dirty="0" smtClean="0">
-                <a:ea typeface="+mn-ea"/>
-                <a:cs typeface="+mn-cs"/>
-              </a:rPr>
-              <a:t>Lecture 3</a:t>
-            </a:r>
-            <a:endParaRPr lang="en-US" dirty="0">
-              <a:ea typeface="+mn-ea"/>
-              <a:cs typeface="+mn-cs"/>
-            </a:endParaRPr>
+          <p:cNvPr id="48130" name="Rectangle 2"/>
+          <p:cNvSpPr>
+            <a:spLocks noGrp="1" noChangeArrowheads="1"/>
+          </p:cNvSpPr>
+          <p:nvPr>
+            <p:ph type="title"/>
+          </p:nvPr>
+        </p:nvSpPr>
+        <p:spPr/>
+        <p:txBody>
+          <a:bodyPr/>
+          <a:lstStyle/>
+          <a:p>
+            <a:r>
+              <a:rPr lang="en-GB"/>
+              <a:t>Use cases</a:t>
+            </a:r>
+          </a:p>
+        </p:txBody>
+      </p:sp>
+      <p:sp>
+        <p:nvSpPr>
+          <p:cNvPr id="48131" name="Rectangle 3"/>
+          <p:cNvSpPr>
+            <a:spLocks noGrp="1" noChangeArrowheads="1"/>
+          </p:cNvSpPr>
+          <p:nvPr>
+            <p:ph type="body" idx="1"/>
+          </p:nvPr>
+        </p:nvSpPr>
+        <p:spPr/>
+        <p:txBody>
+          <a:bodyPr/>
+          <a:lstStyle/>
+          <a:p>
+            <a:r>
+              <a:rPr lang="en-GB" dirty="0"/>
+              <a:t>Use-cases are a scenario based technique in the UML which identify the actors in an interaction and which describe the interaction itself.</a:t>
+            </a:r>
+          </a:p>
+          <a:p>
+            <a:r>
+              <a:rPr lang="en-GB" dirty="0"/>
+              <a:t>A set of use cases should describe all possible interactions with the system</a:t>
+            </a:r>
+            <a:r>
+              <a:rPr lang="en-GB" dirty="0" smtClean="0"/>
+              <a:t>.</a:t>
+            </a:r>
+          </a:p>
+          <a:p>
+            <a:r>
+              <a:rPr lang="en-GB" dirty="0" smtClean="0"/>
+              <a:t>High-level graphical model supplemented by more detailed tabular description (see Chapter 5).</a:t>
+            </a:r>
+          </a:p>
+          <a:p>
+            <a:r>
+              <a:rPr lang="en-GB" dirty="0"/>
+              <a:t>Sequence diagrams may be used to add detail to use-cases by showing the sequence of event processing in the system.</a:t>
+            </a:r>
           </a:p>
         </p:txBody>
       </p:sp>
@@ -17042,7 +15938,7 @@
             <a:pPr>
               <a:defRPr/>
             </a:pPr>
-            <a:fld id="{B0C4763A-EFD4-7742-8F31-9C2F9300C28A}" type="slidenum">
+            <a:fld id="{825F70CE-84E9-D04C-9B15-10C693AA0F2A}" type="slidenum">
               <a:rPr lang="en-US" smtClean="0"/>
               <a:pPr>
                 <a:defRPr/>
@@ -17113,7 +16009,7 @@
       </p:grpSpPr>
       <p:sp>
         <p:nvSpPr>
-          <p:cNvPr id="2" name="Title 1"/>
+          <p:cNvPr id="32770" name="Title 1"/>
           <p:cNvSpPr>
             <a:spLocks noGrp="1"/>
           </p:cNvSpPr>
@@ -17126,75 +16022,55 @@
           <a:bodyPr/>
           <a:lstStyle/>
           <a:p>
+            <a:pPr eaLnBrk="1" hangingPunct="1"/>
             <a:r>
               <a:rPr lang="en-US" dirty="0" smtClean="0"/>
-              <a:t>Requirements discovery</a:t>
-            </a:r>
-            <a:endParaRPr lang="en-US" dirty="0"/>
-          </a:p>
-        </p:txBody>
-      </p:sp>
-      <p:sp>
-        <p:nvSpPr>
-          <p:cNvPr id="3" name="Content Placeholder 2"/>
-          <p:cNvSpPr>
-            <a:spLocks noGrp="1"/>
-          </p:cNvSpPr>
-          <p:nvPr>
-            <p:ph idx="1"/>
-          </p:nvPr>
-        </p:nvSpPr>
-        <p:spPr/>
-        <p:txBody>
-          <a:bodyPr/>
-          <a:lstStyle/>
-          <a:p>
-            <a:r>
-              <a:rPr lang="en-US" dirty="0" smtClean="0"/>
-              <a:t>The process of gathering information about the required and existing systems and distilling the user and system requirements from this information.</a:t>
-            </a:r>
-          </a:p>
-          <a:p>
-            <a:r>
-              <a:rPr lang="en-US" dirty="0" smtClean="0"/>
-              <a:t>Interaction is with system stakeholders from managers to external regulators.</a:t>
-            </a:r>
-          </a:p>
-          <a:p>
-            <a:r>
-              <a:rPr lang="en-US" dirty="0" smtClean="0"/>
-              <a:t>Systems normally have a range of stakeholders.</a:t>
-            </a:r>
-            <a:endParaRPr lang="en-US" dirty="0"/>
-          </a:p>
-        </p:txBody>
-      </p:sp>
-      <p:sp>
-        <p:nvSpPr>
-          <p:cNvPr id="4" name="Footer Placeholder 3"/>
-          <p:cNvSpPr>
-            <a:spLocks noGrp="1"/>
-          </p:cNvSpPr>
-          <p:nvPr>
-            <p:ph type="ftr" sz="quarter" idx="11"/>
-          </p:nvPr>
-        </p:nvSpPr>
-        <p:spPr/>
-        <p:txBody>
-          <a:bodyPr/>
-          <a:lstStyle/>
-          <a:p>
-            <a:pPr>
-              <a:defRPr/>
-            </a:pPr>
-            <a:r>
-              <a:rPr lang="en-US" smtClean="0"/>
-              <a:t>Chapter 4 Requirements engineering</a:t>
-            </a:r>
-            <a:endParaRPr lang="en-US"/>
-          </a:p>
-        </p:txBody>
-      </p:sp>
+              <a:t>Use cases for the MHC-PMS</a:t>
+            </a:r>
+            <a:r>
+              <a:rPr lang="en-GB" dirty="0" smtClean="0"/>
+              <a:t> </a:t>
+            </a:r>
+            <a:endParaRPr lang="en-US" dirty="0" smtClean="0"/>
+          </a:p>
+        </p:txBody>
+      </p:sp>
+      <p:pic>
+        <p:nvPicPr>
+          <p:cNvPr id="4" name="Picture 3" descr="4.15 UseCases.eps"/>
+          <p:cNvPicPr>
+            <a:picLocks noChangeAspect="1"/>
+          </p:cNvPicPr>
+          <p:nvPr/>
+        </p:nvPicPr>
+        <mc:AlternateContent xmlns:mc="http://schemas.openxmlformats.org/markup-compatibility/2006">
+          <mc:Choice xmlns="" xmlns:mv="urn:schemas-microsoft-com:mac:vml" xmlns:ma="http://schemas.microsoft.com/office/mac/drawingml/2008/main" Requires="ma">
+            <p:blipFill>
+              <a:blip r:embed="rId2"/>
+              <a:stretch>
+                <a:fillRect/>
+              </a:stretch>
+            </p:blipFill>
+          </mc:Choice>
+          <mc:Fallback>
+            <p:blipFill>
+              <a:blip r:embed="rId3"/>
+              <a:stretch>
+                <a:fillRect/>
+              </a:stretch>
+            </p:blipFill>
+          </mc:Fallback>
+        </mc:AlternateContent>
+        <p:spPr>
+          <a:xfrm>
+            <a:off x="1447799" y="1828800"/>
+            <a:ext cx="6555509" cy="3886200"/>
+          </a:xfrm>
+          <a:prstGeom prst="rect">
+            <a:avLst/>
+          </a:prstGeom>
+        </p:spPr>
+      </p:pic>
       <p:sp>
         <p:nvSpPr>
           <p:cNvPr id="5" name="Slide Number Placeholder 4"/>
@@ -17220,6 +16096,32 @@
               </a:pPr>
               <a:t>52</a:t>
             </a:fld>
+            <a:endParaRPr lang="en-US"/>
+          </a:p>
+        </p:txBody>
+      </p:sp>
+      <p:sp>
+        <p:nvSpPr>
+          <p:cNvPr id="6" name="Footer Placeholder 5"/>
+          <p:cNvSpPr>
+            <a:spLocks noGrp="1"/>
+          </p:cNvSpPr>
+          <p:nvPr>
+            <p:ph type="ftr" sz="quarter" idx="11"/>
+          </p:nvPr>
+        </p:nvSpPr>
+        <p:spPr/>
+        <p:txBody>
+          <a:bodyPr/>
+          <a:lstStyle/>
+          <a:p>
+            <a:pPr>
+              <a:defRPr/>
+            </a:pPr>
+            <a:r>
+              <a:rPr lang="en-US" smtClean="0"/>
+              <a:t>Chapter 4 Requirements engineering</a:t>
+            </a:r>
             <a:endParaRPr lang="en-US"/>
           </a:p>
         </p:txBody>
@@ -17258,141 +16160,83 @@
       </p:grpSpPr>
       <p:sp>
         <p:nvSpPr>
-          <p:cNvPr id="2" name="Title 1"/>
-          <p:cNvSpPr>
-            <a:spLocks noGrp="1"/>
+          <p:cNvPr id="36866" name="Rectangle 2"/>
+          <p:cNvSpPr>
+            <a:spLocks noGrp="1" noChangeArrowheads="1"/>
           </p:cNvSpPr>
           <p:nvPr>
             <p:ph type="title"/>
           </p:nvPr>
         </p:nvSpPr>
-        <p:spPr/>
-        <p:txBody>
-          <a:bodyPr/>
-          <a:lstStyle/>
-          <a:p>
-            <a:r>
-              <a:rPr lang="en-US" dirty="0" smtClean="0"/>
-              <a:t>Stakeholders in the MHC-PMS</a:t>
-            </a:r>
-            <a:endParaRPr lang="en-US" dirty="0"/>
-          </a:p>
-        </p:txBody>
-      </p:sp>
-      <p:sp>
-        <p:nvSpPr>
-          <p:cNvPr id="3" name="Content Placeholder 2"/>
-          <p:cNvSpPr>
-            <a:spLocks noGrp="1"/>
-          </p:cNvSpPr>
-          <p:nvPr>
-            <p:ph idx="1"/>
-          </p:nvPr>
-        </p:nvSpPr>
-        <p:spPr/>
-        <p:txBody>
-          <a:bodyPr/>
-          <a:lstStyle/>
-          <a:p>
-            <a:r>
-              <a:rPr lang="en-US" dirty="0" smtClean="0"/>
-              <a:t>Patients</a:t>
-            </a:r>
-            <a:r>
-              <a:rPr lang="en-US" i="1" dirty="0" smtClean="0"/>
-              <a:t> </a:t>
-            </a:r>
-            <a:r>
-              <a:rPr lang="en-US" dirty="0" smtClean="0"/>
-              <a:t>whose information is recorded in the system.</a:t>
-            </a:r>
-            <a:endParaRPr lang="en-GB" dirty="0" smtClean="0"/>
-          </a:p>
-          <a:p>
-            <a:r>
-              <a:rPr lang="en-US" dirty="0" smtClean="0"/>
-              <a:t>Doctors</a:t>
-            </a:r>
-            <a:r>
-              <a:rPr lang="en-US" i="1" dirty="0" smtClean="0"/>
-              <a:t> </a:t>
-            </a:r>
-            <a:r>
-              <a:rPr lang="en-US" dirty="0" smtClean="0"/>
-              <a:t>who are responsible for assessing and treating patients.</a:t>
-            </a:r>
-            <a:endParaRPr lang="en-GB" dirty="0" smtClean="0"/>
-          </a:p>
-          <a:p>
-            <a:r>
-              <a:rPr lang="en-US" dirty="0" smtClean="0"/>
-              <a:t>Nurses who coordinate the consultations with doctors and administer some treatments.</a:t>
-            </a:r>
-            <a:endParaRPr lang="en-GB" dirty="0" smtClean="0"/>
-          </a:p>
-          <a:p>
-            <a:r>
-              <a:rPr lang="en-US" dirty="0" smtClean="0"/>
-              <a:t>Medical receptionists</a:t>
-            </a:r>
-            <a:r>
-              <a:rPr lang="en-US" i="1" dirty="0" smtClean="0"/>
-              <a:t> </a:t>
-            </a:r>
-            <a:r>
-              <a:rPr lang="en-US" dirty="0" smtClean="0"/>
-              <a:t>who manage patients’ appointments.</a:t>
-            </a:r>
-            <a:endParaRPr lang="en-GB" dirty="0" smtClean="0"/>
-          </a:p>
-          <a:p>
-            <a:r>
-              <a:rPr lang="en-US" dirty="0" smtClean="0"/>
-              <a:t>IT staff who are responsible for installing and maintaining the system.</a:t>
-            </a:r>
-            <a:endParaRPr lang="en-GB" dirty="0" smtClean="0"/>
-          </a:p>
-          <a:p>
-            <a:pPr>
-              <a:buNone/>
-            </a:pPr>
-            <a:r>
-              <a:rPr lang="en-US" dirty="0" smtClean="0"/>
-              <a:t>	</a:t>
-            </a:r>
-            <a:endParaRPr lang="en-US" dirty="0"/>
-          </a:p>
-        </p:txBody>
-      </p:sp>
-      <p:sp>
-        <p:nvSpPr>
-          <p:cNvPr id="4" name="Footer Placeholder 3"/>
-          <p:cNvSpPr>
-            <a:spLocks noGrp="1"/>
-          </p:cNvSpPr>
-          <p:nvPr>
-            <p:ph type="ftr" sz="quarter" idx="11"/>
-          </p:nvPr>
-        </p:nvSpPr>
-        <p:spPr/>
-        <p:txBody>
-          <a:bodyPr/>
-          <a:lstStyle/>
-          <a:p>
-            <a:pPr>
-              <a:defRPr/>
-            </a:pPr>
-            <a:r>
-              <a:rPr lang="en-US" smtClean="0"/>
-              <a:t>Chapter 4 Requirements engineering</a:t>
-            </a:r>
-            <a:endParaRPr lang="en-US"/>
-          </a:p>
-        </p:txBody>
-      </p:sp>
-      <p:sp>
-        <p:nvSpPr>
-          <p:cNvPr id="5" name="Slide Number Placeholder 4"/>
+        <p:spPr>
+          <a:noFill/>
+          <a:ln/>
+        </p:spPr>
+        <p:txBody>
+          <a:bodyPr lIns="90487" tIns="44450" rIns="90487" bIns="44450"/>
+          <a:lstStyle/>
+          <a:p>
+            <a:r>
+              <a:rPr lang="en-GB"/>
+              <a:t>Ethnography</a:t>
+            </a:r>
+          </a:p>
+        </p:txBody>
+      </p:sp>
+      <p:sp>
+        <p:nvSpPr>
+          <p:cNvPr id="36867" name="Rectangle 3"/>
+          <p:cNvSpPr>
+            <a:spLocks noGrp="1" noChangeArrowheads="1"/>
+          </p:cNvSpPr>
+          <p:nvPr>
+            <p:ph type="body" idx="1"/>
+          </p:nvPr>
+        </p:nvSpPr>
+        <p:spPr>
+          <a:noFill/>
+          <a:ln/>
+        </p:spPr>
+        <p:txBody>
+          <a:bodyPr lIns="90487" tIns="44450" rIns="90487" bIns="44450"/>
+          <a:lstStyle/>
+          <a:p>
+            <a:r>
+              <a:rPr lang="en-GB" sz="2400" dirty="0"/>
+              <a:t>A social </a:t>
+            </a:r>
+            <a:r>
+              <a:rPr lang="en-GB" sz="2400" dirty="0" smtClean="0"/>
+              <a:t>scientist </a:t>
+            </a:r>
+            <a:r>
+              <a:rPr lang="en-GB" sz="2400" dirty="0"/>
+              <a:t>spends a considerable time observing and analysing how people actually work.</a:t>
+            </a:r>
+          </a:p>
+          <a:p>
+            <a:r>
+              <a:rPr lang="en-GB" sz="2400" dirty="0"/>
+              <a:t>People do not have to explain or articulate their work.</a:t>
+            </a:r>
+          </a:p>
+          <a:p>
+            <a:r>
+              <a:rPr lang="en-GB" sz="2400" dirty="0"/>
+              <a:t>Social and organisational factors of importance may be observed.</a:t>
+            </a:r>
+          </a:p>
+          <a:p>
+            <a:r>
+              <a:rPr lang="en-GB" sz="2400" dirty="0"/>
+              <a:t>Ethnographic studies have shown that work is usually richer and more complex than suggested by simple system models.</a:t>
+            </a:r>
+          </a:p>
+        </p:txBody>
+      </p:sp>
+      <p:sp>
+        <p:nvSpPr>
+          <p:cNvPr id="4" name="Slide Number Placeholder 3"/>
           <p:cNvSpPr>
             <a:spLocks noGrp="1"/>
           </p:cNvSpPr>
@@ -17419,11 +16263,38 @@
           </a:p>
         </p:txBody>
       </p:sp>
+      <p:sp>
+        <p:nvSpPr>
+          <p:cNvPr id="5" name="Footer Placeholder 4"/>
+          <p:cNvSpPr>
+            <a:spLocks noGrp="1"/>
+          </p:cNvSpPr>
+          <p:nvPr>
+            <p:ph type="ftr" sz="quarter" idx="11"/>
+          </p:nvPr>
+        </p:nvSpPr>
+        <p:spPr/>
+        <p:txBody>
+          <a:bodyPr/>
+          <a:lstStyle/>
+          <a:p>
+            <a:pPr>
+              <a:defRPr/>
+            </a:pPr>
+            <a:r>
+              <a:rPr lang="en-US" smtClean="0"/>
+              <a:t>Chapter 4 Requirements engineering</a:t>
+            </a:r>
+            <a:endParaRPr lang="en-US"/>
+          </a:p>
+        </p:txBody>
+      </p:sp>
     </p:spTree>
   </p:cSld>
   <p:clrMapOvr>
     <a:masterClrMapping/>
   </p:clrMapOvr>
+  <p:transition/>
   <p:timing>
     <p:tnLst>
       <p:par>
@@ -17453,9 +16324,9 @@
       </p:grpSpPr>
       <p:sp>
         <p:nvSpPr>
-          <p:cNvPr id="2" name="Title 1"/>
-          <p:cNvSpPr>
-            <a:spLocks noGrp="1"/>
+          <p:cNvPr id="76802" name="Rectangle 2"/>
+          <p:cNvSpPr>
+            <a:spLocks noGrp="1" noChangeArrowheads="1"/>
           </p:cNvSpPr>
           <p:nvPr>
             <p:ph type="title"/>
@@ -17467,98 +16338,61 @@
           <a:lstStyle/>
           <a:p>
             <a:r>
-              <a:rPr lang="en-US" dirty="0" smtClean="0"/>
-              <a:t>Stakeholders in the MHC-PMS</a:t>
-            </a:r>
-            <a:endParaRPr lang="en-US" dirty="0"/>
-          </a:p>
-        </p:txBody>
-      </p:sp>
-      <p:sp>
-        <p:nvSpPr>
-          <p:cNvPr id="3" name="Content Placeholder 2"/>
-          <p:cNvSpPr>
-            <a:spLocks noGrp="1"/>
-          </p:cNvSpPr>
-          <p:nvPr>
-            <p:ph idx="1"/>
-          </p:nvPr>
-        </p:nvSpPr>
-        <p:spPr/>
-        <p:txBody>
-          <a:bodyPr/>
-          <a:lstStyle/>
-          <a:p>
-            <a:r>
-              <a:rPr lang="en-US" dirty="0" smtClean="0"/>
-              <a:t>A medical ethics manager who must ensure that the system meets current ethical guidelines for patient care.</a:t>
-            </a:r>
-            <a:endParaRPr lang="en-GB" dirty="0" smtClean="0"/>
-          </a:p>
-          <a:p>
-            <a:r>
-              <a:rPr lang="en-US" dirty="0" smtClean="0"/>
-              <a:t>Health care managers</a:t>
-            </a:r>
-            <a:r>
-              <a:rPr lang="en-US" i="1" dirty="0" smtClean="0"/>
-              <a:t> </a:t>
-            </a:r>
-            <a:r>
-              <a:rPr lang="en-US" dirty="0" smtClean="0"/>
-              <a:t>who obtain management information from the system.</a:t>
-            </a:r>
-            <a:endParaRPr lang="en-GB" dirty="0" smtClean="0"/>
-          </a:p>
-          <a:p>
-            <a:r>
-              <a:rPr lang="en-US" dirty="0" smtClean="0"/>
-              <a:t>Medical records staff</a:t>
-            </a:r>
-            <a:r>
-              <a:rPr lang="en-US" i="1" dirty="0" smtClean="0"/>
-              <a:t> </a:t>
-            </a:r>
-            <a:r>
-              <a:rPr lang="en-US" dirty="0" smtClean="0"/>
-              <a:t>who are responsible for ensuring that system information can be maintained and preserved, and that record keeping procedures have been properly implemented.</a:t>
-            </a:r>
-            <a:endParaRPr lang="en-GB" dirty="0" smtClean="0"/>
-          </a:p>
-          <a:p>
-            <a:endParaRPr lang="en-US" dirty="0"/>
-          </a:p>
-        </p:txBody>
-      </p:sp>
-      <p:sp>
-        <p:nvSpPr>
-          <p:cNvPr id="4" name="Footer Placeholder 3"/>
-          <p:cNvSpPr>
-            <a:spLocks noGrp="1"/>
-          </p:cNvSpPr>
-          <p:nvPr>
-            <p:ph type="ftr" sz="quarter" idx="11"/>
-          </p:nvPr>
-        </p:nvSpPr>
-        <p:spPr/>
-        <p:txBody>
-          <a:bodyPr/>
-          <a:lstStyle/>
-          <a:p>
-            <a:pPr>
-              <a:defRPr/>
-            </a:pPr>
-            <a:r>
-              <a:rPr lang="en-US" smtClean="0"/>
-              <a:t>Chapter 4 Requirements engineering</a:t>
-            </a:r>
-            <a:endParaRPr lang="en-US"/>
-          </a:p>
-        </p:txBody>
-      </p:sp>
-      <p:sp>
-        <p:nvSpPr>
-          <p:cNvPr id="5" name="Slide Number Placeholder 4"/>
+              <a:rPr lang="en-GB"/>
+              <a:t>Scope of ethnography</a:t>
+            </a:r>
+          </a:p>
+        </p:txBody>
+      </p:sp>
+      <p:sp>
+        <p:nvSpPr>
+          <p:cNvPr id="76803" name="Rectangle 3"/>
+          <p:cNvSpPr>
+            <a:spLocks noGrp="1" noChangeArrowheads="1"/>
+          </p:cNvSpPr>
+          <p:nvPr>
+            <p:ph type="body" idx="1"/>
+          </p:nvPr>
+        </p:nvSpPr>
+        <p:spPr/>
+        <p:txBody>
+          <a:bodyPr/>
+          <a:lstStyle/>
+          <a:p>
+            <a:r>
+              <a:rPr lang="en-GB" dirty="0"/>
+              <a:t>Requirements that are derived from the way that people actually work rather than the way I which process definitions suggest that they ought to work.</a:t>
+            </a:r>
+          </a:p>
+          <a:p>
+            <a:r>
+              <a:rPr lang="en-GB" dirty="0"/>
+              <a:t>Requirements that are derived from cooperation and awareness of other people’s activities</a:t>
+            </a:r>
+            <a:r>
+              <a:rPr lang="en-GB" dirty="0" smtClean="0"/>
+              <a:t>.</a:t>
+            </a:r>
+          </a:p>
+          <a:p>
+            <a:pPr lvl="1"/>
+            <a:r>
+              <a:rPr lang="en-GB" dirty="0" smtClean="0"/>
+              <a:t>Awareness of what other people are doing leads to changes in the ways in which we do things.</a:t>
+            </a:r>
+          </a:p>
+          <a:p>
+            <a:r>
+              <a:rPr lang="en-GB" dirty="0" smtClean="0"/>
+              <a:t>Ethnography is effective for understanding existing processes but cannot identify new features that should be added to a system.</a:t>
+            </a:r>
+            <a:endParaRPr lang="en-GB" dirty="0"/>
+          </a:p>
+        </p:txBody>
+      </p:sp>
+      <p:sp>
+        <p:nvSpPr>
+          <p:cNvPr id="4" name="Slide Number Placeholder 3"/>
           <p:cNvSpPr>
             <a:spLocks noGrp="1"/>
           </p:cNvSpPr>
@@ -17581,6 +16415,32 @@
               </a:pPr>
               <a:t>54</a:t>
             </a:fld>
+            <a:endParaRPr lang="en-US"/>
+          </a:p>
+        </p:txBody>
+      </p:sp>
+      <p:sp>
+        <p:nvSpPr>
+          <p:cNvPr id="5" name="Footer Placeholder 4"/>
+          <p:cNvSpPr>
+            <a:spLocks noGrp="1"/>
+          </p:cNvSpPr>
+          <p:nvPr>
+            <p:ph type="ftr" sz="quarter" idx="11"/>
+          </p:nvPr>
+        </p:nvSpPr>
+        <p:spPr/>
+        <p:txBody>
+          <a:bodyPr/>
+          <a:lstStyle/>
+          <a:p>
+            <a:pPr>
+              <a:defRPr/>
+            </a:pPr>
+            <a:r>
+              <a:rPr lang="en-US" smtClean="0"/>
+              <a:t>Chapter 4 Requirements engineering</a:t>
+            </a:r>
             <a:endParaRPr lang="en-US"/>
           </a:p>
         </p:txBody>
@@ -17619,119 +16479,70 @@
       </p:grpSpPr>
       <p:sp>
         <p:nvSpPr>
-          <p:cNvPr id="2" name="Title 1"/>
-          <p:cNvSpPr>
-            <a:spLocks noGrp="1"/>
+          <p:cNvPr id="57346" name="Rectangle 2"/>
+          <p:cNvSpPr>
+            <a:spLocks noGrp="1" noChangeArrowheads="1"/>
           </p:cNvSpPr>
           <p:nvPr>
             <p:ph type="title"/>
           </p:nvPr>
         </p:nvSpPr>
-        <p:spPr/>
-        <p:txBody>
-          <a:bodyPr/>
-          <a:lstStyle/>
-          <a:p>
-            <a:r>
-              <a:rPr lang="en-US" dirty="0" smtClean="0"/>
-              <a:t>Interviewing</a:t>
-            </a:r>
-            <a:endParaRPr lang="en-US" dirty="0"/>
-          </a:p>
-        </p:txBody>
-      </p:sp>
-      <p:sp>
-        <p:nvSpPr>
-          <p:cNvPr id="3" name="Content Placeholder 2"/>
-          <p:cNvSpPr>
-            <a:spLocks noGrp="1"/>
-          </p:cNvSpPr>
-          <p:nvPr>
-            <p:ph idx="1"/>
-          </p:nvPr>
-        </p:nvSpPr>
-        <p:spPr/>
-        <p:txBody>
-          <a:bodyPr/>
-          <a:lstStyle/>
-          <a:p>
-            <a:r>
-              <a:rPr lang="en-US" dirty="0" smtClean="0"/>
-              <a:t>Formal or informal interviews with stakeholders are part of most RE processes.</a:t>
-            </a:r>
-          </a:p>
-          <a:p>
-            <a:r>
-              <a:rPr lang="en-US" dirty="0" smtClean="0"/>
-              <a:t>Types of interview</a:t>
+        <p:spPr>
+          <a:noFill/>
+          <a:ln/>
+        </p:spPr>
+        <p:txBody>
+          <a:bodyPr lIns="90487" tIns="44450" rIns="90487" bIns="44450"/>
+          <a:lstStyle/>
+          <a:p>
+            <a:r>
+              <a:rPr lang="en-GB"/>
+              <a:t>Requirements validation</a:t>
+            </a:r>
+          </a:p>
+        </p:txBody>
+      </p:sp>
+      <p:sp>
+        <p:nvSpPr>
+          <p:cNvPr id="57347" name="Rectangle 3"/>
+          <p:cNvSpPr>
+            <a:spLocks noGrp="1" noChangeArrowheads="1"/>
+          </p:cNvSpPr>
+          <p:nvPr>
+            <p:ph type="body" idx="1"/>
+          </p:nvPr>
+        </p:nvSpPr>
+        <p:spPr>
+          <a:noFill/>
+          <a:ln/>
+        </p:spPr>
+        <p:txBody>
+          <a:bodyPr lIns="90487" tIns="44450" rIns="90487" bIns="44450"/>
+          <a:lstStyle/>
+          <a:p>
+            <a:r>
+              <a:rPr lang="en-GB"/>
+              <a:t>Concerned with demonstrating that the requirements define the system that the customer really wants.</a:t>
+            </a:r>
+          </a:p>
+          <a:p>
+            <a:r>
+              <a:rPr lang="en-GB"/>
+              <a:t>Requirements error costs are high so validation is very important</a:t>
             </a:r>
           </a:p>
           <a:p>
             <a:pPr lvl="1"/>
             <a:r>
-              <a:rPr lang="en-US" dirty="0" smtClean="0"/>
-              <a:t>Closed interviews based on pre-determined list of questions</a:t>
-            </a:r>
-          </a:p>
-          <a:p>
-            <a:pPr lvl="1"/>
-            <a:r>
-              <a:rPr lang="en-US" dirty="0" smtClean="0"/>
-              <a:t>Open interviews where various issues are explored with stakeholders.</a:t>
-            </a:r>
-          </a:p>
-          <a:p>
-            <a:r>
-              <a:rPr lang="en-US" dirty="0" smtClean="0"/>
-              <a:t>Effective interviewing</a:t>
-            </a:r>
-          </a:p>
-          <a:p>
-            <a:pPr lvl="1"/>
-            <a:r>
-              <a:rPr lang="en-US" dirty="0" smtClean="0"/>
-              <a:t>Be open-minded, avoid pre-conceived ideas about the requirements and are willing to listen to stakeholders. </a:t>
-            </a:r>
-            <a:endParaRPr lang="en-GB" dirty="0" smtClean="0"/>
-          </a:p>
-          <a:p>
-            <a:pPr lvl="1"/>
-            <a:r>
-              <a:rPr lang="en-US" dirty="0" smtClean="0"/>
-              <a:t>Prompt the interviewee to get discussions going using a springboard question, a requirements proposal, or by working together on a prototype system. </a:t>
-            </a:r>
-          </a:p>
-        </p:txBody>
-      </p:sp>
-      <p:sp>
-        <p:nvSpPr>
-          <p:cNvPr id="4" name="Footer Placeholder 3"/>
-          <p:cNvSpPr>
-            <a:spLocks noGrp="1"/>
-          </p:cNvSpPr>
-          <p:nvPr>
-            <p:ph type="ftr" sz="quarter" idx="11"/>
-          </p:nvPr>
-        </p:nvSpPr>
-        <p:spPr/>
-        <p:txBody>
-          <a:bodyPr/>
-          <a:lstStyle/>
-          <a:p>
-            <a:pPr>
-              <a:defRPr/>
-            </a:pPr>
-            <a:r>
-              <a:rPr lang="en-US" smtClean="0"/>
-              <a:t>Chapter 4 Requirements engineering</a:t>
-            </a:r>
-            <a:endParaRPr lang="en-US"/>
-          </a:p>
-        </p:txBody>
-      </p:sp>
-      <p:sp>
-        <p:nvSpPr>
-          <p:cNvPr id="5" name="Slide Number Placeholder 4"/>
+              <a:rPr lang="en-GB"/>
+              <a:t>Fixing a requirements error after delivery may cost up to 100 times the cost of fixing an implementation error.</a:t>
+            </a:r>
+          </a:p>
+        </p:txBody>
+      </p:sp>
+      <p:sp>
+        <p:nvSpPr>
+          <p:cNvPr id="4" name="Slide Number Placeholder 3"/>
           <p:cNvSpPr>
             <a:spLocks noGrp="1"/>
           </p:cNvSpPr>
@@ -17754,7 +16565,33 @@
               </a:pPr>
               <a:t>55</a:t>
             </a:fld>
-            <a:endParaRPr lang="en-US" dirty="0"/>
+            <a:endParaRPr lang="en-US"/>
+          </a:p>
+        </p:txBody>
+      </p:sp>
+      <p:sp>
+        <p:nvSpPr>
+          <p:cNvPr id="5" name="Footer Placeholder 4"/>
+          <p:cNvSpPr>
+            <a:spLocks noGrp="1"/>
+          </p:cNvSpPr>
+          <p:nvPr>
+            <p:ph type="ftr" sz="quarter" idx="11"/>
+          </p:nvPr>
+        </p:nvSpPr>
+        <p:spPr/>
+        <p:txBody>
+          <a:bodyPr/>
+          <a:lstStyle/>
+          <a:p>
+            <a:pPr>
+              <a:defRPr/>
+            </a:pPr>
+            <a:r>
+              <a:rPr lang="en-US" smtClean="0"/>
+              <a:t>Chapter 4 Requirements engineering</a:t>
+            </a:r>
+            <a:endParaRPr lang="en-US"/>
           </a:p>
         </p:txBody>
       </p:sp>
@@ -17763,6 +16600,7 @@
   <p:clrMapOvr>
     <a:masterClrMapping/>
   </p:clrMapOvr>
+  <p:transition/>
   <p:timing>
     <p:tnLst>
       <p:par>
@@ -17792,7 +16630,7 @@
       </p:grpSpPr>
       <p:sp>
         <p:nvSpPr>
-          <p:cNvPr id="94210" name="Rectangle 2"/>
+          <p:cNvPr id="58370" name="Rectangle 2"/>
           <p:cNvSpPr>
             <a:spLocks noGrp="1" noChangeArrowheads="1"/>
           </p:cNvSpPr>
@@ -17800,21 +16638,24 @@
             <p:ph type="title"/>
           </p:nvPr>
         </p:nvSpPr>
-        <p:spPr/>
-        <p:txBody>
-          <a:bodyPr/>
-          <a:lstStyle/>
-          <a:p>
-            <a:r>
-              <a:rPr lang="en-US"/>
-              <a:t>Interviews in practice</a:t>
-            </a:r>
-          </a:p>
-        </p:txBody>
-      </p:sp>
-      <p:sp>
-        <p:nvSpPr>
-          <p:cNvPr id="94211" name="Rectangle 3"/>
+        <p:spPr>
+          <a:noFill/>
+          <a:ln/>
+        </p:spPr>
+        <p:txBody>
+          <a:bodyPr lIns="90487" tIns="44450" rIns="90487" bIns="44450"/>
+          <a:lstStyle/>
+          <a:p>
+            <a:r>
+              <a:rPr lang="en-GB"/>
+              <a:t>Requirements checking</a:t>
+            </a:r>
+          </a:p>
+        </p:txBody>
+      </p:sp>
+      <p:sp>
+        <p:nvSpPr>
+          <p:cNvPr id="58371" name="Rectangle 3"/>
           <p:cNvSpPr>
             <a:spLocks noGrp="1" noChangeArrowheads="1"/>
           </p:cNvSpPr>
@@ -17822,64 +16663,157 @@
             <p:ph type="body" idx="1"/>
           </p:nvPr>
         </p:nvSpPr>
+        <p:spPr>
+          <a:noFill/>
+          <a:ln/>
+        </p:spPr>
+        <p:txBody>
+          <a:bodyPr lIns="90487" tIns="44450" rIns="90487" bIns="44450"/>
+          <a:lstStyle/>
+          <a:p>
+            <a:r>
+              <a:rPr lang="en-GB" sz="2400" dirty="0">
+                <a:solidFill>
+                  <a:srgbClr val="FF0000"/>
+                </a:solidFill>
+              </a:rPr>
+              <a:t>Validity</a:t>
+            </a:r>
+            <a:r>
+              <a:rPr lang="en-GB" sz="2400" dirty="0"/>
+              <a:t>.</a:t>
+            </a:r>
+            <a:r>
+              <a:rPr lang="en-GB" sz="2400" dirty="0" smtClean="0"/>
+              <a:t> Does </a:t>
+            </a:r>
+            <a:r>
+              <a:rPr lang="en-GB" sz="2400" dirty="0"/>
+              <a:t>the system provide the functions which best support the customer’s needs?</a:t>
+            </a:r>
+          </a:p>
+          <a:p>
+            <a:r>
+              <a:rPr lang="en-GB" sz="2400" dirty="0">
+                <a:solidFill>
+                  <a:srgbClr val="FF0000"/>
+                </a:solidFill>
+              </a:rPr>
+              <a:t>Consistency</a:t>
+            </a:r>
+            <a:r>
+              <a:rPr lang="en-GB" sz="2400" dirty="0" smtClean="0"/>
+              <a:t>. </a:t>
+            </a:r>
+            <a:r>
+              <a:rPr lang="en-GB" sz="2400" dirty="0"/>
+              <a:t>Are there any requirements conflicts?</a:t>
+            </a:r>
+          </a:p>
+          <a:p>
+            <a:r>
+              <a:rPr lang="en-GB" sz="2400" dirty="0" smtClean="0">
+                <a:solidFill>
+                  <a:srgbClr val="FF0000"/>
+                </a:solidFill>
+              </a:rPr>
+              <a:t>Completeness</a:t>
+            </a:r>
+            <a:r>
+              <a:rPr lang="en-GB" sz="2400" dirty="0" smtClean="0"/>
+              <a:t>. Are </a:t>
+            </a:r>
+            <a:r>
+              <a:rPr lang="en-GB" sz="2400" dirty="0"/>
+              <a:t>all functions required by the customer included?</a:t>
+            </a:r>
+          </a:p>
+          <a:p>
+            <a:r>
+              <a:rPr lang="en-GB" sz="2400" dirty="0" smtClean="0">
+                <a:solidFill>
+                  <a:srgbClr val="FF0000"/>
+                </a:solidFill>
+              </a:rPr>
+              <a:t>Realism</a:t>
+            </a:r>
+            <a:r>
+              <a:rPr lang="en-GB" sz="2400" dirty="0" smtClean="0"/>
+              <a:t>. Can </a:t>
+            </a:r>
+            <a:r>
+              <a:rPr lang="en-GB" sz="2400" dirty="0"/>
+              <a:t>the requirements be implemented given available budget and technology</a:t>
+            </a:r>
+          </a:p>
+          <a:p>
+            <a:r>
+              <a:rPr lang="en-GB" sz="2400" dirty="0">
+                <a:solidFill>
+                  <a:srgbClr val="FF0000"/>
+                </a:solidFill>
+              </a:rPr>
+              <a:t>Verifiability</a:t>
+            </a:r>
+            <a:r>
+              <a:rPr lang="en-GB" sz="2400" dirty="0"/>
+              <a:t>. Can the requirements be checked?</a:t>
+            </a:r>
+          </a:p>
+        </p:txBody>
+      </p:sp>
+      <p:sp>
+        <p:nvSpPr>
+          <p:cNvPr id="4" name="Slide Number Placeholder 3"/>
+          <p:cNvSpPr>
+            <a:spLocks noGrp="1"/>
+          </p:cNvSpPr>
+          <p:nvPr>
+            <p:ph type="sldNum" sz="quarter" idx="12"/>
+          </p:nvPr>
+        </p:nvSpPr>
         <p:spPr/>
         <p:txBody>
           <a:bodyPr/>
           <a:lstStyle/>
           <a:p>
             <a:pPr>
-              <a:lnSpc>
-                <a:spcPct val="90000"/>
-              </a:lnSpc>
-            </a:pPr>
-            <a:r>
-              <a:rPr lang="en-US" sz="2400"/>
-              <a:t>Normally a mix of closed and open-ended interviewing.</a:t>
-            </a:r>
-          </a:p>
+              <a:defRPr/>
+            </a:pPr>
+            <a:fld id="{825F70CE-84E9-D04C-9B15-10C693AA0F2A}" type="slidenum">
+              <a:rPr lang="en-US" smtClean="0"/>
+              <a:pPr>
+                <a:defRPr/>
+              </a:pPr>
+              <a:t>56</a:t>
+            </a:fld>
+            <a:endParaRPr lang="en-US"/>
+          </a:p>
+        </p:txBody>
+      </p:sp>
+      <p:sp>
+        <p:nvSpPr>
+          <p:cNvPr id="5" name="Footer Placeholder 4"/>
+          <p:cNvSpPr>
+            <a:spLocks noGrp="1"/>
+          </p:cNvSpPr>
+          <p:nvPr>
+            <p:ph type="ftr" sz="quarter" idx="11"/>
+          </p:nvPr>
+        </p:nvSpPr>
+        <p:spPr/>
+        <p:txBody>
+          <a:bodyPr/>
+          <a:lstStyle/>
           <a:p>
             <a:pPr>
-              <a:lnSpc>
-                <a:spcPct val="90000"/>
-              </a:lnSpc>
-            </a:pPr>
-            <a:r>
-              <a:rPr lang="en-US" sz="2400"/>
-              <a:t>Interviews are good for getting an overall understanding of what stakeholders do and how they might interact with the system.</a:t>
-            </a:r>
-          </a:p>
-          <a:p>
-            <a:pPr>
-              <a:lnSpc>
-                <a:spcPct val="90000"/>
-              </a:lnSpc>
-            </a:pPr>
-            <a:r>
-              <a:rPr lang="en-US" sz="2400"/>
-              <a:t>Interviews are not good for understanding domain requirements</a:t>
-            </a:r>
-          </a:p>
-          <a:p>
-            <a:pPr lvl="1">
-              <a:lnSpc>
-                <a:spcPct val="90000"/>
-              </a:lnSpc>
-            </a:pPr>
-            <a:r>
-              <a:rPr lang="en-US" sz="2000"/>
-              <a:t>Requirements engineers cannot understand specific domain terminology;</a:t>
-            </a:r>
-          </a:p>
-          <a:p>
-            <a:pPr lvl="1">
-              <a:lnSpc>
-                <a:spcPct val="90000"/>
-              </a:lnSpc>
-            </a:pPr>
-            <a:r>
-              <a:rPr lang="en-US" sz="2000"/>
-              <a:t>Some domain knowledge is so familiar that people find it hard to articulate or think that it isn’t worth articulating.</a:t>
-            </a:r>
+              <a:defRPr/>
+            </a:pPr>
+            <a:r>
+              <a:rPr lang="en-US" smtClean="0"/>
+              <a:t>Chapter 4 Requirements engineering</a:t>
+            </a:r>
+            <a:endParaRPr lang="en-US"/>
           </a:p>
         </p:txBody>
       </p:sp>
@@ -17888,6 +16822,7 @@
   <p:clrMapOvr>
     <a:masterClrMapping/>
   </p:clrMapOvr>
+  <p:transition/>
   <p:timing>
     <p:tnLst>
       <p:par>
@@ -17917,7 +16852,7 @@
       </p:grpSpPr>
       <p:sp>
         <p:nvSpPr>
-          <p:cNvPr id="90114" name="Rectangle 2"/>
+          <p:cNvPr id="77826" name="Rectangle 2"/>
           <p:cNvSpPr>
             <a:spLocks noGrp="1" noChangeArrowheads="1"/>
           </p:cNvSpPr>
@@ -17925,21 +16860,26 @@
             <p:ph type="title"/>
           </p:nvPr>
         </p:nvSpPr>
-        <p:spPr/>
-        <p:txBody>
-          <a:bodyPr/>
-          <a:lstStyle/>
-          <a:p>
-            <a:r>
-              <a:rPr lang="en-US"/>
-              <a:t>Scenarios</a:t>
-            </a:r>
-          </a:p>
-        </p:txBody>
-      </p:sp>
-      <p:sp>
-        <p:nvSpPr>
-          <p:cNvPr id="90115" name="Rectangle 3"/>
+        <p:spPr>
+          <a:xfrm>
+            <a:off x="381000" y="266700"/>
+            <a:ext cx="8305800" cy="1104900"/>
+          </a:xfrm>
+        </p:spPr>
+        <p:txBody>
+          <a:bodyPr/>
+          <a:lstStyle/>
+          <a:p>
+            <a:r>
+              <a:rPr lang="en-GB"/>
+              <a:t>Requirements validation techniques</a:t>
+            </a:r>
+          </a:p>
+        </p:txBody>
+      </p:sp>
+      <p:sp>
+        <p:nvSpPr>
+          <p:cNvPr id="77827" name="Rectangle 3"/>
           <p:cNvSpPr>
             <a:spLocks noGrp="1" noChangeArrowheads="1"/>
           </p:cNvSpPr>
@@ -17952,51 +16892,140 @@
           <a:bodyPr/>
           <a:lstStyle/>
           <a:p>
-            <a:r>
-              <a:rPr lang="en-US"/>
-              <a:t>Scenarios are real-life examples of how a system can be used.</a:t>
-            </a:r>
-          </a:p>
-          <a:p>
-            <a:r>
-              <a:rPr lang="en-US"/>
-              <a:t>They should include</a:t>
-            </a:r>
-          </a:p>
-          <a:p>
-            <a:pPr lvl="1"/>
-            <a:r>
-              <a:rPr lang="en-US"/>
-              <a:t>A description of the starting situation;</a:t>
-            </a:r>
-          </a:p>
-          <a:p>
-            <a:pPr lvl="1"/>
-            <a:r>
-              <a:rPr lang="en-US"/>
-              <a:t>A description of the normal flow of events;</a:t>
-            </a:r>
-          </a:p>
-          <a:p>
-            <a:pPr lvl="1"/>
-            <a:r>
-              <a:rPr lang="en-US"/>
-              <a:t>A description of what can go wrong;</a:t>
-            </a:r>
-          </a:p>
-          <a:p>
-            <a:pPr lvl="1"/>
-            <a:r>
-              <a:rPr lang="en-US"/>
-              <a:t>Information about other concurrent activities;</a:t>
-            </a:r>
-          </a:p>
-          <a:p>
-            <a:pPr lvl="1"/>
-            <a:r>
-              <a:rPr lang="en-US"/>
-              <a:t>A description of the state when the scenario finishes.</a:t>
-            </a:r>
+            <a:pPr>
+              <a:lnSpc>
+                <a:spcPct val="90000"/>
+              </a:lnSpc>
+            </a:pPr>
+            <a:r>
+              <a:rPr lang="en-GB" dirty="0"/>
+              <a:t>Requirements reviews</a:t>
+            </a:r>
+          </a:p>
+          <a:p>
+            <a:pPr lvl="1">
+              <a:lnSpc>
+                <a:spcPct val="90000"/>
+              </a:lnSpc>
+            </a:pPr>
+            <a:r>
+              <a:rPr lang="en-GB" dirty="0"/>
+              <a:t>Systematic manual analysis of the requirements.</a:t>
+            </a:r>
+          </a:p>
+          <a:p>
+            <a:pPr>
+              <a:lnSpc>
+                <a:spcPct val="90000"/>
+              </a:lnSpc>
+            </a:pPr>
+            <a:r>
+              <a:rPr lang="en-GB" dirty="0"/>
+              <a:t>Prototyping</a:t>
+            </a:r>
+          </a:p>
+          <a:p>
+            <a:pPr lvl="1">
+              <a:lnSpc>
+                <a:spcPct val="90000"/>
+              </a:lnSpc>
+            </a:pPr>
+            <a:r>
+              <a:rPr lang="en-GB" dirty="0"/>
+              <a:t>Using an executable model of the system to check requirements. Covered in Chapter</a:t>
+            </a:r>
+            <a:r>
+              <a:rPr lang="en-GB" dirty="0" smtClean="0"/>
+              <a:t> 2.</a:t>
+            </a:r>
+            <a:endParaRPr lang="en-GB" dirty="0"/>
+          </a:p>
+          <a:p>
+            <a:pPr>
+              <a:lnSpc>
+                <a:spcPct val="90000"/>
+              </a:lnSpc>
+            </a:pPr>
+            <a:r>
+              <a:rPr lang="en-GB" dirty="0"/>
+              <a:t>Test-case generation</a:t>
+            </a:r>
+          </a:p>
+          <a:p>
+            <a:pPr lvl="1">
+              <a:lnSpc>
+                <a:spcPct val="90000"/>
+              </a:lnSpc>
+            </a:pPr>
+            <a:r>
+              <a:rPr lang="en-GB" dirty="0"/>
+              <a:t>Developing tests for requirements to check testability.</a:t>
+            </a:r>
+          </a:p>
+          <a:p>
+            <a:pPr>
+              <a:lnSpc>
+                <a:spcPct val="90000"/>
+              </a:lnSpc>
+              <a:buFont typeface="Zapf Dingbats" charset="2"/>
+              <a:buNone/>
+            </a:pPr>
+            <a:endParaRPr lang="en-GB" dirty="0"/>
+          </a:p>
+        </p:txBody>
+      </p:sp>
+      <p:sp>
+        <p:nvSpPr>
+          <p:cNvPr id="4" name="Slide Number Placeholder 3"/>
+          <p:cNvSpPr>
+            <a:spLocks noGrp="1"/>
+          </p:cNvSpPr>
+          <p:nvPr>
+            <p:ph type="sldNum" sz="quarter" idx="12"/>
+          </p:nvPr>
+        </p:nvSpPr>
+        <p:spPr/>
+        <p:txBody>
+          <a:bodyPr/>
+          <a:lstStyle/>
+          <a:p>
+            <a:pPr>
+              <a:defRPr/>
+            </a:pPr>
+            <a:fld id="{825F70CE-84E9-D04C-9B15-10C693AA0F2A}" type="slidenum">
+              <a:rPr lang="en-US" smtClean="0"/>
+              <a:pPr>
+                <a:defRPr/>
+              </a:pPr>
+              <a:t>57</a:t>
+            </a:fld>
+            <a:endParaRPr lang="en-US"/>
+          </a:p>
+        </p:txBody>
+      </p:sp>
+      <p:sp>
+        <p:nvSpPr>
+          <p:cNvPr id="5" name="Footer Placeholder 4"/>
+          <p:cNvSpPr>
+            <a:spLocks noGrp="1"/>
+          </p:cNvSpPr>
+          <p:nvPr>
+            <p:ph type="ftr" sz="quarter" idx="11"/>
+          </p:nvPr>
+        </p:nvSpPr>
+        <p:spPr/>
+        <p:txBody>
+          <a:bodyPr/>
+          <a:lstStyle/>
+          <a:p>
+            <a:pPr>
+              <a:defRPr/>
+            </a:pPr>
+            <a:r>
+              <a:rPr lang="en-US" smtClean="0"/>
+              <a:t>Chapter 4 Requirements engineering</a:t>
+            </a:r>
+            <a:endParaRPr lang="en-US"/>
           </a:p>
         </p:txBody>
       </p:sp>
@@ -18034,52 +17063,66 @@
       </p:grpSpPr>
       <p:sp>
         <p:nvSpPr>
-          <p:cNvPr id="31747" name="Title 1"/>
-          <p:cNvSpPr>
-            <a:spLocks noGrp="1"/>
+          <p:cNvPr id="59394" name="Rectangle 2"/>
+          <p:cNvSpPr>
+            <a:spLocks noGrp="1" noChangeArrowheads="1"/>
           </p:cNvSpPr>
           <p:nvPr>
             <p:ph type="title"/>
           </p:nvPr>
         </p:nvSpPr>
-        <p:spPr/>
-        <p:txBody>
-          <a:bodyPr/>
-          <a:lstStyle/>
-          <a:p>
-            <a:pPr eaLnBrk="1" hangingPunct="1"/>
-            <a:r>
-              <a:rPr lang="en-US" dirty="0" smtClean="0"/>
-              <a:t>Scenario for collecting medical history in MHC-PMS</a:t>
-            </a:r>
-            <a:r>
-              <a:rPr lang="en-GB" dirty="0" smtClean="0"/>
-              <a:t> </a:t>
-            </a:r>
-            <a:endParaRPr lang="en-US" dirty="0" smtClean="0"/>
-          </a:p>
-        </p:txBody>
-      </p:sp>
-      <p:graphicFrame>
-        <p:nvGraphicFramePr>
-          <p:cNvPr id="31746" name="Object 2"/>
-          <p:cNvGraphicFramePr>
-            <a:graphicFrameLocks noChangeAspect="1"/>
-          </p:cNvGraphicFramePr>
-          <p:nvPr/>
-        </p:nvGraphicFramePr>
-        <p:xfrm>
-          <a:off x="457200" y="1905000"/>
-          <a:ext cx="8229600" cy="4394200"/>
-        </p:xfrm>
-        <a:graphic>
-          <a:graphicData uri="http://schemas.openxmlformats.org/presentationml/2006/ole">
-            <p:oleObj spid="_x0000_s97282" name="Document" r:id="rId3" imgW="5943381" imgH="3505071" progId="Word.Document.12">
-              <p:embed/>
-            </p:oleObj>
-          </a:graphicData>
-        </a:graphic>
-      </p:graphicFrame>
+        <p:spPr>
+          <a:noFill/>
+          <a:ln/>
+        </p:spPr>
+        <p:txBody>
+          <a:bodyPr lIns="90487" tIns="44450" rIns="90487" bIns="44450"/>
+          <a:lstStyle/>
+          <a:p>
+            <a:r>
+              <a:rPr lang="en-GB"/>
+              <a:t>Requirements reviews</a:t>
+            </a:r>
+          </a:p>
+        </p:txBody>
+      </p:sp>
+      <p:sp>
+        <p:nvSpPr>
+          <p:cNvPr id="59395" name="Rectangle 3"/>
+          <p:cNvSpPr>
+            <a:spLocks noGrp="1" noChangeArrowheads="1"/>
+          </p:cNvSpPr>
+          <p:nvPr>
+            <p:ph type="body" idx="1"/>
+          </p:nvPr>
+        </p:nvSpPr>
+        <p:spPr>
+          <a:noFill/>
+          <a:ln/>
+        </p:spPr>
+        <p:txBody>
+          <a:bodyPr lIns="90487" tIns="44450" rIns="90487" bIns="44450"/>
+          <a:lstStyle/>
+          <a:p>
+            <a:r>
+              <a:rPr lang="en-GB"/>
+              <a:t>Regular reviews should be held while the requirements definition is being formulated.</a:t>
+            </a:r>
+          </a:p>
+          <a:p>
+            <a:r>
+              <a:rPr lang="en-GB"/>
+              <a:t>Both client and contractor staff should be involved in reviews.</a:t>
+            </a:r>
+          </a:p>
+          <a:p>
+            <a:r>
+              <a:rPr lang="en-GB"/>
+              <a:t>Reviews may be formal (with completed documents) or informal. Good communications between developers, customers and users can resolve problems at an early stage.</a:t>
+            </a:r>
+          </a:p>
+        </p:txBody>
+      </p:sp>
       <p:sp>
         <p:nvSpPr>
           <p:cNvPr id="4" name="Slide Number Placeholder 3"/>
@@ -18140,6 +17183,7 @@
   <p:clrMapOvr>
     <a:masterClrMapping/>
   </p:clrMapOvr>
+  <p:transition/>
   <p:timing>
     <p:tnLst>
       <p:par>
@@ -18169,52 +17213,172 @@
       </p:grpSpPr>
       <p:sp>
         <p:nvSpPr>
-          <p:cNvPr id="31747" name="Title 1"/>
-          <p:cNvSpPr>
-            <a:spLocks noGrp="1"/>
+          <p:cNvPr id="60418" name="Rectangle 2"/>
+          <p:cNvSpPr>
+            <a:spLocks noGrp="1" noChangeArrowheads="1"/>
           </p:cNvSpPr>
           <p:nvPr>
             <p:ph type="title"/>
           </p:nvPr>
         </p:nvSpPr>
-        <p:spPr/>
-        <p:txBody>
-          <a:bodyPr/>
-          <a:lstStyle/>
-          <a:p>
-            <a:pPr eaLnBrk="1" hangingPunct="1"/>
-            <a:r>
-              <a:rPr lang="en-US" dirty="0" smtClean="0"/>
-              <a:t>Scenario for collecting medical history in MHC-PMS</a:t>
-            </a:r>
+        <p:spPr>
+          <a:noFill/>
+          <a:ln/>
+        </p:spPr>
+        <p:txBody>
+          <a:bodyPr lIns="90487" tIns="44450" rIns="90487" bIns="44450"/>
+          <a:lstStyle/>
+          <a:p>
+            <a:r>
+              <a:rPr lang="en-GB"/>
+              <a:t>Review checks</a:t>
+            </a:r>
+          </a:p>
+        </p:txBody>
+      </p:sp>
+      <p:sp>
+        <p:nvSpPr>
+          <p:cNvPr id="60419" name="Rectangle 3"/>
+          <p:cNvSpPr>
+            <a:spLocks noGrp="1" noChangeArrowheads="1"/>
+          </p:cNvSpPr>
+          <p:nvPr>
+            <p:ph type="body" idx="1"/>
+          </p:nvPr>
+        </p:nvSpPr>
+        <p:spPr>
+          <a:noFill/>
+          <a:ln/>
+        </p:spPr>
+        <p:txBody>
+          <a:bodyPr lIns="90487" tIns="44450" rIns="90487" bIns="44450"/>
+          <a:lstStyle/>
+          <a:p>
+            <a:pPr>
+              <a:lnSpc>
+                <a:spcPct val="90000"/>
+              </a:lnSpc>
+            </a:pPr>
+            <a:r>
+              <a:rPr lang="en-GB" dirty="0" smtClean="0">
+                <a:solidFill>
+                  <a:srgbClr val="FF0000"/>
+                </a:solidFill>
+              </a:rPr>
+              <a:t>Verifiability</a:t>
+            </a:r>
+            <a:endParaRPr lang="en-GB" dirty="0" smtClean="0"/>
+          </a:p>
+          <a:p>
+            <a:pPr lvl="1">
+              <a:lnSpc>
+                <a:spcPct val="90000"/>
+              </a:lnSpc>
+            </a:pPr>
             <a:r>
               <a:rPr lang="en-GB" dirty="0" smtClean="0"/>
-              <a:t> </a:t>
-            </a:r>
-            <a:endParaRPr lang="en-US" dirty="0" smtClean="0"/>
-          </a:p>
-        </p:txBody>
-      </p:sp>
-      <p:graphicFrame>
-        <p:nvGraphicFramePr>
-          <p:cNvPr id="31746" name="Object 2"/>
-          <p:cNvGraphicFramePr>
-            <a:graphicFrameLocks noChangeAspect="1"/>
-          </p:cNvGraphicFramePr>
-          <p:nvPr/>
-        </p:nvGraphicFramePr>
-        <p:xfrm>
-          <a:off x="304800" y="1776412"/>
-          <a:ext cx="8534400" cy="4319588"/>
-        </p:xfrm>
-        <a:graphic>
-          <a:graphicData uri="http://schemas.openxmlformats.org/presentationml/2006/ole">
-            <p:oleObj spid="_x0000_s31746" name="Document" r:id="rId3" imgW="5943381" imgH="3936855" progId="Word.Document.12">
-              <p:embed/>
-            </p:oleObj>
-          </a:graphicData>
-        </a:graphic>
-      </p:graphicFrame>
+              <a:t>Is </a:t>
+            </a:r>
+            <a:r>
+              <a:rPr lang="en-GB" dirty="0"/>
+              <a:t>the requirement realistically testable?</a:t>
+            </a:r>
+          </a:p>
+          <a:p>
+            <a:pPr>
+              <a:lnSpc>
+                <a:spcPct val="90000"/>
+              </a:lnSpc>
+            </a:pPr>
+            <a:r>
+              <a:rPr lang="en-GB" dirty="0" smtClean="0">
+                <a:solidFill>
+                  <a:srgbClr val="FF0000"/>
+                </a:solidFill>
+              </a:rPr>
+              <a:t>Comprehensibility</a:t>
+            </a:r>
+            <a:endParaRPr lang="en-GB" dirty="0" smtClean="0"/>
+          </a:p>
+          <a:p>
+            <a:pPr lvl="1">
+              <a:lnSpc>
+                <a:spcPct val="90000"/>
+              </a:lnSpc>
+            </a:pPr>
+            <a:r>
+              <a:rPr lang="en-GB" dirty="0" smtClean="0"/>
+              <a:t>Is </a:t>
+            </a:r>
+            <a:r>
+              <a:rPr lang="en-GB" dirty="0"/>
+              <a:t>the requirement properly understood?</a:t>
+            </a:r>
+          </a:p>
+          <a:p>
+            <a:pPr>
+              <a:lnSpc>
+                <a:spcPct val="90000"/>
+              </a:lnSpc>
+            </a:pPr>
+            <a:r>
+              <a:rPr lang="en-GB" dirty="0" smtClean="0">
+                <a:solidFill>
+                  <a:srgbClr val="FF0000"/>
+                </a:solidFill>
+              </a:rPr>
+              <a:t>Traceability</a:t>
+            </a:r>
+            <a:endParaRPr lang="en-GB" dirty="0" smtClean="0"/>
+          </a:p>
+          <a:p>
+            <a:pPr lvl="1">
+              <a:lnSpc>
+                <a:spcPct val="90000"/>
+              </a:lnSpc>
+            </a:pPr>
+            <a:r>
+              <a:rPr lang="en-GB" dirty="0" smtClean="0"/>
+              <a:t>Is </a:t>
+            </a:r>
+            <a:r>
+              <a:rPr lang="en-GB" dirty="0"/>
+              <a:t>the origin of the requirement clearly stated?</a:t>
+            </a:r>
+          </a:p>
+          <a:p>
+            <a:pPr>
+              <a:lnSpc>
+                <a:spcPct val="90000"/>
+              </a:lnSpc>
+            </a:pPr>
+            <a:r>
+              <a:rPr lang="en-GB" dirty="0" smtClean="0">
+                <a:solidFill>
+                  <a:srgbClr val="FF0000"/>
+                </a:solidFill>
+              </a:rPr>
+              <a:t>Adaptability</a:t>
+            </a:r>
+            <a:endParaRPr lang="en-GB" dirty="0" smtClean="0"/>
+          </a:p>
+          <a:p>
+            <a:pPr lvl="1">
+              <a:lnSpc>
+                <a:spcPct val="90000"/>
+              </a:lnSpc>
+            </a:pPr>
+            <a:r>
+              <a:rPr lang="en-GB" dirty="0" smtClean="0"/>
+              <a:t>Can </a:t>
+            </a:r>
+            <a:r>
+              <a:rPr lang="en-GB" dirty="0"/>
+              <a:t>the requirement be changed without a large impact on other requirements?</a:t>
+            </a:r>
+          </a:p>
+        </p:txBody>
+      </p:sp>
       <p:sp>
         <p:nvSpPr>
           <p:cNvPr id="4" name="Slide Number Placeholder 3"/>
@@ -18275,6 +17439,7 @@
   <p:clrMapOvr>
     <a:masterClrMapping/>
   </p:clrMapOvr>
+  <p:transition/>
   <p:timing>
     <p:tnLst>
       <p:par>
@@ -18339,7 +17504,7 @@
           <p:nvPr/>
         </p:nvPicPr>
         <mc:AlternateContent xmlns:mc="http://schemas.openxmlformats.org/markup-compatibility/2006">
-          <mc:Choice xmlns:ma="http://schemas.microsoft.com/office/mac/drawingml/2008/main" xmlns:mv="urn:schemas-microsoft-com:mac:vml" xmlns="" Requires="ma">
+          <mc:Choice xmlns="" xmlns:mv="urn:schemas-microsoft-com:mac:vml" xmlns:ma="http://schemas.microsoft.com/office/mac/drawingml/2008/main" Requires="ma">
             <p:blipFill>
               <a:blip r:embed="rId2"/>
               <a:stretch>
@@ -18455,7 +17620,7 @@
       </p:grpSpPr>
       <p:sp>
         <p:nvSpPr>
-          <p:cNvPr id="48130" name="Rectangle 2"/>
+          <p:cNvPr id="55298" name="Rectangle 2"/>
           <p:cNvSpPr>
             <a:spLocks noGrp="1" noChangeArrowheads="1"/>
           </p:cNvSpPr>
@@ -18470,14 +17635,14 @@
           <a:p>
             <a:r>
               <a:rPr lang="en-GB"/>
-              <a:t>Use cases</a:t>
-            </a:r>
-          </a:p>
-        </p:txBody>
-      </p:sp>
-      <p:sp>
-        <p:nvSpPr>
-          <p:cNvPr id="48131" name="Rectangle 3"/>
+              <a:t>Requirements management</a:t>
+            </a:r>
+          </a:p>
+        </p:txBody>
+      </p:sp>
+      <p:sp>
+        <p:nvSpPr>
+          <p:cNvPr id="55299" name="Rectangle 3"/>
           <p:cNvSpPr>
             <a:spLocks noGrp="1" noChangeArrowheads="1"/>
           </p:cNvSpPr>
@@ -18491,31 +17656,30 @@
           <a:lstStyle/>
           <a:p>
             <a:r>
-              <a:rPr lang="en-GB" dirty="0"/>
-              <a:t>Use-cases are a scenario based technique in the UML which identify the actors in an interaction and which describe the interaction itself.</a:t>
-            </a:r>
-          </a:p>
-          <a:p>
-            <a:r>
-              <a:rPr lang="en-GB" dirty="0"/>
-              <a:t>A set of use cases should describe all possible interactions with the system</a:t>
-            </a:r>
+              <a:rPr lang="en-GB" sz="2400" dirty="0"/>
+              <a:t>Requirements management is the process of managing changing requirements during the requirements engineering process and system development</a:t>
+            </a:r>
+            <a:r>
+              <a:rPr lang="en-GB" sz="2400" dirty="0" smtClean="0"/>
+              <a:t>.</a:t>
+            </a:r>
+          </a:p>
+          <a:p>
             <a:r>
               <a:rPr lang="en-GB" dirty="0" smtClean="0"/>
-              <a:t>.</a:t>
-            </a:r>
-          </a:p>
-          <a:p>
+              <a:t>New requirements emerge as a system is being developed and after it has gone into use.</a:t>
+            </a:r>
+          </a:p>
+          <a:p>
+            <a:r>
+              <a:rPr lang="en-US" dirty="0" smtClean="0"/>
+              <a:t>You need to keep track of individual requirements and maintain links between dependent requirements so that you can assess the impact of requirements changes. You need to establish a formal process for making change proposals and linking these to system requirements.</a:t>
+            </a:r>
             <a:r>
               <a:rPr lang="en-GB" dirty="0" smtClean="0"/>
-              <a:t>High-level graphical model supplemented by more detailed tabular description (see Chapter 5).</a:t>
-            </a:r>
-          </a:p>
-          <a:p>
-            <a:r>
-              <a:rPr lang="en-GB" dirty="0"/>
-              <a:t>Sequence diagrams may be used to add detail to use-cases by showing the sequence of event processing in the system.</a:t>
-            </a:r>
+              <a:t> </a:t>
+            </a:r>
+            <a:endParaRPr lang="en-GB" sz="2400" dirty="0"/>
           </a:p>
         </p:txBody>
       </p:sp>
@@ -18608,7 +17772,7 @@
       </p:grpSpPr>
       <p:sp>
         <p:nvSpPr>
-          <p:cNvPr id="32770" name="Title 1"/>
+          <p:cNvPr id="2" name="Title 1"/>
           <p:cNvSpPr>
             <a:spLocks noGrp="1"/>
           </p:cNvSpPr>
@@ -18621,55 +17785,90 @@
           <a:bodyPr/>
           <a:lstStyle/>
           <a:p>
-            <a:pPr eaLnBrk="1" hangingPunct="1"/>
             <a:r>
               <a:rPr lang="en-US" dirty="0" smtClean="0"/>
-              <a:t>Use cases for the MHC-PMS</a:t>
-            </a:r>
-            <a:r>
-              <a:rPr lang="en-GB" dirty="0" smtClean="0"/>
-              <a:t> </a:t>
-            </a:r>
-            <a:endParaRPr lang="en-US" dirty="0" smtClean="0"/>
-          </a:p>
-        </p:txBody>
-      </p:sp>
-      <p:pic>
-        <p:nvPicPr>
-          <p:cNvPr id="4" name="Picture 3" descr="4.15 UseCases.eps"/>
-          <p:cNvPicPr>
-            <a:picLocks noChangeAspect="1"/>
-          </p:cNvPicPr>
-          <p:nvPr/>
-        </p:nvPicPr>
-        <mc:AlternateContent xmlns:mc="http://schemas.openxmlformats.org/markup-compatibility/2006">
-          <mc:Choice xmlns:ma="http://schemas.microsoft.com/office/mac/drawingml/2008/main" xmlns:mv="urn:schemas-microsoft-com:mac:vml" xmlns="" Requires="ma">
-            <p:blipFill>
-              <a:blip r:embed="rId2"/>
-              <a:stretch>
-                <a:fillRect/>
-              </a:stretch>
-            </p:blipFill>
-          </mc:Choice>
-          <mc:Fallback>
-            <p:blipFill>
-              <a:blip r:embed="rId3"/>
-              <a:stretch>
-                <a:fillRect/>
-              </a:stretch>
-            </p:blipFill>
-          </mc:Fallback>
-        </mc:AlternateContent>
-        <p:spPr>
-          <a:xfrm>
-            <a:off x="1447799" y="1828800"/>
-            <a:ext cx="6555509" cy="3886200"/>
-          </a:xfrm>
-          <a:prstGeom prst="rect">
-            <a:avLst/>
-          </a:prstGeom>
-        </p:spPr>
-      </p:pic>
+              <a:t>Changing requirements</a:t>
+            </a:r>
+            <a:endParaRPr lang="en-US" dirty="0"/>
+          </a:p>
+        </p:txBody>
+      </p:sp>
+      <p:sp>
+        <p:nvSpPr>
+          <p:cNvPr id="3" name="Content Placeholder 2"/>
+          <p:cNvSpPr>
+            <a:spLocks noGrp="1"/>
+          </p:cNvSpPr>
+          <p:nvPr>
+            <p:ph idx="1"/>
+          </p:nvPr>
+        </p:nvSpPr>
+        <p:spPr/>
+        <p:txBody>
+          <a:bodyPr/>
+          <a:lstStyle/>
+          <a:p>
+            <a:r>
+              <a:rPr lang="en-US" dirty="0" smtClean="0"/>
+              <a:t>The business and technical environment of the system always changes after installation. </a:t>
+            </a:r>
+          </a:p>
+          <a:p>
+            <a:pPr lvl="1"/>
+            <a:r>
+              <a:rPr lang="en-US" dirty="0" smtClean="0"/>
+              <a:t>New hardware may be introduced, it may be necessary to interface the system with other systems, business priorities may change (with consequent changes in the system support required), and new legislation and regulations may be introduced that the system must necessarily abide by. </a:t>
+            </a:r>
+            <a:endParaRPr lang="en-GB" dirty="0" smtClean="0"/>
+          </a:p>
+          <a:p>
+            <a:r>
+              <a:rPr lang="en-US" dirty="0" smtClean="0"/>
+              <a:t>The people who pay for a system and the users of that system are rarely the same people. </a:t>
+            </a:r>
+          </a:p>
+          <a:p>
+            <a:pPr lvl="1"/>
+            <a:r>
+              <a:rPr lang="en-US" dirty="0" smtClean="0"/>
+              <a:t>System customers impose requirements because of organizational and budgetary constraints. These may conflict with end-user requirements and, after delivery, new features may have to be added for user support if the system is to meet its goals.</a:t>
+            </a:r>
+            <a:endParaRPr lang="en-GB" dirty="0" smtClean="0"/>
+          </a:p>
+          <a:p>
+            <a:endParaRPr lang="en-GB" dirty="0" smtClean="0"/>
+          </a:p>
+          <a:p>
+            <a:endParaRPr lang="en-US" dirty="0"/>
+          </a:p>
+        </p:txBody>
+      </p:sp>
+      <p:sp>
+        <p:nvSpPr>
+          <p:cNvPr id="4" name="Footer Placeholder 3"/>
+          <p:cNvSpPr>
+            <a:spLocks noGrp="1"/>
+          </p:cNvSpPr>
+          <p:nvPr>
+            <p:ph type="ftr" sz="quarter" idx="11"/>
+          </p:nvPr>
+        </p:nvSpPr>
+        <p:spPr/>
+        <p:txBody>
+          <a:bodyPr/>
+          <a:lstStyle/>
+          <a:p>
+            <a:pPr>
+              <a:defRPr/>
+            </a:pPr>
+            <a:r>
+              <a:rPr lang="en-US" smtClean="0"/>
+              <a:t>Chapter 4 Requirements engineering</a:t>
+            </a:r>
+            <a:endParaRPr lang="en-US"/>
+          </a:p>
+        </p:txBody>
+      </p:sp>
       <p:sp>
         <p:nvSpPr>
           <p:cNvPr id="5" name="Slide Number Placeholder 4"/>
@@ -18695,32 +17894,6 @@
               </a:pPr>
               <a:t>61</a:t>
             </a:fld>
-            <a:endParaRPr lang="en-US"/>
-          </a:p>
-        </p:txBody>
-      </p:sp>
-      <p:sp>
-        <p:nvSpPr>
-          <p:cNvPr id="6" name="Footer Placeholder 5"/>
-          <p:cNvSpPr>
-            <a:spLocks noGrp="1"/>
-          </p:cNvSpPr>
-          <p:nvPr>
-            <p:ph type="ftr" sz="quarter" idx="11"/>
-          </p:nvPr>
-        </p:nvSpPr>
-        <p:spPr/>
-        <p:txBody>
-          <a:bodyPr/>
-          <a:lstStyle/>
-          <a:p>
-            <a:pPr>
-              <a:defRPr/>
-            </a:pPr>
-            <a:r>
-              <a:rPr lang="en-US" smtClean="0"/>
-              <a:t>Chapter 4 Requirements engineering</a:t>
-            </a:r>
             <a:endParaRPr lang="en-US"/>
           </a:p>
         </p:txBody>
@@ -18759,83 +17932,86 @@
       </p:grpSpPr>
       <p:sp>
         <p:nvSpPr>
-          <p:cNvPr id="36866" name="Rectangle 2"/>
-          <p:cNvSpPr>
-            <a:spLocks noGrp="1" noChangeArrowheads="1"/>
+          <p:cNvPr id="2" name="Title 1"/>
+          <p:cNvSpPr>
+            <a:spLocks noGrp="1"/>
           </p:cNvSpPr>
           <p:nvPr>
             <p:ph type="title"/>
           </p:nvPr>
         </p:nvSpPr>
-        <p:spPr>
-          <a:noFill/>
-          <a:ln/>
-        </p:spPr>
-        <p:txBody>
-          <a:bodyPr lIns="90487" tIns="44450" rIns="90487" bIns="44450"/>
-          <a:lstStyle/>
-          <a:p>
-            <a:r>
-              <a:rPr lang="en-GB"/>
-              <a:t>Ethnography</a:t>
-            </a:r>
-          </a:p>
-        </p:txBody>
-      </p:sp>
-      <p:sp>
-        <p:nvSpPr>
-          <p:cNvPr id="36867" name="Rectangle 3"/>
-          <p:cNvSpPr>
-            <a:spLocks noGrp="1" noChangeArrowheads="1"/>
-          </p:cNvSpPr>
-          <p:nvPr>
-            <p:ph type="body" idx="1"/>
-          </p:nvPr>
-        </p:nvSpPr>
-        <p:spPr>
-          <a:noFill/>
-          <a:ln/>
-        </p:spPr>
-        <p:txBody>
-          <a:bodyPr lIns="90487" tIns="44450" rIns="90487" bIns="44450"/>
-          <a:lstStyle/>
-          <a:p>
-            <a:r>
-              <a:rPr lang="en-GB" sz="2400" dirty="0"/>
-              <a:t>A social </a:t>
-            </a:r>
-            <a:r>
-              <a:rPr lang="en-GB" sz="2400" dirty="0" smtClean="0"/>
-              <a:t>scientist </a:t>
-            </a:r>
-            <a:r>
-              <a:rPr lang="en-GB" sz="2400" dirty="0"/>
-              <a:t>spends a considerable time observing and analysing how people actually work.</a:t>
-            </a:r>
-          </a:p>
-          <a:p>
-            <a:r>
-              <a:rPr lang="en-GB" sz="2400" dirty="0"/>
-              <a:t>People do not have to explain or articulate their work.</a:t>
-            </a:r>
-          </a:p>
-          <a:p>
-            <a:r>
-              <a:rPr lang="en-GB" sz="2400" dirty="0"/>
-              <a:t>Social and organisational factors of importance may be observed.</a:t>
-            </a:r>
-          </a:p>
-          <a:p>
-            <a:r>
-              <a:rPr lang="en-GB" sz="2400" dirty="0"/>
-              <a:t>Ethnographic studies have shown that work is usually richer and more complex than suggested by simple system models.</a:t>
-            </a:r>
-          </a:p>
-        </p:txBody>
-      </p:sp>
-      <p:sp>
-        <p:nvSpPr>
-          <p:cNvPr id="4" name="Slide Number Placeholder 3"/>
+        <p:spPr/>
+        <p:txBody>
+          <a:bodyPr/>
+          <a:lstStyle/>
+          <a:p>
+            <a:r>
+              <a:rPr lang="en-US" dirty="0" smtClean="0"/>
+              <a:t>Changing requirements</a:t>
+            </a:r>
+            <a:endParaRPr lang="en-US" dirty="0"/>
+          </a:p>
+        </p:txBody>
+      </p:sp>
+      <p:sp>
+        <p:nvSpPr>
+          <p:cNvPr id="3" name="Content Placeholder 2"/>
+          <p:cNvSpPr>
+            <a:spLocks noGrp="1"/>
+          </p:cNvSpPr>
+          <p:nvPr>
+            <p:ph idx="1"/>
+          </p:nvPr>
+        </p:nvSpPr>
+        <p:spPr/>
+        <p:txBody>
+          <a:bodyPr/>
+          <a:lstStyle/>
+          <a:p>
+            <a:r>
+              <a:rPr lang="en-US" dirty="0" smtClean="0"/>
+              <a:t>Large systems usually have a diverse user community, with many users having different requirements and priorities that may be conflicting or contradictory. </a:t>
+            </a:r>
+          </a:p>
+          <a:p>
+            <a:pPr lvl="1"/>
+            <a:r>
+              <a:rPr lang="en-US" dirty="0" smtClean="0"/>
+              <a:t>The final system requirements are inevitably a compromise between them and, with experience, it is often discovered that the balance of support given to different users has to be changed.</a:t>
+            </a:r>
+            <a:endParaRPr lang="en-US" dirty="0"/>
+          </a:p>
+        </p:txBody>
+      </p:sp>
+      <p:sp>
+        <p:nvSpPr>
+          <p:cNvPr id="4" name="Footer Placeholder 3"/>
+          <p:cNvSpPr>
+            <a:spLocks noGrp="1"/>
+          </p:cNvSpPr>
+          <p:nvPr>
+            <p:ph type="ftr" sz="quarter" idx="11"/>
+          </p:nvPr>
+        </p:nvSpPr>
+        <p:spPr/>
+        <p:txBody>
+          <a:bodyPr/>
+          <a:lstStyle/>
+          <a:p>
+            <a:pPr>
+              <a:defRPr/>
+            </a:pPr>
+            <a:r>
+              <a:rPr lang="en-US" smtClean="0"/>
+              <a:t>Chapter 4 Requirements engineering</a:t>
+            </a:r>
+            <a:endParaRPr lang="en-US"/>
+          </a:p>
+        </p:txBody>
+      </p:sp>
+      <p:sp>
+        <p:nvSpPr>
+          <p:cNvPr id="5" name="Slide Number Placeholder 4"/>
           <p:cNvSpPr>
             <a:spLocks noGrp="1"/>
           </p:cNvSpPr>
@@ -18862,38 +18038,11 @@
           </a:p>
         </p:txBody>
       </p:sp>
-      <p:sp>
-        <p:nvSpPr>
-          <p:cNvPr id="5" name="Footer Placeholder 4"/>
-          <p:cNvSpPr>
-            <a:spLocks noGrp="1"/>
-          </p:cNvSpPr>
-          <p:nvPr>
-            <p:ph type="ftr" sz="quarter" idx="11"/>
-          </p:nvPr>
-        </p:nvSpPr>
-        <p:spPr/>
-        <p:txBody>
-          <a:bodyPr/>
-          <a:lstStyle/>
-          <a:p>
-            <a:pPr>
-              <a:defRPr/>
-            </a:pPr>
-            <a:r>
-              <a:rPr lang="en-US" smtClean="0"/>
-              <a:t>Chapter 4 Requirements engineering</a:t>
-            </a:r>
-            <a:endParaRPr lang="en-US"/>
-          </a:p>
-        </p:txBody>
-      </p:sp>
     </p:spTree>
   </p:cSld>
   <p:clrMapOvr>
     <a:masterClrMapping/>
   </p:clrMapOvr>
-  <p:transition/>
   <p:timing>
     <p:tnLst>
       <p:par>
@@ -18923,9 +18072,9 @@
       </p:grpSpPr>
       <p:sp>
         <p:nvSpPr>
-          <p:cNvPr id="76802" name="Rectangle 2"/>
-          <p:cNvSpPr>
-            <a:spLocks noGrp="1" noChangeArrowheads="1"/>
+          <p:cNvPr id="2" name="Title 1"/>
+          <p:cNvSpPr>
+            <a:spLocks noGrp="1"/>
           </p:cNvSpPr>
           <p:nvPr>
             <p:ph type="title"/>
@@ -18937,55 +18086,72 @@
           <a:lstStyle/>
           <a:p>
             <a:r>
-              <a:rPr lang="en-GB"/>
-              <a:t>Scope of ethnography</a:t>
-            </a:r>
-          </a:p>
-        </p:txBody>
-      </p:sp>
-      <p:sp>
-        <p:nvSpPr>
-          <p:cNvPr id="76803" name="Rectangle 3"/>
-          <p:cNvSpPr>
-            <a:spLocks noGrp="1" noChangeArrowheads="1"/>
-          </p:cNvSpPr>
-          <p:nvPr>
-            <p:ph type="body" idx="1"/>
-          </p:nvPr>
-        </p:nvSpPr>
-        <p:spPr/>
-        <p:txBody>
-          <a:bodyPr/>
-          <a:lstStyle/>
-          <a:p>
-            <a:r>
-              <a:rPr lang="en-GB" dirty="0"/>
-              <a:t>Requirements that are derived from the way that people actually work rather than the way I which process definitions suggest that they ought to work.</a:t>
-            </a:r>
-          </a:p>
-          <a:p>
-            <a:r>
-              <a:rPr lang="en-GB" dirty="0"/>
-              <a:t>Requirements that are derived from cooperation and awareness of other people’s activities</a:t>
-            </a:r>
-            <a:r>
-              <a:rPr lang="en-GB" dirty="0" smtClean="0"/>
-              <a:t>.</a:t>
-            </a:r>
-          </a:p>
-          <a:p>
-            <a:pPr lvl="1"/>
-            <a:r>
-              <a:rPr lang="en-GB" dirty="0" smtClean="0"/>
-              <a:t>Awareness of what other people are doing leads to changes in the ways in which we do things.</a:t>
-            </a:r>
-          </a:p>
-          <a:p>
-            <a:r>
-              <a:rPr lang="en-GB" dirty="0" smtClean="0"/>
-              <a:t>Ethnography is effective for understanding existing processes but cannot identify new features that should be added to a system.</a:t>
-            </a:r>
-            <a:endParaRPr lang="en-GB" dirty="0"/>
+              <a:rPr lang="en-US" smtClean="0"/>
+              <a:t>Key points</a:t>
+            </a:r>
+            <a:endParaRPr lang="en-US" dirty="0"/>
+          </a:p>
+        </p:txBody>
+      </p:sp>
+      <p:sp>
+        <p:nvSpPr>
+          <p:cNvPr id="3" name="Content Placeholder 2"/>
+          <p:cNvSpPr>
+            <a:spLocks noGrp="1"/>
+          </p:cNvSpPr>
+          <p:nvPr>
+            <p:ph idx="1"/>
+          </p:nvPr>
+        </p:nvSpPr>
+        <p:spPr/>
+        <p:txBody>
+          <a:bodyPr/>
+          <a:lstStyle/>
+          <a:p>
+            <a:r>
+              <a:rPr lang="en-US" dirty="0" smtClean="0"/>
+              <a:t>You can use a range of techniques for requirements elicitation including interviews, scenarios, use-cases and ethnography.</a:t>
+            </a:r>
+          </a:p>
+          <a:p>
+            <a:r>
+              <a:rPr lang="en-US" dirty="0" smtClean="0"/>
+              <a:t>Requirements validation is the process of checking the requirements for validity, consistency, completeness, realism and verifiability. </a:t>
+            </a:r>
+            <a:endParaRPr lang="en-GB" dirty="0" smtClean="0"/>
+          </a:p>
+          <a:p>
+            <a:r>
+              <a:rPr lang="en-US" dirty="0" smtClean="0"/>
+              <a:t>Business, organizational and technical changes inevitably lead to changes to the requirements for a software system. Requirements management is the process of managing and controlling these changes.</a:t>
+            </a:r>
+            <a:endParaRPr lang="en-GB" dirty="0" smtClean="0"/>
+          </a:p>
+          <a:p>
+            <a:endParaRPr lang="en-US" dirty="0"/>
+          </a:p>
+        </p:txBody>
+      </p:sp>
+      <p:sp>
+        <p:nvSpPr>
+          <p:cNvPr id="5" name="Footer Placeholder 4"/>
+          <p:cNvSpPr>
+            <a:spLocks noGrp="1"/>
+          </p:cNvSpPr>
+          <p:nvPr>
+            <p:ph type="ftr" sz="quarter" idx="11"/>
+          </p:nvPr>
+        </p:nvSpPr>
+        <p:spPr/>
+        <p:txBody>
+          <a:bodyPr/>
+          <a:lstStyle/>
+          <a:p>
+            <a:r>
+              <a:rPr lang="en-US" smtClean="0"/>
+              <a:t>Chapter 4 Requirements engineering</a:t>
+            </a:r>
+            <a:endParaRPr lang="en-US"/>
           </a:p>
         </p:txBody>
       </p:sp>
@@ -19004,42 +18170,11 @@
           <a:bodyPr/>
           <a:lstStyle/>
           <a:p>
-            <a:pPr>
-              <a:defRPr/>
-            </a:pPr>
             <a:fld id="{825F70CE-84E9-D04C-9B15-10C693AA0F2A}" type="slidenum">
               <a:rPr lang="en-US" smtClean="0"/>
-              <a:pPr>
-                <a:defRPr/>
-              </a:pPr>
+              <a:pPr/>
               <a:t>63</a:t>
             </a:fld>
-            <a:endParaRPr lang="en-US"/>
-          </a:p>
-        </p:txBody>
-      </p:sp>
-      <p:sp>
-        <p:nvSpPr>
-          <p:cNvPr id="5" name="Footer Placeholder 4"/>
-          <p:cNvSpPr>
-            <a:spLocks noGrp="1"/>
-          </p:cNvSpPr>
-          <p:nvPr>
-            <p:ph type="ftr" sz="quarter" idx="11"/>
-          </p:nvPr>
-        </p:nvSpPr>
-        <p:spPr/>
-        <p:txBody>
-          <a:bodyPr/>
-          <a:lstStyle/>
-          <a:p>
-            <a:pPr>
-              <a:defRPr/>
-            </a:pPr>
-            <a:r>
-              <a:rPr lang="en-US" smtClean="0"/>
-              <a:t>Chapter 4 Requirements engineering</a:t>
-            </a:r>
             <a:endParaRPr lang="en-US"/>
           </a:p>
         </p:txBody>
@@ -19049,1075 +18184,6 @@
   <p:clrMapOvr>
     <a:masterClrMapping/>
   </p:clrMapOvr>
-  <p:timing>
-    <p:tnLst>
-      <p:par>
-        <p:cTn id="1" dur="indefinite" restart="never" nodeType="tmRoot"/>
-      </p:par>
-    </p:tnLst>
-  </p:timing>
-</p:sld>
-</file>
-
-<file path=ppt/slides/slide64.xml><?xml version="1.0" encoding="utf-8"?>
-<p:sld xmlns:a="http://schemas.openxmlformats.org/drawingml/2006/main" xmlns:r="http://schemas.openxmlformats.org/officeDocument/2006/relationships" xmlns:p="http://schemas.openxmlformats.org/presentationml/2006/main">
-  <p:cSld>
-    <p:spTree>
-      <p:nvGrpSpPr>
-        <p:cNvPr id="1" name=""/>
-        <p:cNvGrpSpPr/>
-        <p:nvPr/>
-      </p:nvGrpSpPr>
-      <p:grpSpPr>
-        <a:xfrm>
-          <a:off x="0" y="0"/>
-          <a:ext cx="0" cy="0"/>
-          <a:chOff x="0" y="0"/>
-          <a:chExt cx="0" cy="0"/>
-        </a:xfrm>
-      </p:grpSpPr>
-      <p:sp>
-        <p:nvSpPr>
-          <p:cNvPr id="37890" name="Rectangle 2"/>
-          <p:cNvSpPr>
-            <a:spLocks noGrp="1" noChangeArrowheads="1"/>
-          </p:cNvSpPr>
-          <p:nvPr>
-            <p:ph type="title"/>
-          </p:nvPr>
-        </p:nvSpPr>
-        <p:spPr>
-          <a:noFill/>
-          <a:ln/>
-        </p:spPr>
-        <p:txBody>
-          <a:bodyPr lIns="90487" tIns="44450" rIns="90487" bIns="44450"/>
-          <a:lstStyle/>
-          <a:p>
-            <a:r>
-              <a:rPr lang="en-GB"/>
-              <a:t>Focused ethnography</a:t>
-            </a:r>
-          </a:p>
-        </p:txBody>
-      </p:sp>
-      <p:sp>
-        <p:nvSpPr>
-          <p:cNvPr id="37891" name="Rectangle 3"/>
-          <p:cNvSpPr>
-            <a:spLocks noGrp="1" noChangeArrowheads="1"/>
-          </p:cNvSpPr>
-          <p:nvPr>
-            <p:ph type="body" idx="1"/>
-          </p:nvPr>
-        </p:nvSpPr>
-        <p:spPr>
-          <a:noFill/>
-          <a:ln/>
-        </p:spPr>
-        <p:txBody>
-          <a:bodyPr lIns="90487" tIns="44450" rIns="90487" bIns="44450"/>
-          <a:lstStyle/>
-          <a:p>
-            <a:pPr>
-              <a:lnSpc>
-                <a:spcPct val="90000"/>
-              </a:lnSpc>
-            </a:pPr>
-            <a:r>
-              <a:rPr lang="en-GB"/>
-              <a:t>Developed in a project studying the air traffic control process</a:t>
-            </a:r>
-          </a:p>
-          <a:p>
-            <a:pPr>
-              <a:lnSpc>
-                <a:spcPct val="90000"/>
-              </a:lnSpc>
-            </a:pPr>
-            <a:r>
-              <a:rPr lang="en-GB"/>
-              <a:t>Combines ethnography with prototyping</a:t>
-            </a:r>
-          </a:p>
-          <a:p>
-            <a:pPr>
-              <a:lnSpc>
-                <a:spcPct val="90000"/>
-              </a:lnSpc>
-            </a:pPr>
-            <a:r>
-              <a:rPr lang="en-GB"/>
-              <a:t>Prototype development results in unanswered questions which focus the ethnographic analysis.</a:t>
-            </a:r>
-          </a:p>
-          <a:p>
-            <a:pPr>
-              <a:lnSpc>
-                <a:spcPct val="90000"/>
-              </a:lnSpc>
-            </a:pPr>
-            <a:r>
-              <a:rPr lang="en-GB"/>
-              <a:t>The problem with ethnography is that it studies existing practices which may have some historical basis which is no longer relevant.</a:t>
-            </a:r>
-            <a:endParaRPr lang="en-GB" sz="2400"/>
-          </a:p>
-        </p:txBody>
-      </p:sp>
-      <p:sp>
-        <p:nvSpPr>
-          <p:cNvPr id="4" name="Slide Number Placeholder 3"/>
-          <p:cNvSpPr>
-            <a:spLocks noGrp="1"/>
-          </p:cNvSpPr>
-          <p:nvPr>
-            <p:ph type="sldNum" sz="quarter" idx="12"/>
-          </p:nvPr>
-        </p:nvSpPr>
-        <p:spPr/>
-        <p:txBody>
-          <a:bodyPr/>
-          <a:lstStyle/>
-          <a:p>
-            <a:pPr>
-              <a:defRPr/>
-            </a:pPr>
-            <a:fld id="{825F70CE-84E9-D04C-9B15-10C693AA0F2A}" type="slidenum">
-              <a:rPr lang="en-US" smtClean="0"/>
-              <a:pPr>
-                <a:defRPr/>
-              </a:pPr>
-              <a:t>64</a:t>
-            </a:fld>
-            <a:endParaRPr lang="en-US"/>
-          </a:p>
-        </p:txBody>
-      </p:sp>
-      <p:sp>
-        <p:nvSpPr>
-          <p:cNvPr id="5" name="Footer Placeholder 4"/>
-          <p:cNvSpPr>
-            <a:spLocks noGrp="1"/>
-          </p:cNvSpPr>
-          <p:nvPr>
-            <p:ph type="ftr" sz="quarter" idx="11"/>
-          </p:nvPr>
-        </p:nvSpPr>
-        <p:spPr/>
-        <p:txBody>
-          <a:bodyPr/>
-          <a:lstStyle/>
-          <a:p>
-            <a:pPr>
-              <a:defRPr/>
-            </a:pPr>
-            <a:r>
-              <a:rPr lang="en-US" smtClean="0"/>
-              <a:t>Chapter 4 Requirements engineering</a:t>
-            </a:r>
-            <a:endParaRPr lang="en-US"/>
-          </a:p>
-        </p:txBody>
-      </p:sp>
-    </p:spTree>
-  </p:cSld>
-  <p:clrMapOvr>
-    <a:masterClrMapping/>
-  </p:clrMapOvr>
-  <p:transition/>
-  <p:timing>
-    <p:tnLst>
-      <p:par>
-        <p:cTn id="1" dur="indefinite" restart="never" nodeType="tmRoot"/>
-      </p:par>
-    </p:tnLst>
-  </p:timing>
-</p:sld>
-</file>
-
-<file path=ppt/slides/slide65.xml><?xml version="1.0" encoding="utf-8"?>
-<p:sld xmlns:a="http://schemas.openxmlformats.org/drawingml/2006/main" xmlns:r="http://schemas.openxmlformats.org/officeDocument/2006/relationships" xmlns:p="http://schemas.openxmlformats.org/presentationml/2006/main">
-  <p:cSld>
-    <p:spTree>
-      <p:nvGrpSpPr>
-        <p:cNvPr id="1" name=""/>
-        <p:cNvGrpSpPr/>
-        <p:nvPr/>
-      </p:nvGrpSpPr>
-      <p:grpSpPr>
-        <a:xfrm>
-          <a:off x="0" y="0"/>
-          <a:ext cx="0" cy="0"/>
-          <a:chOff x="0" y="0"/>
-          <a:chExt cx="0" cy="0"/>
-        </a:xfrm>
-      </p:grpSpPr>
-      <p:sp>
-        <p:nvSpPr>
-          <p:cNvPr id="33794" name="Title 1"/>
-          <p:cNvSpPr>
-            <a:spLocks noGrp="1"/>
-          </p:cNvSpPr>
-          <p:nvPr>
-            <p:ph type="title"/>
-          </p:nvPr>
-        </p:nvSpPr>
-        <p:spPr/>
-        <p:txBody>
-          <a:bodyPr/>
-          <a:lstStyle/>
-          <a:p>
-            <a:pPr eaLnBrk="1" hangingPunct="1"/>
-            <a:r>
-              <a:rPr lang="en-US" dirty="0" smtClean="0"/>
-              <a:t>Ethnography and prototyping for requirements analysis</a:t>
-            </a:r>
-            <a:r>
-              <a:rPr lang="en-GB" dirty="0" smtClean="0"/>
-              <a:t> </a:t>
-            </a:r>
-            <a:endParaRPr lang="en-US" dirty="0" smtClean="0"/>
-          </a:p>
-        </p:txBody>
-      </p:sp>
-      <p:pic>
-        <p:nvPicPr>
-          <p:cNvPr id="4" name="Picture 3" descr="4.16 Ethno-prototyping.eps"/>
-          <p:cNvPicPr>
-            <a:picLocks noChangeAspect="1"/>
-          </p:cNvPicPr>
-          <p:nvPr/>
-        </p:nvPicPr>
-        <mc:AlternateContent xmlns:mc="http://schemas.openxmlformats.org/markup-compatibility/2006">
-          <mc:Choice xmlns:ma="http://schemas.microsoft.com/office/mac/drawingml/2008/main" xmlns:mv="urn:schemas-microsoft-com:mac:vml" xmlns="" Requires="ma">
-            <p:blipFill>
-              <a:blip r:embed="rId2"/>
-              <a:stretch>
-                <a:fillRect/>
-              </a:stretch>
-            </p:blipFill>
-          </mc:Choice>
-          <mc:Fallback>
-            <p:blipFill>
-              <a:blip r:embed="rId3"/>
-              <a:stretch>
-                <a:fillRect/>
-              </a:stretch>
-            </p:blipFill>
-          </mc:Fallback>
-        </mc:AlternateContent>
-        <p:spPr>
-          <a:xfrm>
-            <a:off x="1143000" y="2819400"/>
-            <a:ext cx="7394864" cy="1936750"/>
-          </a:xfrm>
-          <a:prstGeom prst="rect">
-            <a:avLst/>
-          </a:prstGeom>
-        </p:spPr>
-      </p:pic>
-      <p:sp>
-        <p:nvSpPr>
-          <p:cNvPr id="5" name="Slide Number Placeholder 4"/>
-          <p:cNvSpPr>
-            <a:spLocks noGrp="1"/>
-          </p:cNvSpPr>
-          <p:nvPr>
-            <p:ph type="sldNum" sz="quarter" idx="12"/>
-          </p:nvPr>
-        </p:nvSpPr>
-        <p:spPr/>
-        <p:txBody>
-          <a:bodyPr/>
-          <a:lstStyle/>
-          <a:p>
-            <a:pPr>
-              <a:defRPr/>
-            </a:pPr>
-            <a:fld id="{825F70CE-84E9-D04C-9B15-10C693AA0F2A}" type="slidenum">
-              <a:rPr lang="en-US" smtClean="0"/>
-              <a:pPr>
-                <a:defRPr/>
-              </a:pPr>
-              <a:t>65</a:t>
-            </a:fld>
-            <a:endParaRPr lang="en-US"/>
-          </a:p>
-        </p:txBody>
-      </p:sp>
-      <p:sp>
-        <p:nvSpPr>
-          <p:cNvPr id="6" name="Footer Placeholder 5"/>
-          <p:cNvSpPr>
-            <a:spLocks noGrp="1"/>
-          </p:cNvSpPr>
-          <p:nvPr>
-            <p:ph type="ftr" sz="quarter" idx="11"/>
-          </p:nvPr>
-        </p:nvSpPr>
-        <p:spPr/>
-        <p:txBody>
-          <a:bodyPr/>
-          <a:lstStyle/>
-          <a:p>
-            <a:pPr>
-              <a:defRPr/>
-            </a:pPr>
-            <a:r>
-              <a:rPr lang="en-US" smtClean="0"/>
-              <a:t>Chapter 4 Requirements engineering</a:t>
-            </a:r>
-            <a:endParaRPr lang="en-US"/>
-          </a:p>
-        </p:txBody>
-      </p:sp>
-    </p:spTree>
-  </p:cSld>
-  <p:clrMapOvr>
-    <a:masterClrMapping/>
-  </p:clrMapOvr>
-  <p:timing>
-    <p:tnLst>
-      <p:par>
-        <p:cTn id="1" dur="indefinite" restart="never" nodeType="tmRoot"/>
-      </p:par>
-    </p:tnLst>
-  </p:timing>
-</p:sld>
-</file>
-
-<file path=ppt/slides/slide66.xml><?xml version="1.0" encoding="utf-8"?>
-<p:sld xmlns:a="http://schemas.openxmlformats.org/drawingml/2006/main" xmlns:r="http://schemas.openxmlformats.org/officeDocument/2006/relationships" xmlns:p="http://schemas.openxmlformats.org/presentationml/2006/main">
-  <p:cSld>
-    <p:spTree>
-      <p:nvGrpSpPr>
-        <p:cNvPr id="1" name=""/>
-        <p:cNvGrpSpPr/>
-        <p:nvPr/>
-      </p:nvGrpSpPr>
-      <p:grpSpPr>
-        <a:xfrm>
-          <a:off x="0" y="0"/>
-          <a:ext cx="0" cy="0"/>
-          <a:chOff x="0" y="0"/>
-          <a:chExt cx="0" cy="0"/>
-        </a:xfrm>
-      </p:grpSpPr>
-      <p:sp>
-        <p:nvSpPr>
-          <p:cNvPr id="57346" name="Rectangle 2"/>
-          <p:cNvSpPr>
-            <a:spLocks noGrp="1" noChangeArrowheads="1"/>
-          </p:cNvSpPr>
-          <p:nvPr>
-            <p:ph type="title"/>
-          </p:nvPr>
-        </p:nvSpPr>
-        <p:spPr>
-          <a:noFill/>
-          <a:ln/>
-        </p:spPr>
-        <p:txBody>
-          <a:bodyPr lIns="90487" tIns="44450" rIns="90487" bIns="44450"/>
-          <a:lstStyle/>
-          <a:p>
-            <a:r>
-              <a:rPr lang="en-GB"/>
-              <a:t>Requirements validation</a:t>
-            </a:r>
-          </a:p>
-        </p:txBody>
-      </p:sp>
-      <p:sp>
-        <p:nvSpPr>
-          <p:cNvPr id="57347" name="Rectangle 3"/>
-          <p:cNvSpPr>
-            <a:spLocks noGrp="1" noChangeArrowheads="1"/>
-          </p:cNvSpPr>
-          <p:nvPr>
-            <p:ph type="body" idx="1"/>
-          </p:nvPr>
-        </p:nvSpPr>
-        <p:spPr>
-          <a:noFill/>
-          <a:ln/>
-        </p:spPr>
-        <p:txBody>
-          <a:bodyPr lIns="90487" tIns="44450" rIns="90487" bIns="44450"/>
-          <a:lstStyle/>
-          <a:p>
-            <a:r>
-              <a:rPr lang="en-GB"/>
-              <a:t>Concerned with demonstrating that the requirements define the system that the customer really wants.</a:t>
-            </a:r>
-          </a:p>
-          <a:p>
-            <a:r>
-              <a:rPr lang="en-GB"/>
-              <a:t>Requirements error costs are high so validation is very important</a:t>
-            </a:r>
-          </a:p>
-          <a:p>
-            <a:pPr lvl="1"/>
-            <a:r>
-              <a:rPr lang="en-GB"/>
-              <a:t>Fixing a requirements error after delivery may cost up to 100 times the cost of fixing an implementation error.</a:t>
-            </a:r>
-          </a:p>
-        </p:txBody>
-      </p:sp>
-      <p:sp>
-        <p:nvSpPr>
-          <p:cNvPr id="4" name="Slide Number Placeholder 3"/>
-          <p:cNvSpPr>
-            <a:spLocks noGrp="1"/>
-          </p:cNvSpPr>
-          <p:nvPr>
-            <p:ph type="sldNum" sz="quarter" idx="12"/>
-          </p:nvPr>
-        </p:nvSpPr>
-        <p:spPr/>
-        <p:txBody>
-          <a:bodyPr/>
-          <a:lstStyle/>
-          <a:p>
-            <a:pPr>
-              <a:defRPr/>
-            </a:pPr>
-            <a:fld id="{825F70CE-84E9-D04C-9B15-10C693AA0F2A}" type="slidenum">
-              <a:rPr lang="en-US" smtClean="0"/>
-              <a:pPr>
-                <a:defRPr/>
-              </a:pPr>
-              <a:t>66</a:t>
-            </a:fld>
-            <a:endParaRPr lang="en-US"/>
-          </a:p>
-        </p:txBody>
-      </p:sp>
-      <p:sp>
-        <p:nvSpPr>
-          <p:cNvPr id="5" name="Footer Placeholder 4"/>
-          <p:cNvSpPr>
-            <a:spLocks noGrp="1"/>
-          </p:cNvSpPr>
-          <p:nvPr>
-            <p:ph type="ftr" sz="quarter" idx="11"/>
-          </p:nvPr>
-        </p:nvSpPr>
-        <p:spPr/>
-        <p:txBody>
-          <a:bodyPr/>
-          <a:lstStyle/>
-          <a:p>
-            <a:pPr>
-              <a:defRPr/>
-            </a:pPr>
-            <a:r>
-              <a:rPr lang="en-US" smtClean="0"/>
-              <a:t>Chapter 4 Requirements engineering</a:t>
-            </a:r>
-            <a:endParaRPr lang="en-US"/>
-          </a:p>
-        </p:txBody>
-      </p:sp>
-    </p:spTree>
-  </p:cSld>
-  <p:clrMapOvr>
-    <a:masterClrMapping/>
-  </p:clrMapOvr>
-  <p:transition/>
-  <p:timing>
-    <p:tnLst>
-      <p:par>
-        <p:cTn id="1" dur="indefinite" restart="never" nodeType="tmRoot"/>
-      </p:par>
-    </p:tnLst>
-  </p:timing>
-</p:sld>
-</file>
-
-<file path=ppt/slides/slide67.xml><?xml version="1.0" encoding="utf-8"?>
-<p:sld xmlns:a="http://schemas.openxmlformats.org/drawingml/2006/main" xmlns:r="http://schemas.openxmlformats.org/officeDocument/2006/relationships" xmlns:p="http://schemas.openxmlformats.org/presentationml/2006/main">
-  <p:cSld>
-    <p:spTree>
-      <p:nvGrpSpPr>
-        <p:cNvPr id="1" name=""/>
-        <p:cNvGrpSpPr/>
-        <p:nvPr/>
-      </p:nvGrpSpPr>
-      <p:grpSpPr>
-        <a:xfrm>
-          <a:off x="0" y="0"/>
-          <a:ext cx="0" cy="0"/>
-          <a:chOff x="0" y="0"/>
-          <a:chExt cx="0" cy="0"/>
-        </a:xfrm>
-      </p:grpSpPr>
-      <p:sp>
-        <p:nvSpPr>
-          <p:cNvPr id="58370" name="Rectangle 2"/>
-          <p:cNvSpPr>
-            <a:spLocks noGrp="1" noChangeArrowheads="1"/>
-          </p:cNvSpPr>
-          <p:nvPr>
-            <p:ph type="title"/>
-          </p:nvPr>
-        </p:nvSpPr>
-        <p:spPr>
-          <a:noFill/>
-          <a:ln/>
-        </p:spPr>
-        <p:txBody>
-          <a:bodyPr lIns="90487" tIns="44450" rIns="90487" bIns="44450"/>
-          <a:lstStyle/>
-          <a:p>
-            <a:r>
-              <a:rPr lang="en-GB"/>
-              <a:t>Requirements checking</a:t>
-            </a:r>
-          </a:p>
-        </p:txBody>
-      </p:sp>
-      <p:sp>
-        <p:nvSpPr>
-          <p:cNvPr id="58371" name="Rectangle 3"/>
-          <p:cNvSpPr>
-            <a:spLocks noGrp="1" noChangeArrowheads="1"/>
-          </p:cNvSpPr>
-          <p:nvPr>
-            <p:ph type="body" idx="1"/>
-          </p:nvPr>
-        </p:nvSpPr>
-        <p:spPr>
-          <a:noFill/>
-          <a:ln/>
-        </p:spPr>
-        <p:txBody>
-          <a:bodyPr lIns="90487" tIns="44450" rIns="90487" bIns="44450"/>
-          <a:lstStyle/>
-          <a:p>
-            <a:r>
-              <a:rPr lang="en-GB" sz="2400" dirty="0">
-                <a:solidFill>
-                  <a:srgbClr val="FF0000"/>
-                </a:solidFill>
-              </a:rPr>
-              <a:t>Validity</a:t>
-            </a:r>
-            <a:r>
-              <a:rPr lang="en-GB" sz="2400" dirty="0"/>
-              <a:t>.</a:t>
-            </a:r>
-            <a:r>
-              <a:rPr lang="en-GB" sz="2400" dirty="0" smtClean="0"/>
-              <a:t> Does </a:t>
-            </a:r>
-            <a:r>
-              <a:rPr lang="en-GB" sz="2400" dirty="0"/>
-              <a:t>the system provide the functions which best support the customer’s needs?</a:t>
-            </a:r>
-          </a:p>
-          <a:p>
-            <a:r>
-              <a:rPr lang="en-GB" sz="2400" dirty="0">
-                <a:solidFill>
-                  <a:srgbClr val="FF0000"/>
-                </a:solidFill>
-              </a:rPr>
-              <a:t>Consistency</a:t>
-            </a:r>
-            <a:r>
-              <a:rPr lang="en-GB" sz="2400" dirty="0" smtClean="0"/>
-              <a:t>. </a:t>
-            </a:r>
-            <a:r>
-              <a:rPr lang="en-GB" sz="2400" dirty="0"/>
-              <a:t>Are there any requirements conflicts?</a:t>
-            </a:r>
-          </a:p>
-          <a:p>
-            <a:r>
-              <a:rPr lang="en-GB" sz="2400" dirty="0" smtClean="0">
-                <a:solidFill>
-                  <a:srgbClr val="FF0000"/>
-                </a:solidFill>
-              </a:rPr>
-              <a:t>Completeness</a:t>
-            </a:r>
-            <a:r>
-              <a:rPr lang="en-GB" sz="2400" dirty="0" smtClean="0"/>
-              <a:t>. Are </a:t>
-            </a:r>
-            <a:r>
-              <a:rPr lang="en-GB" sz="2400" dirty="0"/>
-              <a:t>all functions required by the customer included?</a:t>
-            </a:r>
-          </a:p>
-          <a:p>
-            <a:r>
-              <a:rPr lang="en-GB" sz="2400" dirty="0" smtClean="0">
-                <a:solidFill>
-                  <a:srgbClr val="FF0000"/>
-                </a:solidFill>
-              </a:rPr>
-              <a:t>Realism</a:t>
-            </a:r>
-            <a:r>
-              <a:rPr lang="en-GB" sz="2400" dirty="0" smtClean="0"/>
-              <a:t>. Can </a:t>
-            </a:r>
-            <a:r>
-              <a:rPr lang="en-GB" sz="2400" dirty="0"/>
-              <a:t>the requirements be implemented given available budget and technology</a:t>
-            </a:r>
-          </a:p>
-          <a:p>
-            <a:r>
-              <a:rPr lang="en-GB" sz="2400" dirty="0">
-                <a:solidFill>
-                  <a:srgbClr val="FF0000"/>
-                </a:solidFill>
-              </a:rPr>
-              <a:t>Verifiability</a:t>
-            </a:r>
-            <a:r>
-              <a:rPr lang="en-GB" sz="2400" dirty="0"/>
-              <a:t>. Can the requirements be checked?</a:t>
-            </a:r>
-          </a:p>
-        </p:txBody>
-      </p:sp>
-      <p:sp>
-        <p:nvSpPr>
-          <p:cNvPr id="4" name="Slide Number Placeholder 3"/>
-          <p:cNvSpPr>
-            <a:spLocks noGrp="1"/>
-          </p:cNvSpPr>
-          <p:nvPr>
-            <p:ph type="sldNum" sz="quarter" idx="12"/>
-          </p:nvPr>
-        </p:nvSpPr>
-        <p:spPr/>
-        <p:txBody>
-          <a:bodyPr/>
-          <a:lstStyle/>
-          <a:p>
-            <a:pPr>
-              <a:defRPr/>
-            </a:pPr>
-            <a:fld id="{825F70CE-84E9-D04C-9B15-10C693AA0F2A}" type="slidenum">
-              <a:rPr lang="en-US" smtClean="0"/>
-              <a:pPr>
-                <a:defRPr/>
-              </a:pPr>
-              <a:t>67</a:t>
-            </a:fld>
-            <a:endParaRPr lang="en-US"/>
-          </a:p>
-        </p:txBody>
-      </p:sp>
-      <p:sp>
-        <p:nvSpPr>
-          <p:cNvPr id="5" name="Footer Placeholder 4"/>
-          <p:cNvSpPr>
-            <a:spLocks noGrp="1"/>
-          </p:cNvSpPr>
-          <p:nvPr>
-            <p:ph type="ftr" sz="quarter" idx="11"/>
-          </p:nvPr>
-        </p:nvSpPr>
-        <p:spPr/>
-        <p:txBody>
-          <a:bodyPr/>
-          <a:lstStyle/>
-          <a:p>
-            <a:pPr>
-              <a:defRPr/>
-            </a:pPr>
-            <a:r>
-              <a:rPr lang="en-US" smtClean="0"/>
-              <a:t>Chapter 4 Requirements engineering</a:t>
-            </a:r>
-            <a:endParaRPr lang="en-US"/>
-          </a:p>
-        </p:txBody>
-      </p:sp>
-    </p:spTree>
-  </p:cSld>
-  <p:clrMapOvr>
-    <a:masterClrMapping/>
-  </p:clrMapOvr>
-  <p:transition/>
-  <p:timing>
-    <p:tnLst>
-      <p:par>
-        <p:cTn id="1" dur="indefinite" restart="never" nodeType="tmRoot"/>
-      </p:par>
-    </p:tnLst>
-  </p:timing>
-</p:sld>
-</file>
-
-<file path=ppt/slides/slide68.xml><?xml version="1.0" encoding="utf-8"?>
-<p:sld xmlns:a="http://schemas.openxmlformats.org/drawingml/2006/main" xmlns:r="http://schemas.openxmlformats.org/officeDocument/2006/relationships" xmlns:p="http://schemas.openxmlformats.org/presentationml/2006/main">
-  <p:cSld>
-    <p:spTree>
-      <p:nvGrpSpPr>
-        <p:cNvPr id="1" name=""/>
-        <p:cNvGrpSpPr/>
-        <p:nvPr/>
-      </p:nvGrpSpPr>
-      <p:grpSpPr>
-        <a:xfrm>
-          <a:off x="0" y="0"/>
-          <a:ext cx="0" cy="0"/>
-          <a:chOff x="0" y="0"/>
-          <a:chExt cx="0" cy="0"/>
-        </a:xfrm>
-      </p:grpSpPr>
-      <p:sp>
-        <p:nvSpPr>
-          <p:cNvPr id="77826" name="Rectangle 2"/>
-          <p:cNvSpPr>
-            <a:spLocks noGrp="1" noChangeArrowheads="1"/>
-          </p:cNvSpPr>
-          <p:nvPr>
-            <p:ph type="title"/>
-          </p:nvPr>
-        </p:nvSpPr>
-        <p:spPr>
-          <a:xfrm>
-            <a:off x="381000" y="266700"/>
-            <a:ext cx="8305800" cy="1104900"/>
-          </a:xfrm>
-        </p:spPr>
-        <p:txBody>
-          <a:bodyPr/>
-          <a:lstStyle/>
-          <a:p>
-            <a:r>
-              <a:rPr lang="en-GB"/>
-              <a:t>Requirements validation techniques</a:t>
-            </a:r>
-          </a:p>
-        </p:txBody>
-      </p:sp>
-      <p:sp>
-        <p:nvSpPr>
-          <p:cNvPr id="77827" name="Rectangle 3"/>
-          <p:cNvSpPr>
-            <a:spLocks noGrp="1" noChangeArrowheads="1"/>
-          </p:cNvSpPr>
-          <p:nvPr>
-            <p:ph type="body" idx="1"/>
-          </p:nvPr>
-        </p:nvSpPr>
-        <p:spPr/>
-        <p:txBody>
-          <a:bodyPr/>
-          <a:lstStyle/>
-          <a:p>
-            <a:pPr>
-              <a:lnSpc>
-                <a:spcPct val="90000"/>
-              </a:lnSpc>
-            </a:pPr>
-            <a:r>
-              <a:rPr lang="en-GB" dirty="0"/>
-              <a:t>Requirements reviews</a:t>
-            </a:r>
-          </a:p>
-          <a:p>
-            <a:pPr lvl="1">
-              <a:lnSpc>
-                <a:spcPct val="90000"/>
-              </a:lnSpc>
-            </a:pPr>
-            <a:r>
-              <a:rPr lang="en-GB" dirty="0"/>
-              <a:t>Systematic manual analysis of the requirements.</a:t>
-            </a:r>
-          </a:p>
-          <a:p>
-            <a:pPr>
-              <a:lnSpc>
-                <a:spcPct val="90000"/>
-              </a:lnSpc>
-            </a:pPr>
-            <a:r>
-              <a:rPr lang="en-GB" dirty="0"/>
-              <a:t>Prototyping</a:t>
-            </a:r>
-          </a:p>
-          <a:p>
-            <a:pPr lvl="1">
-              <a:lnSpc>
-                <a:spcPct val="90000"/>
-              </a:lnSpc>
-            </a:pPr>
-            <a:r>
-              <a:rPr lang="en-GB" dirty="0"/>
-              <a:t>Using an executable model of the system to check requirements. Covered in Chapter</a:t>
-            </a:r>
-            <a:r>
-              <a:rPr lang="en-GB" dirty="0" smtClean="0"/>
-              <a:t> 2.</a:t>
-            </a:r>
-            <a:endParaRPr lang="en-GB" dirty="0"/>
-          </a:p>
-          <a:p>
-            <a:pPr>
-              <a:lnSpc>
-                <a:spcPct val="90000"/>
-              </a:lnSpc>
-            </a:pPr>
-            <a:r>
-              <a:rPr lang="en-GB" dirty="0"/>
-              <a:t>Test-case generation</a:t>
-            </a:r>
-          </a:p>
-          <a:p>
-            <a:pPr lvl="1">
-              <a:lnSpc>
-                <a:spcPct val="90000"/>
-              </a:lnSpc>
-            </a:pPr>
-            <a:r>
-              <a:rPr lang="en-GB" dirty="0"/>
-              <a:t>Developing tests for requirements to check testability.</a:t>
-            </a:r>
-          </a:p>
-          <a:p>
-            <a:pPr>
-              <a:lnSpc>
-                <a:spcPct val="90000"/>
-              </a:lnSpc>
-              <a:buFont typeface="Zapf Dingbats" charset="2"/>
-              <a:buNone/>
-            </a:pPr>
-            <a:endParaRPr lang="en-GB" dirty="0"/>
-          </a:p>
-        </p:txBody>
-      </p:sp>
-      <p:sp>
-        <p:nvSpPr>
-          <p:cNvPr id="4" name="Slide Number Placeholder 3"/>
-          <p:cNvSpPr>
-            <a:spLocks noGrp="1"/>
-          </p:cNvSpPr>
-          <p:nvPr>
-            <p:ph type="sldNum" sz="quarter" idx="12"/>
-          </p:nvPr>
-        </p:nvSpPr>
-        <p:spPr/>
-        <p:txBody>
-          <a:bodyPr/>
-          <a:lstStyle/>
-          <a:p>
-            <a:pPr>
-              <a:defRPr/>
-            </a:pPr>
-            <a:fld id="{825F70CE-84E9-D04C-9B15-10C693AA0F2A}" type="slidenum">
-              <a:rPr lang="en-US" smtClean="0"/>
-              <a:pPr>
-                <a:defRPr/>
-              </a:pPr>
-              <a:t>68</a:t>
-            </a:fld>
-            <a:endParaRPr lang="en-US"/>
-          </a:p>
-        </p:txBody>
-      </p:sp>
-      <p:sp>
-        <p:nvSpPr>
-          <p:cNvPr id="5" name="Footer Placeholder 4"/>
-          <p:cNvSpPr>
-            <a:spLocks noGrp="1"/>
-          </p:cNvSpPr>
-          <p:nvPr>
-            <p:ph type="ftr" sz="quarter" idx="11"/>
-          </p:nvPr>
-        </p:nvSpPr>
-        <p:spPr/>
-        <p:txBody>
-          <a:bodyPr/>
-          <a:lstStyle/>
-          <a:p>
-            <a:pPr>
-              <a:defRPr/>
-            </a:pPr>
-            <a:r>
-              <a:rPr lang="en-US" smtClean="0"/>
-              <a:t>Chapter 4 Requirements engineering</a:t>
-            </a:r>
-            <a:endParaRPr lang="en-US"/>
-          </a:p>
-        </p:txBody>
-      </p:sp>
-    </p:spTree>
-  </p:cSld>
-  <p:clrMapOvr>
-    <a:masterClrMapping/>
-  </p:clrMapOvr>
-  <p:timing>
-    <p:tnLst>
-      <p:par>
-        <p:cTn id="1" dur="indefinite" restart="never" nodeType="tmRoot"/>
-      </p:par>
-    </p:tnLst>
-  </p:timing>
-</p:sld>
-</file>
-
-<file path=ppt/slides/slide69.xml><?xml version="1.0" encoding="utf-8"?>
-<p:sld xmlns:a="http://schemas.openxmlformats.org/drawingml/2006/main" xmlns:r="http://schemas.openxmlformats.org/officeDocument/2006/relationships" xmlns:p="http://schemas.openxmlformats.org/presentationml/2006/main">
-  <p:cSld>
-    <p:spTree>
-      <p:nvGrpSpPr>
-        <p:cNvPr id="1" name=""/>
-        <p:cNvGrpSpPr/>
-        <p:nvPr/>
-      </p:nvGrpSpPr>
-      <p:grpSpPr>
-        <a:xfrm>
-          <a:off x="0" y="0"/>
-          <a:ext cx="0" cy="0"/>
-          <a:chOff x="0" y="0"/>
-          <a:chExt cx="0" cy="0"/>
-        </a:xfrm>
-      </p:grpSpPr>
-      <p:sp>
-        <p:nvSpPr>
-          <p:cNvPr id="59394" name="Rectangle 2"/>
-          <p:cNvSpPr>
-            <a:spLocks noGrp="1" noChangeArrowheads="1"/>
-          </p:cNvSpPr>
-          <p:nvPr>
-            <p:ph type="title"/>
-          </p:nvPr>
-        </p:nvSpPr>
-        <p:spPr>
-          <a:noFill/>
-          <a:ln/>
-        </p:spPr>
-        <p:txBody>
-          <a:bodyPr lIns="90487" tIns="44450" rIns="90487" bIns="44450"/>
-          <a:lstStyle/>
-          <a:p>
-            <a:r>
-              <a:rPr lang="en-GB"/>
-              <a:t>Requirements reviews</a:t>
-            </a:r>
-          </a:p>
-        </p:txBody>
-      </p:sp>
-      <p:sp>
-        <p:nvSpPr>
-          <p:cNvPr id="59395" name="Rectangle 3"/>
-          <p:cNvSpPr>
-            <a:spLocks noGrp="1" noChangeArrowheads="1"/>
-          </p:cNvSpPr>
-          <p:nvPr>
-            <p:ph type="body" idx="1"/>
-          </p:nvPr>
-        </p:nvSpPr>
-        <p:spPr>
-          <a:noFill/>
-          <a:ln/>
-        </p:spPr>
-        <p:txBody>
-          <a:bodyPr lIns="90487" tIns="44450" rIns="90487" bIns="44450"/>
-          <a:lstStyle/>
-          <a:p>
-            <a:r>
-              <a:rPr lang="en-GB"/>
-              <a:t>Regular reviews should be held while the requirements definition is being formulated.</a:t>
-            </a:r>
-          </a:p>
-          <a:p>
-            <a:r>
-              <a:rPr lang="en-GB"/>
-              <a:t>Both client and contractor staff should be involved in reviews.</a:t>
-            </a:r>
-          </a:p>
-          <a:p>
-            <a:r>
-              <a:rPr lang="en-GB"/>
-              <a:t>Reviews may be formal (with completed documents) or informal. Good communications between developers, customers and users can resolve problems at an early stage.</a:t>
-            </a:r>
-          </a:p>
-        </p:txBody>
-      </p:sp>
-      <p:sp>
-        <p:nvSpPr>
-          <p:cNvPr id="4" name="Slide Number Placeholder 3"/>
-          <p:cNvSpPr>
-            <a:spLocks noGrp="1"/>
-          </p:cNvSpPr>
-          <p:nvPr>
-            <p:ph type="sldNum" sz="quarter" idx="12"/>
-          </p:nvPr>
-        </p:nvSpPr>
-        <p:spPr/>
-        <p:txBody>
-          <a:bodyPr/>
-          <a:lstStyle/>
-          <a:p>
-            <a:pPr>
-              <a:defRPr/>
-            </a:pPr>
-            <a:fld id="{825F70CE-84E9-D04C-9B15-10C693AA0F2A}" type="slidenum">
-              <a:rPr lang="en-US" smtClean="0"/>
-              <a:pPr>
-                <a:defRPr/>
-              </a:pPr>
-              <a:t>69</a:t>
-            </a:fld>
-            <a:endParaRPr lang="en-US"/>
-          </a:p>
-        </p:txBody>
-      </p:sp>
-      <p:sp>
-        <p:nvSpPr>
-          <p:cNvPr id="5" name="Footer Placeholder 4"/>
-          <p:cNvSpPr>
-            <a:spLocks noGrp="1"/>
-          </p:cNvSpPr>
-          <p:nvPr>
-            <p:ph type="ftr" sz="quarter" idx="11"/>
-          </p:nvPr>
-        </p:nvSpPr>
-        <p:spPr/>
-        <p:txBody>
-          <a:bodyPr/>
-          <a:lstStyle/>
-          <a:p>
-            <a:pPr>
-              <a:defRPr/>
-            </a:pPr>
-            <a:r>
-              <a:rPr lang="en-US" smtClean="0"/>
-              <a:t>Chapter 4 Requirements engineering</a:t>
-            </a:r>
-            <a:endParaRPr lang="en-US"/>
-          </a:p>
-        </p:txBody>
-      </p:sp>
-    </p:spTree>
-  </p:cSld>
-  <p:clrMapOvr>
-    <a:masterClrMapping/>
-  </p:clrMapOvr>
-  <p:transition/>
-  <p:timing>
-    <p:tnLst>
-      <p:par>
-        <p:cTn id="1" dur="indefinite" restart="never" nodeType="tmRoot"/>
-      </p:par>
-    </p:tnLst>
-  </p:timing>
 </p:sld>
 </file>
 
@@ -20175,7 +18241,7 @@
           <p:nvPr/>
         </p:nvPicPr>
         <mc:AlternateContent xmlns:mc="http://schemas.openxmlformats.org/markup-compatibility/2006">
-          <mc:Choice xmlns:ma="http://schemas.microsoft.com/office/mac/drawingml/2008/main" xmlns:mv="urn:schemas-microsoft-com:mac:vml" xmlns="" Requires="ma">
+          <mc:Choice xmlns="" xmlns:mv="urn:schemas-microsoft-com:mac:vml" xmlns:ma="http://schemas.microsoft.com/office/mac/drawingml/2008/main" Requires="ma">
             <p:blipFill>
               <a:blip r:embed="rId2"/>
               <a:stretch>
@@ -20269,1601 +18335,6 @@
       </p:par>
     </p:tnLst>
   </p:timing>
-</p:sld>
-</file>
-
-<file path=ppt/slides/slide70.xml><?xml version="1.0" encoding="utf-8"?>
-<p:sld xmlns:a="http://schemas.openxmlformats.org/drawingml/2006/main" xmlns:r="http://schemas.openxmlformats.org/officeDocument/2006/relationships" xmlns:p="http://schemas.openxmlformats.org/presentationml/2006/main">
-  <p:cSld>
-    <p:spTree>
-      <p:nvGrpSpPr>
-        <p:cNvPr id="1" name=""/>
-        <p:cNvGrpSpPr/>
-        <p:nvPr/>
-      </p:nvGrpSpPr>
-      <p:grpSpPr>
-        <a:xfrm>
-          <a:off x="0" y="0"/>
-          <a:ext cx="0" cy="0"/>
-          <a:chOff x="0" y="0"/>
-          <a:chExt cx="0" cy="0"/>
-        </a:xfrm>
-      </p:grpSpPr>
-      <p:sp>
-        <p:nvSpPr>
-          <p:cNvPr id="60418" name="Rectangle 2"/>
-          <p:cNvSpPr>
-            <a:spLocks noGrp="1" noChangeArrowheads="1"/>
-          </p:cNvSpPr>
-          <p:nvPr>
-            <p:ph type="title"/>
-          </p:nvPr>
-        </p:nvSpPr>
-        <p:spPr>
-          <a:noFill/>
-          <a:ln/>
-        </p:spPr>
-        <p:txBody>
-          <a:bodyPr lIns="90487" tIns="44450" rIns="90487" bIns="44450"/>
-          <a:lstStyle/>
-          <a:p>
-            <a:r>
-              <a:rPr lang="en-GB"/>
-              <a:t>Review checks</a:t>
-            </a:r>
-          </a:p>
-        </p:txBody>
-      </p:sp>
-      <p:sp>
-        <p:nvSpPr>
-          <p:cNvPr id="60419" name="Rectangle 3"/>
-          <p:cNvSpPr>
-            <a:spLocks noGrp="1" noChangeArrowheads="1"/>
-          </p:cNvSpPr>
-          <p:nvPr>
-            <p:ph type="body" idx="1"/>
-          </p:nvPr>
-        </p:nvSpPr>
-        <p:spPr>
-          <a:noFill/>
-          <a:ln/>
-        </p:spPr>
-        <p:txBody>
-          <a:bodyPr lIns="90487" tIns="44450" rIns="90487" bIns="44450"/>
-          <a:lstStyle/>
-          <a:p>
-            <a:pPr>
-              <a:lnSpc>
-                <a:spcPct val="90000"/>
-              </a:lnSpc>
-            </a:pPr>
-            <a:r>
-              <a:rPr lang="en-GB" dirty="0" smtClean="0">
-                <a:solidFill>
-                  <a:srgbClr val="FF0000"/>
-                </a:solidFill>
-              </a:rPr>
-              <a:t>Verifiability</a:t>
-            </a:r>
-            <a:endParaRPr lang="en-GB" dirty="0" smtClean="0"/>
-          </a:p>
-          <a:p>
-            <a:pPr lvl="1">
-              <a:lnSpc>
-                <a:spcPct val="90000"/>
-              </a:lnSpc>
-            </a:pPr>
-            <a:r>
-              <a:rPr lang="en-GB" dirty="0" smtClean="0"/>
-              <a:t>Is </a:t>
-            </a:r>
-            <a:r>
-              <a:rPr lang="en-GB" dirty="0"/>
-              <a:t>the requirement realistically testable?</a:t>
-            </a:r>
-          </a:p>
-          <a:p>
-            <a:pPr>
-              <a:lnSpc>
-                <a:spcPct val="90000"/>
-              </a:lnSpc>
-            </a:pPr>
-            <a:r>
-              <a:rPr lang="en-GB" dirty="0" smtClean="0">
-                <a:solidFill>
-                  <a:srgbClr val="FF0000"/>
-                </a:solidFill>
-              </a:rPr>
-              <a:t>Comprehensibility</a:t>
-            </a:r>
-            <a:endParaRPr lang="en-GB" dirty="0" smtClean="0"/>
-          </a:p>
-          <a:p>
-            <a:pPr lvl="1">
-              <a:lnSpc>
-                <a:spcPct val="90000"/>
-              </a:lnSpc>
-            </a:pPr>
-            <a:r>
-              <a:rPr lang="en-GB" dirty="0" smtClean="0"/>
-              <a:t>Is </a:t>
-            </a:r>
-            <a:r>
-              <a:rPr lang="en-GB" dirty="0"/>
-              <a:t>the requirement properly understood?</a:t>
-            </a:r>
-          </a:p>
-          <a:p>
-            <a:pPr>
-              <a:lnSpc>
-                <a:spcPct val="90000"/>
-              </a:lnSpc>
-            </a:pPr>
-            <a:r>
-              <a:rPr lang="en-GB" dirty="0" smtClean="0">
-                <a:solidFill>
-                  <a:srgbClr val="FF0000"/>
-                </a:solidFill>
-              </a:rPr>
-              <a:t>Traceability</a:t>
-            </a:r>
-            <a:endParaRPr lang="en-GB" dirty="0" smtClean="0"/>
-          </a:p>
-          <a:p>
-            <a:pPr lvl="1">
-              <a:lnSpc>
-                <a:spcPct val="90000"/>
-              </a:lnSpc>
-            </a:pPr>
-            <a:r>
-              <a:rPr lang="en-GB" dirty="0" smtClean="0"/>
-              <a:t>Is </a:t>
-            </a:r>
-            <a:r>
-              <a:rPr lang="en-GB" dirty="0"/>
-              <a:t>the origin of the requirement clearly stated?</a:t>
-            </a:r>
-          </a:p>
-          <a:p>
-            <a:pPr>
-              <a:lnSpc>
-                <a:spcPct val="90000"/>
-              </a:lnSpc>
-            </a:pPr>
-            <a:r>
-              <a:rPr lang="en-GB" dirty="0" smtClean="0">
-                <a:solidFill>
-                  <a:srgbClr val="FF0000"/>
-                </a:solidFill>
-              </a:rPr>
-              <a:t>Adaptability</a:t>
-            </a:r>
-            <a:endParaRPr lang="en-GB" dirty="0" smtClean="0"/>
-          </a:p>
-          <a:p>
-            <a:pPr lvl="1">
-              <a:lnSpc>
-                <a:spcPct val="90000"/>
-              </a:lnSpc>
-            </a:pPr>
-            <a:r>
-              <a:rPr lang="en-GB" dirty="0" smtClean="0"/>
-              <a:t>Can </a:t>
-            </a:r>
-            <a:r>
-              <a:rPr lang="en-GB" dirty="0"/>
-              <a:t>the requirement be changed without a large impact on other requirements?</a:t>
-            </a:r>
-          </a:p>
-        </p:txBody>
-      </p:sp>
-      <p:sp>
-        <p:nvSpPr>
-          <p:cNvPr id="4" name="Slide Number Placeholder 3"/>
-          <p:cNvSpPr>
-            <a:spLocks noGrp="1"/>
-          </p:cNvSpPr>
-          <p:nvPr>
-            <p:ph type="sldNum" sz="quarter" idx="12"/>
-          </p:nvPr>
-        </p:nvSpPr>
-        <p:spPr/>
-        <p:txBody>
-          <a:bodyPr/>
-          <a:lstStyle/>
-          <a:p>
-            <a:pPr>
-              <a:defRPr/>
-            </a:pPr>
-            <a:fld id="{825F70CE-84E9-D04C-9B15-10C693AA0F2A}" type="slidenum">
-              <a:rPr lang="en-US" smtClean="0"/>
-              <a:pPr>
-                <a:defRPr/>
-              </a:pPr>
-              <a:t>70</a:t>
-            </a:fld>
-            <a:endParaRPr lang="en-US"/>
-          </a:p>
-        </p:txBody>
-      </p:sp>
-      <p:sp>
-        <p:nvSpPr>
-          <p:cNvPr id="5" name="Footer Placeholder 4"/>
-          <p:cNvSpPr>
-            <a:spLocks noGrp="1"/>
-          </p:cNvSpPr>
-          <p:nvPr>
-            <p:ph type="ftr" sz="quarter" idx="11"/>
-          </p:nvPr>
-        </p:nvSpPr>
-        <p:spPr/>
-        <p:txBody>
-          <a:bodyPr/>
-          <a:lstStyle/>
-          <a:p>
-            <a:pPr>
-              <a:defRPr/>
-            </a:pPr>
-            <a:r>
-              <a:rPr lang="en-US" smtClean="0"/>
-              <a:t>Chapter 4 Requirements engineering</a:t>
-            </a:r>
-            <a:endParaRPr lang="en-US"/>
-          </a:p>
-        </p:txBody>
-      </p:sp>
-    </p:spTree>
-  </p:cSld>
-  <p:clrMapOvr>
-    <a:masterClrMapping/>
-  </p:clrMapOvr>
-  <p:transition/>
-  <p:timing>
-    <p:tnLst>
-      <p:par>
-        <p:cTn id="1" dur="indefinite" restart="never" nodeType="tmRoot"/>
-      </p:par>
-    </p:tnLst>
-  </p:timing>
-</p:sld>
-</file>
-
-<file path=ppt/slides/slide71.xml><?xml version="1.0" encoding="utf-8"?>
-<p:sld xmlns:a="http://schemas.openxmlformats.org/drawingml/2006/main" xmlns:r="http://schemas.openxmlformats.org/officeDocument/2006/relationships" xmlns:p="http://schemas.openxmlformats.org/presentationml/2006/main">
-  <p:cSld>
-    <p:spTree>
-      <p:nvGrpSpPr>
-        <p:cNvPr id="1" name=""/>
-        <p:cNvGrpSpPr/>
-        <p:nvPr/>
-      </p:nvGrpSpPr>
-      <p:grpSpPr>
-        <a:xfrm>
-          <a:off x="0" y="0"/>
-          <a:ext cx="0" cy="0"/>
-          <a:chOff x="0" y="0"/>
-          <a:chExt cx="0" cy="0"/>
-        </a:xfrm>
-      </p:grpSpPr>
-      <p:sp>
-        <p:nvSpPr>
-          <p:cNvPr id="55298" name="Rectangle 2"/>
-          <p:cNvSpPr>
-            <a:spLocks noGrp="1" noChangeArrowheads="1"/>
-          </p:cNvSpPr>
-          <p:nvPr>
-            <p:ph type="title"/>
-          </p:nvPr>
-        </p:nvSpPr>
-        <p:spPr/>
-        <p:txBody>
-          <a:bodyPr/>
-          <a:lstStyle/>
-          <a:p>
-            <a:r>
-              <a:rPr lang="en-GB"/>
-              <a:t>Requirements management</a:t>
-            </a:r>
-          </a:p>
-        </p:txBody>
-      </p:sp>
-      <p:sp>
-        <p:nvSpPr>
-          <p:cNvPr id="55299" name="Rectangle 3"/>
-          <p:cNvSpPr>
-            <a:spLocks noGrp="1" noChangeArrowheads="1"/>
-          </p:cNvSpPr>
-          <p:nvPr>
-            <p:ph type="body" idx="1"/>
-          </p:nvPr>
-        </p:nvSpPr>
-        <p:spPr/>
-        <p:txBody>
-          <a:bodyPr/>
-          <a:lstStyle/>
-          <a:p>
-            <a:r>
-              <a:rPr lang="en-GB" sz="2400" dirty="0"/>
-              <a:t>Requirements management is the process of managing changing requirements during the requirements engineering process and system development</a:t>
-            </a:r>
-            <a:r>
-              <a:rPr lang="en-GB" sz="2400" dirty="0" smtClean="0"/>
-              <a:t>.</a:t>
-            </a:r>
-          </a:p>
-          <a:p>
-            <a:r>
-              <a:rPr lang="en-GB" dirty="0" smtClean="0"/>
-              <a:t>New requirements emerge as a system is being developed and after it has gone into use.</a:t>
-            </a:r>
-          </a:p>
-          <a:p>
-            <a:r>
-              <a:rPr lang="en-US" dirty="0" smtClean="0"/>
-              <a:t>You need to keep track of individual requirements and maintain links between dependent requirements so that you can assess the impact of requirements changes. You need to establish a formal process for making change proposals and linking these to system requirements.</a:t>
-            </a:r>
-            <a:r>
-              <a:rPr lang="en-GB" dirty="0" smtClean="0"/>
-              <a:t> </a:t>
-            </a:r>
-            <a:endParaRPr lang="en-GB" sz="2400" dirty="0"/>
-          </a:p>
-        </p:txBody>
-      </p:sp>
-      <p:sp>
-        <p:nvSpPr>
-          <p:cNvPr id="4" name="Slide Number Placeholder 3"/>
-          <p:cNvSpPr>
-            <a:spLocks noGrp="1"/>
-          </p:cNvSpPr>
-          <p:nvPr>
-            <p:ph type="sldNum" sz="quarter" idx="12"/>
-          </p:nvPr>
-        </p:nvSpPr>
-        <p:spPr/>
-        <p:txBody>
-          <a:bodyPr/>
-          <a:lstStyle/>
-          <a:p>
-            <a:pPr>
-              <a:defRPr/>
-            </a:pPr>
-            <a:fld id="{825F70CE-84E9-D04C-9B15-10C693AA0F2A}" type="slidenum">
-              <a:rPr lang="en-US" smtClean="0"/>
-              <a:pPr>
-                <a:defRPr/>
-              </a:pPr>
-              <a:t>71</a:t>
-            </a:fld>
-            <a:endParaRPr lang="en-US"/>
-          </a:p>
-        </p:txBody>
-      </p:sp>
-      <p:sp>
-        <p:nvSpPr>
-          <p:cNvPr id="5" name="Footer Placeholder 4"/>
-          <p:cNvSpPr>
-            <a:spLocks noGrp="1"/>
-          </p:cNvSpPr>
-          <p:nvPr>
-            <p:ph type="ftr" sz="quarter" idx="11"/>
-          </p:nvPr>
-        </p:nvSpPr>
-        <p:spPr/>
-        <p:txBody>
-          <a:bodyPr/>
-          <a:lstStyle/>
-          <a:p>
-            <a:pPr>
-              <a:defRPr/>
-            </a:pPr>
-            <a:r>
-              <a:rPr lang="en-US" smtClean="0"/>
-              <a:t>Chapter 4 Requirements engineering</a:t>
-            </a:r>
-            <a:endParaRPr lang="en-US"/>
-          </a:p>
-        </p:txBody>
-      </p:sp>
-    </p:spTree>
-  </p:cSld>
-  <p:clrMapOvr>
-    <a:masterClrMapping/>
-  </p:clrMapOvr>
-  <p:timing>
-    <p:tnLst>
-      <p:par>
-        <p:cTn id="1" dur="indefinite" restart="never" nodeType="tmRoot"/>
-      </p:par>
-    </p:tnLst>
-  </p:timing>
-</p:sld>
-</file>
-
-<file path=ppt/slides/slide72.xml><?xml version="1.0" encoding="utf-8"?>
-<p:sld xmlns:a="http://schemas.openxmlformats.org/drawingml/2006/main" xmlns:r="http://schemas.openxmlformats.org/officeDocument/2006/relationships" xmlns:p="http://schemas.openxmlformats.org/presentationml/2006/main">
-  <p:cSld>
-    <p:spTree>
-      <p:nvGrpSpPr>
-        <p:cNvPr id="1" name=""/>
-        <p:cNvGrpSpPr/>
-        <p:nvPr/>
-      </p:nvGrpSpPr>
-      <p:grpSpPr>
-        <a:xfrm>
-          <a:off x="0" y="0"/>
-          <a:ext cx="0" cy="0"/>
-          <a:chOff x="0" y="0"/>
-          <a:chExt cx="0" cy="0"/>
-        </a:xfrm>
-      </p:grpSpPr>
-      <p:sp>
-        <p:nvSpPr>
-          <p:cNvPr id="2" name="Title 1"/>
-          <p:cNvSpPr>
-            <a:spLocks noGrp="1"/>
-          </p:cNvSpPr>
-          <p:nvPr>
-            <p:ph type="title"/>
-          </p:nvPr>
-        </p:nvSpPr>
-        <p:spPr/>
-        <p:txBody>
-          <a:bodyPr/>
-          <a:lstStyle/>
-          <a:p>
-            <a:r>
-              <a:rPr lang="en-US" dirty="0" smtClean="0"/>
-              <a:t>Changing requirements</a:t>
-            </a:r>
-            <a:endParaRPr lang="en-US" dirty="0"/>
-          </a:p>
-        </p:txBody>
-      </p:sp>
-      <p:sp>
-        <p:nvSpPr>
-          <p:cNvPr id="3" name="Content Placeholder 2"/>
-          <p:cNvSpPr>
-            <a:spLocks noGrp="1"/>
-          </p:cNvSpPr>
-          <p:nvPr>
-            <p:ph idx="1"/>
-          </p:nvPr>
-        </p:nvSpPr>
-        <p:spPr/>
-        <p:txBody>
-          <a:bodyPr/>
-          <a:lstStyle/>
-          <a:p>
-            <a:r>
-              <a:rPr lang="en-US" dirty="0" smtClean="0"/>
-              <a:t>The business and technical environment of the system always changes after installation. </a:t>
-            </a:r>
-          </a:p>
-          <a:p>
-            <a:pPr lvl="1"/>
-            <a:r>
-              <a:rPr lang="en-US" dirty="0" smtClean="0"/>
-              <a:t>New hardware may be introduced, it may be necessary to interface the system with other systems, business priorities may change (with consequent changes in the system support required), and new legislation and regulations may be introduced that the system must necessarily abide by. </a:t>
-            </a:r>
-            <a:endParaRPr lang="en-GB" dirty="0" smtClean="0"/>
-          </a:p>
-          <a:p>
-            <a:r>
-              <a:rPr lang="en-US" dirty="0" smtClean="0"/>
-              <a:t>The people who pay for a system and the users of that system are rarely the same people. </a:t>
-            </a:r>
-          </a:p>
-          <a:p>
-            <a:pPr lvl="1"/>
-            <a:r>
-              <a:rPr lang="en-US" dirty="0" smtClean="0"/>
-              <a:t>System customers impose requirements because of organizational and budgetary constraints. These may conflict with end-user requirements and, after delivery, new features may have to be added for user support if the system is to meet its goals.</a:t>
-            </a:r>
-            <a:endParaRPr lang="en-GB" dirty="0" smtClean="0"/>
-          </a:p>
-          <a:p>
-            <a:endParaRPr lang="en-GB" dirty="0" smtClean="0"/>
-          </a:p>
-          <a:p>
-            <a:endParaRPr lang="en-US" dirty="0"/>
-          </a:p>
-        </p:txBody>
-      </p:sp>
-      <p:sp>
-        <p:nvSpPr>
-          <p:cNvPr id="4" name="Footer Placeholder 3"/>
-          <p:cNvSpPr>
-            <a:spLocks noGrp="1"/>
-          </p:cNvSpPr>
-          <p:nvPr>
-            <p:ph type="ftr" sz="quarter" idx="11"/>
-          </p:nvPr>
-        </p:nvSpPr>
-        <p:spPr/>
-        <p:txBody>
-          <a:bodyPr/>
-          <a:lstStyle/>
-          <a:p>
-            <a:pPr>
-              <a:defRPr/>
-            </a:pPr>
-            <a:r>
-              <a:rPr lang="en-US" smtClean="0"/>
-              <a:t>Chapter 4 Requirements engineering</a:t>
-            </a:r>
-            <a:endParaRPr lang="en-US"/>
-          </a:p>
-        </p:txBody>
-      </p:sp>
-      <p:sp>
-        <p:nvSpPr>
-          <p:cNvPr id="5" name="Slide Number Placeholder 4"/>
-          <p:cNvSpPr>
-            <a:spLocks noGrp="1"/>
-          </p:cNvSpPr>
-          <p:nvPr>
-            <p:ph type="sldNum" sz="quarter" idx="12"/>
-          </p:nvPr>
-        </p:nvSpPr>
-        <p:spPr/>
-        <p:txBody>
-          <a:bodyPr/>
-          <a:lstStyle/>
-          <a:p>
-            <a:pPr>
-              <a:defRPr/>
-            </a:pPr>
-            <a:fld id="{825F70CE-84E9-D04C-9B15-10C693AA0F2A}" type="slidenum">
-              <a:rPr lang="en-US" smtClean="0"/>
-              <a:pPr>
-                <a:defRPr/>
-              </a:pPr>
-              <a:t>72</a:t>
-            </a:fld>
-            <a:endParaRPr lang="en-US"/>
-          </a:p>
-        </p:txBody>
-      </p:sp>
-    </p:spTree>
-  </p:cSld>
-  <p:clrMapOvr>
-    <a:masterClrMapping/>
-  </p:clrMapOvr>
-  <p:timing>
-    <p:tnLst>
-      <p:par>
-        <p:cTn id="1" dur="indefinite" restart="never" nodeType="tmRoot"/>
-      </p:par>
-    </p:tnLst>
-  </p:timing>
-</p:sld>
-</file>
-
-<file path=ppt/slides/slide73.xml><?xml version="1.0" encoding="utf-8"?>
-<p:sld xmlns:a="http://schemas.openxmlformats.org/drawingml/2006/main" xmlns:r="http://schemas.openxmlformats.org/officeDocument/2006/relationships" xmlns:p="http://schemas.openxmlformats.org/presentationml/2006/main">
-  <p:cSld>
-    <p:spTree>
-      <p:nvGrpSpPr>
-        <p:cNvPr id="1" name=""/>
-        <p:cNvGrpSpPr/>
-        <p:nvPr/>
-      </p:nvGrpSpPr>
-      <p:grpSpPr>
-        <a:xfrm>
-          <a:off x="0" y="0"/>
-          <a:ext cx="0" cy="0"/>
-          <a:chOff x="0" y="0"/>
-          <a:chExt cx="0" cy="0"/>
-        </a:xfrm>
-      </p:grpSpPr>
-      <p:sp>
-        <p:nvSpPr>
-          <p:cNvPr id="2" name="Title 1"/>
-          <p:cNvSpPr>
-            <a:spLocks noGrp="1"/>
-          </p:cNvSpPr>
-          <p:nvPr>
-            <p:ph type="title"/>
-          </p:nvPr>
-        </p:nvSpPr>
-        <p:spPr/>
-        <p:txBody>
-          <a:bodyPr/>
-          <a:lstStyle/>
-          <a:p>
-            <a:r>
-              <a:rPr lang="en-US" dirty="0" smtClean="0"/>
-              <a:t>Changing requirements</a:t>
-            </a:r>
-            <a:endParaRPr lang="en-US" dirty="0"/>
-          </a:p>
-        </p:txBody>
-      </p:sp>
-      <p:sp>
-        <p:nvSpPr>
-          <p:cNvPr id="3" name="Content Placeholder 2"/>
-          <p:cNvSpPr>
-            <a:spLocks noGrp="1"/>
-          </p:cNvSpPr>
-          <p:nvPr>
-            <p:ph idx="1"/>
-          </p:nvPr>
-        </p:nvSpPr>
-        <p:spPr/>
-        <p:txBody>
-          <a:bodyPr/>
-          <a:lstStyle/>
-          <a:p>
-            <a:r>
-              <a:rPr lang="en-US" dirty="0" smtClean="0"/>
-              <a:t>Large systems usually have a diverse user community, with many users having different requirements and priorities that may be conflicting or contradictory. </a:t>
-            </a:r>
-          </a:p>
-          <a:p>
-            <a:pPr lvl="1"/>
-            <a:r>
-              <a:rPr lang="en-US" dirty="0" smtClean="0"/>
-              <a:t>The final system requirements are inevitably a compromise between them and, with experience, it is often discovered that the balance of support given to different users has to be changed.</a:t>
-            </a:r>
-            <a:endParaRPr lang="en-US" dirty="0"/>
-          </a:p>
-        </p:txBody>
-      </p:sp>
-      <p:sp>
-        <p:nvSpPr>
-          <p:cNvPr id="4" name="Footer Placeholder 3"/>
-          <p:cNvSpPr>
-            <a:spLocks noGrp="1"/>
-          </p:cNvSpPr>
-          <p:nvPr>
-            <p:ph type="ftr" sz="quarter" idx="11"/>
-          </p:nvPr>
-        </p:nvSpPr>
-        <p:spPr/>
-        <p:txBody>
-          <a:bodyPr/>
-          <a:lstStyle/>
-          <a:p>
-            <a:pPr>
-              <a:defRPr/>
-            </a:pPr>
-            <a:r>
-              <a:rPr lang="en-US" smtClean="0"/>
-              <a:t>Chapter 4 Requirements engineering</a:t>
-            </a:r>
-            <a:endParaRPr lang="en-US"/>
-          </a:p>
-        </p:txBody>
-      </p:sp>
-      <p:sp>
-        <p:nvSpPr>
-          <p:cNvPr id="5" name="Slide Number Placeholder 4"/>
-          <p:cNvSpPr>
-            <a:spLocks noGrp="1"/>
-          </p:cNvSpPr>
-          <p:nvPr>
-            <p:ph type="sldNum" sz="quarter" idx="12"/>
-          </p:nvPr>
-        </p:nvSpPr>
-        <p:spPr/>
-        <p:txBody>
-          <a:bodyPr/>
-          <a:lstStyle/>
-          <a:p>
-            <a:pPr>
-              <a:defRPr/>
-            </a:pPr>
-            <a:fld id="{825F70CE-84E9-D04C-9B15-10C693AA0F2A}" type="slidenum">
-              <a:rPr lang="en-US" smtClean="0"/>
-              <a:pPr>
-                <a:defRPr/>
-              </a:pPr>
-              <a:t>73</a:t>
-            </a:fld>
-            <a:endParaRPr lang="en-US"/>
-          </a:p>
-        </p:txBody>
-      </p:sp>
-    </p:spTree>
-  </p:cSld>
-  <p:clrMapOvr>
-    <a:masterClrMapping/>
-  </p:clrMapOvr>
-  <p:timing>
-    <p:tnLst>
-      <p:par>
-        <p:cTn id="1" dur="indefinite" restart="never" nodeType="tmRoot"/>
-      </p:par>
-    </p:tnLst>
-  </p:timing>
-</p:sld>
-</file>
-
-<file path=ppt/slides/slide74.xml><?xml version="1.0" encoding="utf-8"?>
-<p:sld xmlns:a="http://schemas.openxmlformats.org/drawingml/2006/main" xmlns:r="http://schemas.openxmlformats.org/officeDocument/2006/relationships" xmlns:p="http://schemas.openxmlformats.org/presentationml/2006/main">
-  <p:cSld>
-    <p:spTree>
-      <p:nvGrpSpPr>
-        <p:cNvPr id="1" name=""/>
-        <p:cNvGrpSpPr/>
-        <p:nvPr/>
-      </p:nvGrpSpPr>
-      <p:grpSpPr>
-        <a:xfrm>
-          <a:off x="0" y="0"/>
-          <a:ext cx="0" cy="0"/>
-          <a:chOff x="0" y="0"/>
-          <a:chExt cx="0" cy="0"/>
-        </a:xfrm>
-      </p:grpSpPr>
-      <p:sp>
-        <p:nvSpPr>
-          <p:cNvPr id="34818" name="Title 1"/>
-          <p:cNvSpPr>
-            <a:spLocks noGrp="1"/>
-          </p:cNvSpPr>
-          <p:nvPr>
-            <p:ph type="title"/>
-          </p:nvPr>
-        </p:nvSpPr>
-        <p:spPr/>
-        <p:txBody>
-          <a:bodyPr/>
-          <a:lstStyle/>
-          <a:p>
-            <a:pPr eaLnBrk="1" hangingPunct="1"/>
-            <a:r>
-              <a:rPr lang="en-US" dirty="0" smtClean="0"/>
-              <a:t>Requirements evolution</a:t>
-            </a:r>
-            <a:r>
-              <a:rPr lang="en-GB" dirty="0" smtClean="0"/>
-              <a:t> </a:t>
-            </a:r>
-            <a:endParaRPr lang="en-US" dirty="0" smtClean="0"/>
-          </a:p>
-        </p:txBody>
-      </p:sp>
-      <p:pic>
-        <p:nvPicPr>
-          <p:cNvPr id="4" name="Picture 3" descr="4.17 ReqEvolution.eps"/>
-          <p:cNvPicPr>
-            <a:picLocks noChangeAspect="1"/>
-          </p:cNvPicPr>
-          <p:nvPr/>
-        </p:nvPicPr>
-        <mc:AlternateContent xmlns:mc="http://schemas.openxmlformats.org/markup-compatibility/2006">
-          <mc:Choice xmlns:ma="http://schemas.microsoft.com/office/mac/drawingml/2008/main" xmlns:mv="urn:schemas-microsoft-com:mac:vml" xmlns="" Requires="ma">
-            <p:blipFill>
-              <a:blip r:embed="rId2"/>
-              <a:stretch>
-                <a:fillRect/>
-              </a:stretch>
-            </p:blipFill>
-          </mc:Choice>
-          <mc:Fallback>
-            <p:blipFill>
-              <a:blip r:embed="rId3"/>
-              <a:stretch>
-                <a:fillRect/>
-              </a:stretch>
-            </p:blipFill>
-          </mc:Fallback>
-        </mc:AlternateContent>
-        <p:spPr>
-          <a:xfrm>
-            <a:off x="2133600" y="2514600"/>
-            <a:ext cx="5005917" cy="2514600"/>
-          </a:xfrm>
-          <a:prstGeom prst="rect">
-            <a:avLst/>
-          </a:prstGeom>
-        </p:spPr>
-      </p:pic>
-      <p:sp>
-        <p:nvSpPr>
-          <p:cNvPr id="5" name="Slide Number Placeholder 4"/>
-          <p:cNvSpPr>
-            <a:spLocks noGrp="1"/>
-          </p:cNvSpPr>
-          <p:nvPr>
-            <p:ph type="sldNum" sz="quarter" idx="12"/>
-          </p:nvPr>
-        </p:nvSpPr>
-        <p:spPr/>
-        <p:txBody>
-          <a:bodyPr/>
-          <a:lstStyle/>
-          <a:p>
-            <a:pPr>
-              <a:defRPr/>
-            </a:pPr>
-            <a:fld id="{825F70CE-84E9-D04C-9B15-10C693AA0F2A}" type="slidenum">
-              <a:rPr lang="en-US" smtClean="0"/>
-              <a:pPr>
-                <a:defRPr/>
-              </a:pPr>
-              <a:t>74</a:t>
-            </a:fld>
-            <a:endParaRPr lang="en-US"/>
-          </a:p>
-        </p:txBody>
-      </p:sp>
-      <p:sp>
-        <p:nvSpPr>
-          <p:cNvPr id="6" name="Footer Placeholder 5"/>
-          <p:cNvSpPr>
-            <a:spLocks noGrp="1"/>
-          </p:cNvSpPr>
-          <p:nvPr>
-            <p:ph type="ftr" sz="quarter" idx="11"/>
-          </p:nvPr>
-        </p:nvSpPr>
-        <p:spPr/>
-        <p:txBody>
-          <a:bodyPr/>
-          <a:lstStyle/>
-          <a:p>
-            <a:pPr>
-              <a:defRPr/>
-            </a:pPr>
-            <a:r>
-              <a:rPr lang="en-US" smtClean="0"/>
-              <a:t>Chapter 4 Requirements engineering</a:t>
-            </a:r>
-            <a:endParaRPr lang="en-US"/>
-          </a:p>
-        </p:txBody>
-      </p:sp>
-    </p:spTree>
-  </p:cSld>
-  <p:clrMapOvr>
-    <a:masterClrMapping/>
-  </p:clrMapOvr>
-  <p:timing>
-    <p:tnLst>
-      <p:par>
-        <p:cTn id="1" dur="indefinite" restart="never" nodeType="tmRoot"/>
-      </p:par>
-    </p:tnLst>
-  </p:timing>
-</p:sld>
-</file>
-
-<file path=ppt/slides/slide75.xml><?xml version="1.0" encoding="utf-8"?>
-<p:sld xmlns:a="http://schemas.openxmlformats.org/drawingml/2006/main" xmlns:r="http://schemas.openxmlformats.org/officeDocument/2006/relationships" xmlns:p="http://schemas.openxmlformats.org/presentationml/2006/main">
-  <p:cSld>
-    <p:spTree>
-      <p:nvGrpSpPr>
-        <p:cNvPr id="1" name=""/>
-        <p:cNvGrpSpPr/>
-        <p:nvPr/>
-      </p:nvGrpSpPr>
-      <p:grpSpPr>
-        <a:xfrm>
-          <a:off x="0" y="0"/>
-          <a:ext cx="0" cy="0"/>
-          <a:chOff x="0" y="0"/>
-          <a:chExt cx="0" cy="0"/>
-        </a:xfrm>
-      </p:grpSpPr>
-      <p:sp>
-        <p:nvSpPr>
-          <p:cNvPr id="2" name="Title 1"/>
-          <p:cNvSpPr>
-            <a:spLocks noGrp="1"/>
-          </p:cNvSpPr>
-          <p:nvPr>
-            <p:ph type="title"/>
-          </p:nvPr>
-        </p:nvSpPr>
-        <p:spPr/>
-        <p:txBody>
-          <a:bodyPr/>
-          <a:lstStyle/>
-          <a:p>
-            <a:r>
-              <a:rPr lang="en-US" dirty="0" smtClean="0"/>
-              <a:t>Requirements management planning</a:t>
-            </a:r>
-            <a:endParaRPr lang="en-US" dirty="0"/>
-          </a:p>
-        </p:txBody>
-      </p:sp>
-      <p:sp>
-        <p:nvSpPr>
-          <p:cNvPr id="3" name="Content Placeholder 2"/>
-          <p:cNvSpPr>
-            <a:spLocks noGrp="1"/>
-          </p:cNvSpPr>
-          <p:nvPr>
-            <p:ph idx="1"/>
-          </p:nvPr>
-        </p:nvSpPr>
-        <p:spPr>
-          <a:xfrm>
-            <a:off x="304800" y="1524000"/>
-            <a:ext cx="8686800" cy="4525963"/>
-          </a:xfrm>
-        </p:spPr>
-        <p:txBody>
-          <a:bodyPr/>
-          <a:lstStyle/>
-          <a:p>
-            <a:r>
-              <a:rPr lang="en-US" dirty="0" smtClean="0"/>
-              <a:t>Establishes the level of requirements management detail that is required.</a:t>
-            </a:r>
-          </a:p>
-          <a:p>
-            <a:r>
-              <a:rPr lang="en-US" dirty="0" smtClean="0"/>
-              <a:t>Requirements management decisions:</a:t>
-            </a:r>
-          </a:p>
-          <a:p>
-            <a:pPr lvl="1"/>
-            <a:r>
-              <a:rPr lang="en-US" i="1" dirty="0" smtClean="0">
-                <a:solidFill>
-                  <a:srgbClr val="FF0000"/>
-                </a:solidFill>
-              </a:rPr>
-              <a:t>Requirements identification</a:t>
-            </a:r>
-            <a:r>
-              <a:rPr lang="en-US" dirty="0" smtClean="0">
-                <a:solidFill>
-                  <a:srgbClr val="FF0000"/>
-                </a:solidFill>
-              </a:rPr>
-              <a:t> </a:t>
-            </a:r>
-            <a:r>
-              <a:rPr lang="en-US" dirty="0" smtClean="0"/>
-              <a:t>Each requirement must be uniquely identified so that it can be cross-referenced with other requirements. </a:t>
-            </a:r>
-            <a:endParaRPr lang="en-GB" dirty="0" smtClean="0"/>
-          </a:p>
-          <a:p>
-            <a:pPr lvl="1"/>
-            <a:r>
-              <a:rPr lang="en-US" i="1" dirty="0" smtClean="0">
-                <a:solidFill>
-                  <a:srgbClr val="FF0000"/>
-                </a:solidFill>
-              </a:rPr>
-              <a:t>A change management process</a:t>
-            </a:r>
-            <a:r>
-              <a:rPr lang="en-US" dirty="0" smtClean="0">
-                <a:solidFill>
-                  <a:srgbClr val="FF0000"/>
-                </a:solidFill>
-              </a:rPr>
-              <a:t> </a:t>
-            </a:r>
-            <a:r>
-              <a:rPr lang="en-US" dirty="0" smtClean="0"/>
-              <a:t>This is the set of activities that assess the impact and cost of changes. I discuss this process in more detail in the following section.</a:t>
-            </a:r>
-            <a:endParaRPr lang="en-GB" dirty="0" smtClean="0"/>
-          </a:p>
-          <a:p>
-            <a:pPr lvl="1"/>
-            <a:r>
-              <a:rPr lang="en-US" i="1" dirty="0" smtClean="0">
-                <a:solidFill>
-                  <a:srgbClr val="FF0000"/>
-                </a:solidFill>
-              </a:rPr>
-              <a:t>Traceability policies</a:t>
-            </a:r>
-            <a:r>
-              <a:rPr lang="en-US" dirty="0" smtClean="0">
-                <a:solidFill>
-                  <a:srgbClr val="FF0000"/>
-                </a:solidFill>
-              </a:rPr>
-              <a:t> </a:t>
-            </a:r>
-            <a:r>
-              <a:rPr lang="en-US" dirty="0" smtClean="0"/>
-              <a:t>These policies define the relationships between each requirement and between the requirements and the system design that should be recorded. </a:t>
-            </a:r>
-            <a:endParaRPr lang="en-GB" dirty="0" smtClean="0"/>
-          </a:p>
-          <a:p>
-            <a:pPr lvl="1"/>
-            <a:r>
-              <a:rPr lang="en-US" i="1" dirty="0" smtClean="0">
-                <a:solidFill>
-                  <a:srgbClr val="FF0000"/>
-                </a:solidFill>
-              </a:rPr>
-              <a:t>Tool support</a:t>
-            </a:r>
-            <a:r>
-              <a:rPr lang="en-US" dirty="0" smtClean="0">
-                <a:solidFill>
-                  <a:srgbClr val="FF0000"/>
-                </a:solidFill>
-              </a:rPr>
-              <a:t> </a:t>
-            </a:r>
-            <a:r>
-              <a:rPr lang="en-US" dirty="0" smtClean="0"/>
-              <a:t>Tools that may be used range from specialist requirements management systems to spreadsheets and simple database systems.</a:t>
-            </a:r>
-            <a:endParaRPr lang="en-GB" dirty="0" smtClean="0"/>
-          </a:p>
-          <a:p>
-            <a:endParaRPr lang="en-US" dirty="0"/>
-          </a:p>
-        </p:txBody>
-      </p:sp>
-      <p:sp>
-        <p:nvSpPr>
-          <p:cNvPr id="4" name="Footer Placeholder 3"/>
-          <p:cNvSpPr>
-            <a:spLocks noGrp="1"/>
-          </p:cNvSpPr>
-          <p:nvPr>
-            <p:ph type="ftr" sz="quarter" idx="11"/>
-          </p:nvPr>
-        </p:nvSpPr>
-        <p:spPr/>
-        <p:txBody>
-          <a:bodyPr/>
-          <a:lstStyle/>
-          <a:p>
-            <a:pPr>
-              <a:defRPr/>
-            </a:pPr>
-            <a:r>
-              <a:rPr lang="en-US" smtClean="0"/>
-              <a:t>Chapter 4 Requirements engineering</a:t>
-            </a:r>
-            <a:endParaRPr lang="en-US"/>
-          </a:p>
-        </p:txBody>
-      </p:sp>
-      <p:sp>
-        <p:nvSpPr>
-          <p:cNvPr id="5" name="Slide Number Placeholder 4"/>
-          <p:cNvSpPr>
-            <a:spLocks noGrp="1"/>
-          </p:cNvSpPr>
-          <p:nvPr>
-            <p:ph type="sldNum" sz="quarter" idx="12"/>
-          </p:nvPr>
-        </p:nvSpPr>
-        <p:spPr/>
-        <p:txBody>
-          <a:bodyPr/>
-          <a:lstStyle/>
-          <a:p>
-            <a:pPr>
-              <a:defRPr/>
-            </a:pPr>
-            <a:fld id="{825F70CE-84E9-D04C-9B15-10C693AA0F2A}" type="slidenum">
-              <a:rPr lang="en-US" smtClean="0"/>
-              <a:pPr>
-                <a:defRPr/>
-              </a:pPr>
-              <a:t>75</a:t>
-            </a:fld>
-            <a:endParaRPr lang="en-US" dirty="0"/>
-          </a:p>
-        </p:txBody>
-      </p:sp>
-    </p:spTree>
-  </p:cSld>
-  <p:clrMapOvr>
-    <a:masterClrMapping/>
-  </p:clrMapOvr>
-  <p:timing>
-    <p:tnLst>
-      <p:par>
-        <p:cTn id="1" dur="indefinite" restart="never" nodeType="tmRoot"/>
-      </p:par>
-    </p:tnLst>
-  </p:timing>
-</p:sld>
-</file>
-
-<file path=ppt/slides/slide76.xml><?xml version="1.0" encoding="utf-8"?>
-<p:sld xmlns:a="http://schemas.openxmlformats.org/drawingml/2006/main" xmlns:r="http://schemas.openxmlformats.org/officeDocument/2006/relationships" xmlns:p="http://schemas.openxmlformats.org/presentationml/2006/main">
-  <p:cSld>
-    <p:spTree>
-      <p:nvGrpSpPr>
-        <p:cNvPr id="1" name=""/>
-        <p:cNvGrpSpPr/>
-        <p:nvPr/>
-      </p:nvGrpSpPr>
-      <p:grpSpPr>
-        <a:xfrm>
-          <a:off x="0" y="0"/>
-          <a:ext cx="0" cy="0"/>
-          <a:chOff x="0" y="0"/>
-          <a:chExt cx="0" cy="0"/>
-        </a:xfrm>
-      </p:grpSpPr>
-      <p:sp>
-        <p:nvSpPr>
-          <p:cNvPr id="2" name="Title 1"/>
-          <p:cNvSpPr>
-            <a:spLocks noGrp="1"/>
-          </p:cNvSpPr>
-          <p:nvPr>
-            <p:ph type="title"/>
-          </p:nvPr>
-        </p:nvSpPr>
-        <p:spPr/>
-        <p:txBody>
-          <a:bodyPr/>
-          <a:lstStyle/>
-          <a:p>
-            <a:r>
-              <a:rPr lang="en-US" dirty="0" smtClean="0"/>
-              <a:t>Requirements change management</a:t>
-            </a:r>
-            <a:endParaRPr lang="en-US" dirty="0"/>
-          </a:p>
-        </p:txBody>
-      </p:sp>
-      <p:sp>
-        <p:nvSpPr>
-          <p:cNvPr id="3" name="Content Placeholder 2"/>
-          <p:cNvSpPr>
-            <a:spLocks noGrp="1"/>
-          </p:cNvSpPr>
-          <p:nvPr>
-            <p:ph idx="1"/>
-          </p:nvPr>
-        </p:nvSpPr>
-        <p:spPr/>
-        <p:txBody>
-          <a:bodyPr/>
-          <a:lstStyle/>
-          <a:p>
-            <a:r>
-              <a:rPr lang="en-US" dirty="0" smtClean="0"/>
-              <a:t>Deciding if a requirements change should be accepted</a:t>
-            </a:r>
-          </a:p>
-          <a:p>
-            <a:pPr lvl="1"/>
-            <a:r>
-              <a:rPr lang="en-US" i="1" dirty="0" smtClean="0">
-                <a:solidFill>
-                  <a:srgbClr val="FF0000"/>
-                </a:solidFill>
-              </a:rPr>
-              <a:t>Problem analysis and change specification</a:t>
-            </a:r>
-            <a:r>
-              <a:rPr lang="en-US" dirty="0" smtClean="0">
-                <a:solidFill>
-                  <a:srgbClr val="FF0000"/>
-                </a:solidFill>
-              </a:rPr>
-              <a:t> </a:t>
-            </a:r>
-          </a:p>
-          <a:p>
-            <a:pPr lvl="2"/>
-            <a:r>
-              <a:rPr lang="en-US" dirty="0" smtClean="0"/>
-              <a:t>During this stage, the problem or the change proposal is analyzed to check that it is valid. This analysis is fed back to the change requestor who may respond with a more specific requirements change proposal, or decide to withdraw the request.</a:t>
-            </a:r>
-            <a:endParaRPr lang="en-GB" dirty="0" smtClean="0"/>
-          </a:p>
-          <a:p>
-            <a:pPr lvl="1"/>
-            <a:r>
-              <a:rPr lang="en-US" i="1" dirty="0" smtClean="0">
-                <a:solidFill>
-                  <a:srgbClr val="FF0000"/>
-                </a:solidFill>
-              </a:rPr>
-              <a:t>Change analysis and costing</a:t>
-            </a:r>
-            <a:r>
-              <a:rPr lang="en-US" dirty="0" smtClean="0">
-                <a:solidFill>
-                  <a:srgbClr val="FF0000"/>
-                </a:solidFill>
-              </a:rPr>
-              <a:t> </a:t>
-            </a:r>
-          </a:p>
-          <a:p>
-            <a:pPr lvl="2"/>
-            <a:r>
-              <a:rPr lang="en-US" dirty="0" smtClean="0"/>
-              <a:t>The effect of the proposed change is assessed using traceability information and general knowledge of the system requirements. Once this analysis is completed, a decision is made whether or not to proceed with the requirements change.</a:t>
-            </a:r>
-            <a:endParaRPr lang="en-GB" dirty="0" smtClean="0"/>
-          </a:p>
-          <a:p>
-            <a:pPr lvl="1"/>
-            <a:r>
-              <a:rPr lang="en-US" dirty="0" smtClean="0">
-                <a:solidFill>
-                  <a:srgbClr val="FF0000"/>
-                </a:solidFill>
-              </a:rPr>
-              <a:t>Change implementation</a:t>
-            </a:r>
-            <a:r>
-              <a:rPr lang="en-US" dirty="0" smtClean="0"/>
-              <a:t> </a:t>
-            </a:r>
-          </a:p>
-          <a:p>
-            <a:pPr lvl="2"/>
-            <a:r>
-              <a:rPr lang="en-US" dirty="0" smtClean="0"/>
-              <a:t>The requirements document and, where necessary, the system design and implementation, are modified. Ideally, the document should be organized so that changes can be easily implemented.</a:t>
-            </a:r>
-            <a:endParaRPr lang="en-US" dirty="0"/>
-          </a:p>
-        </p:txBody>
-      </p:sp>
-      <p:sp>
-        <p:nvSpPr>
-          <p:cNvPr id="4" name="Footer Placeholder 3"/>
-          <p:cNvSpPr>
-            <a:spLocks noGrp="1"/>
-          </p:cNvSpPr>
-          <p:nvPr>
-            <p:ph type="ftr" sz="quarter" idx="11"/>
-          </p:nvPr>
-        </p:nvSpPr>
-        <p:spPr/>
-        <p:txBody>
-          <a:bodyPr/>
-          <a:lstStyle/>
-          <a:p>
-            <a:pPr>
-              <a:defRPr/>
-            </a:pPr>
-            <a:r>
-              <a:rPr lang="en-US" smtClean="0"/>
-              <a:t>Chapter 4 Requirements engineering</a:t>
-            </a:r>
-            <a:endParaRPr lang="en-US"/>
-          </a:p>
-        </p:txBody>
-      </p:sp>
-      <p:sp>
-        <p:nvSpPr>
-          <p:cNvPr id="5" name="Slide Number Placeholder 4"/>
-          <p:cNvSpPr>
-            <a:spLocks noGrp="1"/>
-          </p:cNvSpPr>
-          <p:nvPr>
-            <p:ph type="sldNum" sz="quarter" idx="12"/>
-          </p:nvPr>
-        </p:nvSpPr>
-        <p:spPr/>
-        <p:txBody>
-          <a:bodyPr/>
-          <a:lstStyle/>
-          <a:p>
-            <a:pPr>
-              <a:defRPr/>
-            </a:pPr>
-            <a:fld id="{825F70CE-84E9-D04C-9B15-10C693AA0F2A}" type="slidenum">
-              <a:rPr lang="en-US" smtClean="0"/>
-              <a:pPr>
-                <a:defRPr/>
-              </a:pPr>
-              <a:t>76</a:t>
-            </a:fld>
-            <a:endParaRPr lang="en-US"/>
-          </a:p>
-        </p:txBody>
-      </p:sp>
-    </p:spTree>
-  </p:cSld>
-  <p:clrMapOvr>
-    <a:masterClrMapping/>
-  </p:clrMapOvr>
-  <p:timing>
-    <p:tnLst>
-      <p:par>
-        <p:cTn id="1" dur="indefinite" restart="never" nodeType="tmRoot"/>
-      </p:par>
-    </p:tnLst>
-  </p:timing>
-</p:sld>
-</file>
-
-<file path=ppt/slides/slide77.xml><?xml version="1.0" encoding="utf-8"?>
-<p:sld xmlns:a="http://schemas.openxmlformats.org/drawingml/2006/main" xmlns:r="http://schemas.openxmlformats.org/officeDocument/2006/relationships" xmlns:p="http://schemas.openxmlformats.org/presentationml/2006/main">
-  <p:cSld>
-    <p:spTree>
-      <p:nvGrpSpPr>
-        <p:cNvPr id="1" name=""/>
-        <p:cNvGrpSpPr/>
-        <p:nvPr/>
-      </p:nvGrpSpPr>
-      <p:grpSpPr>
-        <a:xfrm>
-          <a:off x="0" y="0"/>
-          <a:ext cx="0" cy="0"/>
-          <a:chOff x="0" y="0"/>
-          <a:chExt cx="0" cy="0"/>
-        </a:xfrm>
-      </p:grpSpPr>
-      <p:sp>
-        <p:nvSpPr>
-          <p:cNvPr id="35842" name="Title 1"/>
-          <p:cNvSpPr>
-            <a:spLocks noGrp="1"/>
-          </p:cNvSpPr>
-          <p:nvPr>
-            <p:ph type="title"/>
-          </p:nvPr>
-        </p:nvSpPr>
-        <p:spPr/>
-        <p:txBody>
-          <a:bodyPr/>
-          <a:lstStyle/>
-          <a:p>
-            <a:pPr eaLnBrk="1" hangingPunct="1"/>
-            <a:r>
-              <a:rPr lang="en-US" dirty="0" smtClean="0"/>
-              <a:t>Requirements change management</a:t>
-            </a:r>
-            <a:r>
-              <a:rPr lang="en-GB" dirty="0" smtClean="0"/>
-              <a:t> </a:t>
-            </a:r>
-            <a:endParaRPr lang="en-US" dirty="0" smtClean="0"/>
-          </a:p>
-        </p:txBody>
-      </p:sp>
-      <p:pic>
-        <p:nvPicPr>
-          <p:cNvPr id="4" name="Picture 3" descr="4.18 ReqChangeMan.eps"/>
-          <p:cNvPicPr>
-            <a:picLocks noChangeAspect="1"/>
-          </p:cNvPicPr>
-          <p:nvPr/>
-        </p:nvPicPr>
-        <mc:AlternateContent xmlns:mc="http://schemas.openxmlformats.org/markup-compatibility/2006">
-          <mc:Choice xmlns:ma="http://schemas.microsoft.com/office/mac/drawingml/2008/main" xmlns:mv="urn:schemas-microsoft-com:mac:vml" xmlns="" Requires="ma">
-            <p:blipFill>
-              <a:blip r:embed="rId2"/>
-              <a:stretch>
-                <a:fillRect/>
-              </a:stretch>
-            </p:blipFill>
-          </mc:Choice>
-          <mc:Fallback>
-            <p:blipFill>
-              <a:blip r:embed="rId3"/>
-              <a:stretch>
-                <a:fillRect/>
-              </a:stretch>
-            </p:blipFill>
-          </mc:Fallback>
-        </mc:AlternateContent>
-        <p:spPr>
-          <a:xfrm>
-            <a:off x="228600" y="3136900"/>
-            <a:ext cx="8661952" cy="1054100"/>
-          </a:xfrm>
-          <a:prstGeom prst="rect">
-            <a:avLst/>
-          </a:prstGeom>
-        </p:spPr>
-      </p:pic>
-      <p:sp>
-        <p:nvSpPr>
-          <p:cNvPr id="5" name="Slide Number Placeholder 4"/>
-          <p:cNvSpPr>
-            <a:spLocks noGrp="1"/>
-          </p:cNvSpPr>
-          <p:nvPr>
-            <p:ph type="sldNum" sz="quarter" idx="12"/>
-          </p:nvPr>
-        </p:nvSpPr>
-        <p:spPr/>
-        <p:txBody>
-          <a:bodyPr/>
-          <a:lstStyle/>
-          <a:p>
-            <a:pPr>
-              <a:defRPr/>
-            </a:pPr>
-            <a:fld id="{825F70CE-84E9-D04C-9B15-10C693AA0F2A}" type="slidenum">
-              <a:rPr lang="en-US" smtClean="0"/>
-              <a:pPr>
-                <a:defRPr/>
-              </a:pPr>
-              <a:t>77</a:t>
-            </a:fld>
-            <a:endParaRPr lang="en-US"/>
-          </a:p>
-        </p:txBody>
-      </p:sp>
-      <p:sp>
-        <p:nvSpPr>
-          <p:cNvPr id="6" name="Footer Placeholder 5"/>
-          <p:cNvSpPr>
-            <a:spLocks noGrp="1"/>
-          </p:cNvSpPr>
-          <p:nvPr>
-            <p:ph type="ftr" sz="quarter" idx="11"/>
-          </p:nvPr>
-        </p:nvSpPr>
-        <p:spPr/>
-        <p:txBody>
-          <a:bodyPr/>
-          <a:lstStyle/>
-          <a:p>
-            <a:pPr>
-              <a:defRPr/>
-            </a:pPr>
-            <a:r>
-              <a:rPr lang="en-US" smtClean="0"/>
-              <a:t>Chapter 4 Requirements engineering</a:t>
-            </a:r>
-            <a:endParaRPr lang="en-US"/>
-          </a:p>
-        </p:txBody>
-      </p:sp>
-    </p:spTree>
-  </p:cSld>
-  <p:clrMapOvr>
-    <a:masterClrMapping/>
-  </p:clrMapOvr>
-  <p:timing>
-    <p:tnLst>
-      <p:par>
-        <p:cTn id="1" dur="indefinite" restart="never" nodeType="tmRoot"/>
-      </p:par>
-    </p:tnLst>
-  </p:timing>
-</p:sld>
-</file>
-
-<file path=ppt/slides/slide78.xml><?xml version="1.0" encoding="utf-8"?>
-<p:sld xmlns:a="http://schemas.openxmlformats.org/drawingml/2006/main" xmlns:r="http://schemas.openxmlformats.org/officeDocument/2006/relationships" xmlns:p="http://schemas.openxmlformats.org/presentationml/2006/main">
-  <p:cSld>
-    <p:spTree>
-      <p:nvGrpSpPr>
-        <p:cNvPr id="1" name=""/>
-        <p:cNvGrpSpPr/>
-        <p:nvPr/>
-      </p:nvGrpSpPr>
-      <p:grpSpPr>
-        <a:xfrm>
-          <a:off x="0" y="0"/>
-          <a:ext cx="0" cy="0"/>
-          <a:chOff x="0" y="0"/>
-          <a:chExt cx="0" cy="0"/>
-        </a:xfrm>
-      </p:grpSpPr>
-      <p:sp>
-        <p:nvSpPr>
-          <p:cNvPr id="2" name="Title 1"/>
-          <p:cNvSpPr>
-            <a:spLocks noGrp="1"/>
-          </p:cNvSpPr>
-          <p:nvPr>
-            <p:ph type="title"/>
-          </p:nvPr>
-        </p:nvSpPr>
-        <p:spPr/>
-        <p:txBody>
-          <a:bodyPr/>
-          <a:lstStyle/>
-          <a:p>
-            <a:r>
-              <a:rPr lang="en-US" smtClean="0"/>
-              <a:t>Key points</a:t>
-            </a:r>
-            <a:endParaRPr lang="en-US" dirty="0"/>
-          </a:p>
-        </p:txBody>
-      </p:sp>
-      <p:sp>
-        <p:nvSpPr>
-          <p:cNvPr id="3" name="Content Placeholder 2"/>
-          <p:cNvSpPr>
-            <a:spLocks noGrp="1"/>
-          </p:cNvSpPr>
-          <p:nvPr>
-            <p:ph idx="1"/>
-          </p:nvPr>
-        </p:nvSpPr>
-        <p:spPr/>
-        <p:txBody>
-          <a:bodyPr/>
-          <a:lstStyle/>
-          <a:p>
-            <a:r>
-              <a:rPr lang="en-US" dirty="0" smtClean="0"/>
-              <a:t>You can use a range of techniques for requirements elicitation including interviews, scenarios, use-cases and ethnography.</a:t>
-            </a:r>
-          </a:p>
-          <a:p>
-            <a:r>
-              <a:rPr lang="en-US" dirty="0" smtClean="0"/>
-              <a:t>Requirements validation is the process of checking the requirements for validity, consistency, completeness, realism and verifiability. </a:t>
-            </a:r>
-            <a:endParaRPr lang="en-GB" dirty="0" smtClean="0"/>
-          </a:p>
-          <a:p>
-            <a:r>
-              <a:rPr lang="en-US" dirty="0" smtClean="0"/>
-              <a:t>Business, organizational and technical changes inevitably lead to changes to the requirements for a software system. Requirements management is the process of managing and controlling these changes.</a:t>
-            </a:r>
-            <a:endParaRPr lang="en-GB" dirty="0" smtClean="0"/>
-          </a:p>
-          <a:p>
-            <a:endParaRPr lang="en-US" dirty="0"/>
-          </a:p>
-        </p:txBody>
-      </p:sp>
-      <p:sp>
-        <p:nvSpPr>
-          <p:cNvPr id="5" name="Footer Placeholder 4"/>
-          <p:cNvSpPr>
-            <a:spLocks noGrp="1"/>
-          </p:cNvSpPr>
-          <p:nvPr>
-            <p:ph type="ftr" sz="quarter" idx="11"/>
-          </p:nvPr>
-        </p:nvSpPr>
-        <p:spPr/>
-        <p:txBody>
-          <a:bodyPr/>
-          <a:lstStyle/>
-          <a:p>
-            <a:r>
-              <a:rPr lang="en-US" smtClean="0"/>
-              <a:t>Chapter 4 Requirements engineering</a:t>
-            </a:r>
-            <a:endParaRPr lang="en-US"/>
-          </a:p>
-        </p:txBody>
-      </p:sp>
-      <p:sp>
-        <p:nvSpPr>
-          <p:cNvPr id="4" name="Slide Number Placeholder 3"/>
-          <p:cNvSpPr>
-            <a:spLocks noGrp="1"/>
-          </p:cNvSpPr>
-          <p:nvPr>
-            <p:ph type="sldNum" sz="quarter" idx="12"/>
-          </p:nvPr>
-        </p:nvSpPr>
-        <p:spPr/>
-        <p:txBody>
-          <a:bodyPr/>
-          <a:lstStyle/>
-          <a:p>
-            <a:fld id="{825F70CE-84E9-D04C-9B15-10C693AA0F2A}" type="slidenum">
-              <a:rPr lang="en-US" smtClean="0"/>
-              <a:pPr/>
-              <a:t>78</a:t>
-            </a:fld>
-            <a:endParaRPr lang="en-US"/>
-          </a:p>
-        </p:txBody>
-      </p:sp>
-    </p:spTree>
-  </p:cSld>
-  <p:clrMapOvr>
-    <a:masterClrMapping/>
-  </p:clrMapOvr>
 </p:sld>
 </file>
 
